--- a/misc/state possibilities for figures.pptx
+++ b/misc/state possibilities for figures.pptx
@@ -6,25 +6,27 @@
   </p:sldMasterIdLst>
   <p:sldIdLst>
     <p:sldId id="264" r:id="rId2"/>
-    <p:sldId id="273" r:id="rId3"/>
-    <p:sldId id="274" r:id="rId4"/>
-    <p:sldId id="275" r:id="rId5"/>
-    <p:sldId id="276" r:id="rId6"/>
-    <p:sldId id="278" r:id="rId7"/>
-    <p:sldId id="279" r:id="rId8"/>
-    <p:sldId id="277" r:id="rId9"/>
-    <p:sldId id="271" r:id="rId10"/>
-    <p:sldId id="261" r:id="rId11"/>
-    <p:sldId id="262" r:id="rId12"/>
-    <p:sldId id="260" r:id="rId13"/>
-    <p:sldId id="263" r:id="rId14"/>
-    <p:sldId id="265" r:id="rId15"/>
-    <p:sldId id="266" r:id="rId16"/>
-    <p:sldId id="267" r:id="rId17"/>
-    <p:sldId id="268" r:id="rId18"/>
-    <p:sldId id="269" r:id="rId19"/>
-    <p:sldId id="270" r:id="rId20"/>
-    <p:sldId id="272" r:id="rId21"/>
+    <p:sldId id="280" r:id="rId3"/>
+    <p:sldId id="273" r:id="rId4"/>
+    <p:sldId id="274" r:id="rId5"/>
+    <p:sldId id="275" r:id="rId6"/>
+    <p:sldId id="276" r:id="rId7"/>
+    <p:sldId id="278" r:id="rId8"/>
+    <p:sldId id="279" r:id="rId9"/>
+    <p:sldId id="277" r:id="rId10"/>
+    <p:sldId id="256" r:id="rId11"/>
+    <p:sldId id="271" r:id="rId12"/>
+    <p:sldId id="261" r:id="rId13"/>
+    <p:sldId id="262" r:id="rId14"/>
+    <p:sldId id="260" r:id="rId15"/>
+    <p:sldId id="263" r:id="rId16"/>
+    <p:sldId id="265" r:id="rId17"/>
+    <p:sldId id="266" r:id="rId18"/>
+    <p:sldId id="267" r:id="rId19"/>
+    <p:sldId id="268" r:id="rId20"/>
+    <p:sldId id="269" r:id="rId21"/>
+    <p:sldId id="270" r:id="rId22"/>
+    <p:sldId id="272" r:id="rId23"/>
   </p:sldIdLst>
   <p:sldSz cx="12192000" cy="6858000"/>
   <p:notesSz cx="6858000" cy="9144000"/>
@@ -11738,7 +11740,7 @@
           <a:p>
             <a:fld id="{9A3D6B63-7973-4513-BC84-C3DC84D916C6}" type="datetimeFigureOut">
               <a:rPr lang="en-CA" smtClean="0"/>
-              <a:t>2025-11-15</a:t>
+              <a:t>2025-11-18</a:t>
             </a:fld>
             <a:endParaRPr lang="en-CA"/>
           </a:p>
@@ -11938,7 +11940,7 @@
           <a:p>
             <a:fld id="{9A3D6B63-7973-4513-BC84-C3DC84D916C6}" type="datetimeFigureOut">
               <a:rPr lang="en-CA" smtClean="0"/>
-              <a:t>2025-11-15</a:t>
+              <a:t>2025-11-18</a:t>
             </a:fld>
             <a:endParaRPr lang="en-CA"/>
           </a:p>
@@ -12148,7 +12150,7 @@
           <a:p>
             <a:fld id="{9A3D6B63-7973-4513-BC84-C3DC84D916C6}" type="datetimeFigureOut">
               <a:rPr lang="en-CA" smtClean="0"/>
-              <a:t>2025-11-15</a:t>
+              <a:t>2025-11-18</a:t>
             </a:fld>
             <a:endParaRPr lang="en-CA"/>
           </a:p>
@@ -12348,7 +12350,7 @@
           <a:p>
             <a:fld id="{9A3D6B63-7973-4513-BC84-C3DC84D916C6}" type="datetimeFigureOut">
               <a:rPr lang="en-CA" smtClean="0"/>
-              <a:t>2025-11-15</a:t>
+              <a:t>2025-11-18</a:t>
             </a:fld>
             <a:endParaRPr lang="en-CA"/>
           </a:p>
@@ -12624,7 +12626,7 @@
           <a:p>
             <a:fld id="{9A3D6B63-7973-4513-BC84-C3DC84D916C6}" type="datetimeFigureOut">
               <a:rPr lang="en-CA" smtClean="0"/>
-              <a:t>2025-11-15</a:t>
+              <a:t>2025-11-18</a:t>
             </a:fld>
             <a:endParaRPr lang="en-CA"/>
           </a:p>
@@ -12892,7 +12894,7 @@
           <a:p>
             <a:fld id="{9A3D6B63-7973-4513-BC84-C3DC84D916C6}" type="datetimeFigureOut">
               <a:rPr lang="en-CA" smtClean="0"/>
-              <a:t>2025-11-15</a:t>
+              <a:t>2025-11-18</a:t>
             </a:fld>
             <a:endParaRPr lang="en-CA"/>
           </a:p>
@@ -13307,7 +13309,7 @@
           <a:p>
             <a:fld id="{9A3D6B63-7973-4513-BC84-C3DC84D916C6}" type="datetimeFigureOut">
               <a:rPr lang="en-CA" smtClean="0"/>
-              <a:t>2025-11-15</a:t>
+              <a:t>2025-11-18</a:t>
             </a:fld>
             <a:endParaRPr lang="en-CA"/>
           </a:p>
@@ -13449,7 +13451,7 @@
           <a:p>
             <a:fld id="{9A3D6B63-7973-4513-BC84-C3DC84D916C6}" type="datetimeFigureOut">
               <a:rPr lang="en-CA" smtClean="0"/>
-              <a:t>2025-11-15</a:t>
+              <a:t>2025-11-18</a:t>
             </a:fld>
             <a:endParaRPr lang="en-CA"/>
           </a:p>
@@ -13562,7 +13564,7 @@
           <a:p>
             <a:fld id="{9A3D6B63-7973-4513-BC84-C3DC84D916C6}" type="datetimeFigureOut">
               <a:rPr lang="en-CA" smtClean="0"/>
-              <a:t>2025-11-15</a:t>
+              <a:t>2025-11-18</a:t>
             </a:fld>
             <a:endParaRPr lang="en-CA"/>
           </a:p>
@@ -13875,7 +13877,7 @@
           <a:p>
             <a:fld id="{9A3D6B63-7973-4513-BC84-C3DC84D916C6}" type="datetimeFigureOut">
               <a:rPr lang="en-CA" smtClean="0"/>
-              <a:t>2025-11-15</a:t>
+              <a:t>2025-11-18</a:t>
             </a:fld>
             <a:endParaRPr lang="en-CA"/>
           </a:p>
@@ -14164,7 +14166,7 @@
           <a:p>
             <a:fld id="{9A3D6B63-7973-4513-BC84-C3DC84D916C6}" type="datetimeFigureOut">
               <a:rPr lang="en-CA" smtClean="0"/>
-              <a:t>2025-11-15</a:t>
+              <a:t>2025-11-18</a:t>
             </a:fld>
             <a:endParaRPr lang="en-CA"/>
           </a:p>
@@ -14407,7 +14409,7 @@
           <a:p>
             <a:fld id="{9A3D6B63-7973-4513-BC84-C3DC84D916C6}" type="datetimeFigureOut">
               <a:rPr lang="en-CA" smtClean="0"/>
-              <a:t>2025-11-15</a:t>
+              <a:t>2025-11-18</a:t>
             </a:fld>
             <a:endParaRPr lang="en-CA"/>
           </a:p>
@@ -15462,6 +15464,380 @@
   <p:cSld>
     <p:spTree>
       <p:nvGrpSpPr>
+        <p:cNvPr id="1" name=""/>
+        <p:cNvGrpSpPr/>
+        <p:nvPr/>
+      </p:nvGrpSpPr>
+      <p:grpSpPr>
+        <a:xfrm>
+          <a:off x="0" y="0"/>
+          <a:ext cx="0" cy="0"/>
+          <a:chOff x="0" y="0"/>
+          <a:chExt cx="0" cy="0"/>
+        </a:xfrm>
+      </p:grpSpPr>
+      <p:pic>
+        <p:nvPicPr>
+          <p:cNvPr id="2" name="Picture 1">
+            <a:extLst>
+              <a:ext uri="{FF2B5EF4-FFF2-40B4-BE49-F238E27FC236}">
+                <a16:creationId xmlns:a16="http://schemas.microsoft.com/office/drawing/2014/main" id="{3F0AC449-F298-B2A4-85FA-8995442F5444}"/>
+              </a:ext>
+            </a:extLst>
+          </p:cNvPr>
+          <p:cNvPicPr>
+            <a:picLocks noChangeAspect="1"/>
+          </p:cNvPicPr>
+          <p:nvPr/>
+        </p:nvPicPr>
+        <p:blipFill>
+          <a:blip r:embed="rId2"/>
+          <a:stretch>
+            <a:fillRect/>
+          </a:stretch>
+        </p:blipFill>
+        <p:spPr>
+          <a:xfrm>
+            <a:off x="0" y="-1"/>
+            <a:ext cx="12192000" cy="6858001"/>
+          </a:xfrm>
+          <a:prstGeom prst="rect">
+            <a:avLst/>
+          </a:prstGeom>
+        </p:spPr>
+      </p:pic>
+    </p:spTree>
+    <p:extLst>
+      <p:ext uri="{BB962C8B-B14F-4D97-AF65-F5344CB8AC3E}">
+        <p14:creationId xmlns:p14="http://schemas.microsoft.com/office/powerpoint/2010/main" val="39350236"/>
+      </p:ext>
+    </p:extLst>
+  </p:cSld>
+  <p:clrMapOvr>
+    <a:masterClrMapping/>
+  </p:clrMapOvr>
+</p:sld>
+</file>
+
+<file path=ppt/slides/slide11.xml><?xml version="1.0" encoding="utf-8"?>
+<p:sld xmlns:a="http://schemas.openxmlformats.org/drawingml/2006/main" xmlns:r="http://schemas.openxmlformats.org/officeDocument/2006/relationships" xmlns:p="http://schemas.openxmlformats.org/presentationml/2006/main">
+  <p:cSld>
+    <p:spTree>
+      <p:nvGrpSpPr>
+        <p:cNvPr id="1" name="">
+          <a:extLst>
+            <a:ext uri="{FF2B5EF4-FFF2-40B4-BE49-F238E27FC236}">
+              <a16:creationId xmlns:a16="http://schemas.microsoft.com/office/drawing/2014/main" id="{A4C132E7-45B4-9E4F-011E-66D12A3C71F8}"/>
+            </a:ext>
+          </a:extLst>
+        </p:cNvPr>
+        <p:cNvGrpSpPr/>
+        <p:nvPr/>
+      </p:nvGrpSpPr>
+      <p:grpSpPr>
+        <a:xfrm>
+          <a:off x="0" y="0"/>
+          <a:ext cx="0" cy="0"/>
+          <a:chOff x="0" y="0"/>
+          <a:chExt cx="0" cy="0"/>
+        </a:xfrm>
+      </p:grpSpPr>
+      <p:sp>
+        <p:nvSpPr>
+          <p:cNvPr id="4" name="Oval 3">
+            <a:extLst>
+              <a:ext uri="{FF2B5EF4-FFF2-40B4-BE49-F238E27FC236}">
+                <a16:creationId xmlns:a16="http://schemas.microsoft.com/office/drawing/2014/main" id="{61901EAE-1406-25AE-DE21-888455B00D22}"/>
+              </a:ext>
+            </a:extLst>
+          </p:cNvPr>
+          <p:cNvSpPr/>
+          <p:nvPr/>
+        </p:nvSpPr>
+        <p:spPr>
+          <a:xfrm rot="2311774">
+            <a:off x="5764453" y="2682581"/>
+            <a:ext cx="1322877" cy="2401108"/>
+          </a:xfrm>
+          <a:prstGeom prst="ellipse">
+            <a:avLst/>
+          </a:prstGeom>
+        </p:spPr>
+        <p:style>
+          <a:lnRef idx="2">
+            <a:schemeClr val="accent1">
+              <a:shade val="15000"/>
+            </a:schemeClr>
+          </a:lnRef>
+          <a:fillRef idx="1">
+            <a:schemeClr val="accent1"/>
+          </a:fillRef>
+          <a:effectRef idx="0">
+            <a:schemeClr val="accent1"/>
+          </a:effectRef>
+          <a:fontRef idx="minor">
+            <a:schemeClr val="lt1"/>
+          </a:fontRef>
+        </p:style>
+        <p:txBody>
+          <a:bodyPr rtlCol="0" anchor="ctr"/>
+          <a:lstStyle/>
+          <a:p>
+            <a:pPr algn="ctr"/>
+            <a:endParaRPr lang="en-CA"/>
+          </a:p>
+        </p:txBody>
+      </p:sp>
+      <p:sp>
+        <p:nvSpPr>
+          <p:cNvPr id="3" name="Oval 2">
+            <a:extLst>
+              <a:ext uri="{FF2B5EF4-FFF2-40B4-BE49-F238E27FC236}">
+                <a16:creationId xmlns:a16="http://schemas.microsoft.com/office/drawing/2014/main" id="{A022C0AF-AE22-C313-5955-0F8E98A0771A}"/>
+              </a:ext>
+            </a:extLst>
+          </p:cNvPr>
+          <p:cNvSpPr/>
+          <p:nvPr/>
+        </p:nvSpPr>
+        <p:spPr>
+          <a:xfrm rot="8174236">
+            <a:off x="4955877" y="3253168"/>
+            <a:ext cx="606217" cy="1787274"/>
+          </a:xfrm>
+          <a:prstGeom prst="ellipse">
+            <a:avLst/>
+          </a:prstGeom>
+        </p:spPr>
+        <p:style>
+          <a:lnRef idx="2">
+            <a:schemeClr val="accent1">
+              <a:shade val="15000"/>
+            </a:schemeClr>
+          </a:lnRef>
+          <a:fillRef idx="1">
+            <a:schemeClr val="accent1"/>
+          </a:fillRef>
+          <a:effectRef idx="0">
+            <a:schemeClr val="accent1"/>
+          </a:effectRef>
+          <a:fontRef idx="minor">
+            <a:schemeClr val="lt1"/>
+          </a:fontRef>
+        </p:style>
+        <p:txBody>
+          <a:bodyPr rtlCol="0" anchor="ctr"/>
+          <a:lstStyle/>
+          <a:p>
+            <a:pPr algn="ctr"/>
+            <a:endParaRPr lang="en-CA"/>
+          </a:p>
+        </p:txBody>
+      </p:sp>
+      <p:sp>
+        <p:nvSpPr>
+          <p:cNvPr id="5" name="Rectangle: Rounded Corners 4">
+            <a:extLst>
+              <a:ext uri="{FF2B5EF4-FFF2-40B4-BE49-F238E27FC236}">
+                <a16:creationId xmlns:a16="http://schemas.microsoft.com/office/drawing/2014/main" id="{EF3DC6FC-C90E-EAB4-70B0-2E97C4B679F7}"/>
+              </a:ext>
+            </a:extLst>
+          </p:cNvPr>
+          <p:cNvSpPr/>
+          <p:nvPr/>
+        </p:nvSpPr>
+        <p:spPr>
+          <a:xfrm>
+            <a:off x="4459224" y="3986784"/>
+            <a:ext cx="3273552" cy="603504"/>
+          </a:xfrm>
+          <a:prstGeom prst="roundRect">
+            <a:avLst>
+              <a:gd name="adj" fmla="val 50000"/>
+            </a:avLst>
+          </a:prstGeom>
+        </p:spPr>
+        <p:style>
+          <a:lnRef idx="2">
+            <a:schemeClr val="accent1">
+              <a:shade val="15000"/>
+            </a:schemeClr>
+          </a:lnRef>
+          <a:fillRef idx="1">
+            <a:schemeClr val="accent1"/>
+          </a:fillRef>
+          <a:effectRef idx="0">
+            <a:schemeClr val="accent1"/>
+          </a:effectRef>
+          <a:fontRef idx="minor">
+            <a:schemeClr val="lt1"/>
+          </a:fontRef>
+        </p:style>
+        <p:txBody>
+          <a:bodyPr rtlCol="0" anchor="ctr"/>
+          <a:lstStyle/>
+          <a:p>
+            <a:pPr algn="ctr"/>
+            <a:endParaRPr lang="en-CA"/>
+          </a:p>
+        </p:txBody>
+      </p:sp>
+      <p:sp>
+        <p:nvSpPr>
+          <p:cNvPr id="2" name="Oval 1">
+            <a:extLst>
+              <a:ext uri="{FF2B5EF4-FFF2-40B4-BE49-F238E27FC236}">
+                <a16:creationId xmlns:a16="http://schemas.microsoft.com/office/drawing/2014/main" id="{ED99657A-524B-8111-2266-8C37E5880037}"/>
+              </a:ext>
+            </a:extLst>
+          </p:cNvPr>
+          <p:cNvSpPr/>
+          <p:nvPr/>
+        </p:nvSpPr>
+        <p:spPr>
+          <a:xfrm rot="2311774">
+            <a:off x="3958117" y="3300984"/>
+            <a:ext cx="533400" cy="1691640"/>
+          </a:xfrm>
+          <a:prstGeom prst="ellipse">
+            <a:avLst/>
+          </a:prstGeom>
+        </p:spPr>
+        <p:style>
+          <a:lnRef idx="2">
+            <a:schemeClr val="accent1">
+              <a:shade val="15000"/>
+            </a:schemeClr>
+          </a:lnRef>
+          <a:fillRef idx="1">
+            <a:schemeClr val="accent1"/>
+          </a:fillRef>
+          <a:effectRef idx="0">
+            <a:schemeClr val="accent1"/>
+          </a:effectRef>
+          <a:fontRef idx="minor">
+            <a:schemeClr val="lt1"/>
+          </a:fontRef>
+        </p:style>
+        <p:txBody>
+          <a:bodyPr rtlCol="0" anchor="ctr"/>
+          <a:lstStyle/>
+          <a:p>
+            <a:pPr algn="ctr"/>
+            <a:endParaRPr lang="en-CA"/>
+          </a:p>
+        </p:txBody>
+      </p:sp>
+      <p:sp>
+        <p:nvSpPr>
+          <p:cNvPr id="11" name="Oval 10">
+            <a:extLst>
+              <a:ext uri="{FF2B5EF4-FFF2-40B4-BE49-F238E27FC236}">
+                <a16:creationId xmlns:a16="http://schemas.microsoft.com/office/drawing/2014/main" id="{EBFCFC74-A70B-6C26-4D77-9C1741AA03BB}"/>
+              </a:ext>
+            </a:extLst>
+          </p:cNvPr>
+          <p:cNvSpPr/>
+          <p:nvPr/>
+        </p:nvSpPr>
+        <p:spPr>
+          <a:xfrm>
+            <a:off x="5925312" y="1124712"/>
+            <a:ext cx="2185416" cy="2048256"/>
+          </a:xfrm>
+          <a:prstGeom prst="ellipse">
+            <a:avLst/>
+          </a:prstGeom>
+        </p:spPr>
+        <p:style>
+          <a:lnRef idx="2">
+            <a:schemeClr val="accent1">
+              <a:shade val="15000"/>
+            </a:schemeClr>
+          </a:lnRef>
+          <a:fillRef idx="1">
+            <a:schemeClr val="accent1"/>
+          </a:fillRef>
+          <a:effectRef idx="0">
+            <a:schemeClr val="accent1"/>
+          </a:effectRef>
+          <a:fontRef idx="minor">
+            <a:schemeClr val="lt1"/>
+          </a:fontRef>
+        </p:style>
+        <p:txBody>
+          <a:bodyPr rtlCol="0" anchor="ctr"/>
+          <a:lstStyle/>
+          <a:p>
+            <a:pPr algn="ctr"/>
+            <a:endParaRPr lang="en-CA"/>
+          </a:p>
+        </p:txBody>
+      </p:sp>
+      <p:sp>
+        <p:nvSpPr>
+          <p:cNvPr id="14" name="Oval 13">
+            <a:extLst>
+              <a:ext uri="{FF2B5EF4-FFF2-40B4-BE49-F238E27FC236}">
+                <a16:creationId xmlns:a16="http://schemas.microsoft.com/office/drawing/2014/main" id="{ECAA06B8-FDB8-2117-DE4F-1D000E3C9629}"/>
+              </a:ext>
+            </a:extLst>
+          </p:cNvPr>
+          <p:cNvSpPr/>
+          <p:nvPr/>
+        </p:nvSpPr>
+        <p:spPr>
+          <a:xfrm rot="1875076">
+            <a:off x="6159190" y="3086972"/>
+            <a:ext cx="533400" cy="1691640"/>
+          </a:xfrm>
+          <a:prstGeom prst="ellipse">
+            <a:avLst/>
+          </a:prstGeom>
+        </p:spPr>
+        <p:style>
+          <a:lnRef idx="2">
+            <a:schemeClr val="accent1">
+              <a:shade val="15000"/>
+            </a:schemeClr>
+          </a:lnRef>
+          <a:fillRef idx="1">
+            <a:schemeClr val="accent1"/>
+          </a:fillRef>
+          <a:effectRef idx="0">
+            <a:schemeClr val="accent1"/>
+          </a:effectRef>
+          <a:fontRef idx="minor">
+            <a:schemeClr val="lt1"/>
+          </a:fontRef>
+        </p:style>
+        <p:txBody>
+          <a:bodyPr rtlCol="0" anchor="ctr"/>
+          <a:lstStyle/>
+          <a:p>
+            <a:pPr algn="ctr"/>
+            <a:endParaRPr lang="en-CA"/>
+          </a:p>
+        </p:txBody>
+      </p:sp>
+    </p:spTree>
+    <p:extLst>
+      <p:ext uri="{BB962C8B-B14F-4D97-AF65-F5344CB8AC3E}">
+        <p14:creationId xmlns:p14="http://schemas.microsoft.com/office/powerpoint/2010/main" val="2659008977"/>
+      </p:ext>
+    </p:extLst>
+  </p:cSld>
+  <p:clrMapOvr>
+    <a:masterClrMapping/>
+  </p:clrMapOvr>
+</p:sld>
+</file>
+
+<file path=ppt/slides/slide12.xml><?xml version="1.0" encoding="utf-8"?>
+<p:sld xmlns:a="http://schemas.openxmlformats.org/drawingml/2006/main" xmlns:r="http://schemas.openxmlformats.org/officeDocument/2006/relationships" xmlns:p="http://schemas.openxmlformats.org/presentationml/2006/main">
+  <p:cSld>
+    <p:spTree>
+      <p:nvGrpSpPr>
         <p:cNvPr id="1" name="">
           <a:extLst>
             <a:ext uri="{FF2B5EF4-FFF2-40B4-BE49-F238E27FC236}">
@@ -15771,7 +16147,7 @@
 </p:sld>
 </file>
 
-<file path=ppt/slides/slide11.xml><?xml version="1.0" encoding="utf-8"?>
+<file path=ppt/slides/slide13.xml><?xml version="1.0" encoding="utf-8"?>
 <p:sld xmlns:a="http://schemas.openxmlformats.org/drawingml/2006/main" xmlns:r="http://schemas.openxmlformats.org/officeDocument/2006/relationships" xmlns:p="http://schemas.openxmlformats.org/presentationml/2006/main">
   <p:cSld>
     <p:spTree>
@@ -16177,7 +16553,7 @@
 </p:sld>
 </file>
 
-<file path=ppt/slides/slide12.xml><?xml version="1.0" encoding="utf-8"?>
+<file path=ppt/slides/slide14.xml><?xml version="1.0" encoding="utf-8"?>
 <p:sld xmlns:a="http://schemas.openxmlformats.org/drawingml/2006/main" xmlns:r="http://schemas.openxmlformats.org/officeDocument/2006/relationships" xmlns:p="http://schemas.openxmlformats.org/presentationml/2006/main">
   <p:cSld>
     <p:spTree>
@@ -16583,7 +16959,7 @@
 </p:sld>
 </file>
 
-<file path=ppt/slides/slide13.xml><?xml version="1.0" encoding="utf-8"?>
+<file path=ppt/slides/slide15.xml><?xml version="1.0" encoding="utf-8"?>
 <p:sld xmlns:a="http://schemas.openxmlformats.org/drawingml/2006/main" xmlns:r="http://schemas.openxmlformats.org/officeDocument/2006/relationships" xmlns:p="http://schemas.openxmlformats.org/presentationml/2006/main">
   <p:cSld>
     <p:spTree>
@@ -16943,7 +17319,7 @@
 </p:sld>
 </file>
 
-<file path=ppt/slides/slide14.xml><?xml version="1.0" encoding="utf-8"?>
+<file path=ppt/slides/slide16.xml><?xml version="1.0" encoding="utf-8"?>
 <p:sld xmlns:a="http://schemas.openxmlformats.org/drawingml/2006/main" xmlns:r="http://schemas.openxmlformats.org/officeDocument/2006/relationships" xmlns:p="http://schemas.openxmlformats.org/presentationml/2006/main">
   <p:cSld>
     <p:spTree>
@@ -17303,7 +17679,7 @@
 </p:sld>
 </file>
 
-<file path=ppt/slides/slide15.xml><?xml version="1.0" encoding="utf-8"?>
+<file path=ppt/slides/slide17.xml><?xml version="1.0" encoding="utf-8"?>
 <p:sld xmlns:a="http://schemas.openxmlformats.org/drawingml/2006/main" xmlns:r="http://schemas.openxmlformats.org/officeDocument/2006/relationships" xmlns:p="http://schemas.openxmlformats.org/presentationml/2006/main">
   <p:cSld>
     <p:spTree>
@@ -17789,7 +18165,7 @@
 </p:sld>
 </file>
 
-<file path=ppt/slides/slide16.xml><?xml version="1.0" encoding="utf-8"?>
+<file path=ppt/slides/slide18.xml><?xml version="1.0" encoding="utf-8"?>
 <p:sld xmlns:a="http://schemas.openxmlformats.org/drawingml/2006/main" xmlns:r="http://schemas.openxmlformats.org/officeDocument/2006/relationships" xmlns:p="http://schemas.openxmlformats.org/presentationml/2006/main">
   <p:cSld>
     <p:spTree>
@@ -18239,7 +18615,7 @@
 </p:sld>
 </file>
 
-<file path=ppt/slides/slide17.xml><?xml version="1.0" encoding="utf-8"?>
+<file path=ppt/slides/slide19.xml><?xml version="1.0" encoding="utf-8"?>
 <p:sld xmlns:a="http://schemas.openxmlformats.org/drawingml/2006/main" xmlns:r="http://schemas.openxmlformats.org/officeDocument/2006/relationships" xmlns:p="http://schemas.openxmlformats.org/presentationml/2006/main">
   <p:cSld>
     <p:spTree>
@@ -18683,7 +19059,151 @@
 </p:sld>
 </file>
 
-<file path=ppt/slides/slide18.xml><?xml version="1.0" encoding="utf-8"?>
+<file path=ppt/slides/slide2.xml><?xml version="1.0" encoding="utf-8"?>
+<p:sld xmlns:a="http://schemas.openxmlformats.org/drawingml/2006/main" xmlns:r="http://schemas.openxmlformats.org/officeDocument/2006/relationships" xmlns:p="http://schemas.openxmlformats.org/presentationml/2006/main">
+  <p:cSld>
+    <p:spTree>
+      <p:nvGrpSpPr>
+        <p:cNvPr id="1" name="">
+          <a:extLst>
+            <a:ext uri="{FF2B5EF4-FFF2-40B4-BE49-F238E27FC236}">
+              <a16:creationId xmlns:a16="http://schemas.microsoft.com/office/drawing/2014/main" id="{F4F91F5A-2931-DA05-996C-C3AF54F9CFB1}"/>
+            </a:ext>
+          </a:extLst>
+        </p:cNvPr>
+        <p:cNvGrpSpPr/>
+        <p:nvPr/>
+      </p:nvGrpSpPr>
+      <p:grpSpPr>
+        <a:xfrm>
+          <a:off x="0" y="0"/>
+          <a:ext cx="0" cy="0"/>
+          <a:chOff x="0" y="0"/>
+          <a:chExt cx="0" cy="0"/>
+        </a:xfrm>
+      </p:grpSpPr>
+      <p:sp>
+        <p:nvSpPr>
+          <p:cNvPr id="10" name="Rectangle 9">
+            <a:extLst>
+              <a:ext uri="{FF2B5EF4-FFF2-40B4-BE49-F238E27FC236}">
+                <a16:creationId xmlns:a16="http://schemas.microsoft.com/office/drawing/2014/main" id="{5F1E1D83-8647-D8F1-20D8-9CFD155D3A6F}"/>
+              </a:ext>
+            </a:extLst>
+          </p:cNvPr>
+          <p:cNvSpPr/>
+          <p:nvPr/>
+        </p:nvSpPr>
+        <p:spPr>
+          <a:xfrm>
+            <a:off x="5976729" y="2372139"/>
+            <a:ext cx="231913" cy="2100470"/>
+          </a:xfrm>
+          <a:prstGeom prst="rect">
+            <a:avLst/>
+          </a:prstGeom>
+          <a:solidFill>
+            <a:schemeClr val="tx1"/>
+          </a:solidFill>
+          <a:ln>
+            <a:solidFill>
+              <a:schemeClr val="tx1"/>
+            </a:solidFill>
+          </a:ln>
+        </p:spPr>
+        <p:style>
+          <a:lnRef idx="2">
+            <a:schemeClr val="accent1">
+              <a:shade val="15000"/>
+            </a:schemeClr>
+          </a:lnRef>
+          <a:fillRef idx="1">
+            <a:schemeClr val="accent1"/>
+          </a:fillRef>
+          <a:effectRef idx="0">
+            <a:schemeClr val="accent1"/>
+          </a:effectRef>
+          <a:fontRef idx="minor">
+            <a:schemeClr val="lt1"/>
+          </a:fontRef>
+        </p:style>
+        <p:txBody>
+          <a:bodyPr rtlCol="0" anchor="ctr"/>
+          <a:lstStyle/>
+          <a:p>
+            <a:pPr algn="ctr"/>
+            <a:endParaRPr lang="en-CA"/>
+          </a:p>
+        </p:txBody>
+      </p:sp>
+      <p:sp>
+        <p:nvSpPr>
+          <p:cNvPr id="12" name="Rectangle 11">
+            <a:extLst>
+              <a:ext uri="{FF2B5EF4-FFF2-40B4-BE49-F238E27FC236}">
+                <a16:creationId xmlns:a16="http://schemas.microsoft.com/office/drawing/2014/main" id="{90232D68-4913-E6B1-EF50-F6ED69549F83}"/>
+              </a:ext>
+            </a:extLst>
+          </p:cNvPr>
+          <p:cNvSpPr/>
+          <p:nvPr/>
+        </p:nvSpPr>
+        <p:spPr>
+          <a:xfrm>
+            <a:off x="5003292" y="3302707"/>
+            <a:ext cx="2173356" cy="284921"/>
+          </a:xfrm>
+          <a:prstGeom prst="rect">
+            <a:avLst/>
+          </a:prstGeom>
+          <a:solidFill>
+            <a:schemeClr val="tx1"/>
+          </a:solidFill>
+          <a:ln>
+            <a:solidFill>
+              <a:schemeClr val="tx1"/>
+            </a:solidFill>
+          </a:ln>
+        </p:spPr>
+        <p:style>
+          <a:lnRef idx="2">
+            <a:schemeClr val="accent1">
+              <a:shade val="15000"/>
+            </a:schemeClr>
+          </a:lnRef>
+          <a:fillRef idx="1">
+            <a:schemeClr val="accent1"/>
+          </a:fillRef>
+          <a:effectRef idx="0">
+            <a:schemeClr val="accent1"/>
+          </a:effectRef>
+          <a:fontRef idx="minor">
+            <a:schemeClr val="lt1"/>
+          </a:fontRef>
+        </p:style>
+        <p:txBody>
+          <a:bodyPr rtlCol="0" anchor="ctr"/>
+          <a:lstStyle/>
+          <a:p>
+            <a:pPr algn="ctr"/>
+            <a:endParaRPr lang="en-CA"/>
+          </a:p>
+        </p:txBody>
+      </p:sp>
+    </p:spTree>
+    <p:extLst>
+      <p:ext uri="{BB962C8B-B14F-4D97-AF65-F5344CB8AC3E}">
+        <p14:creationId xmlns:p14="http://schemas.microsoft.com/office/powerpoint/2010/main" val="1119865823"/>
+      </p:ext>
+    </p:extLst>
+  </p:cSld>
+  <p:clrMapOvr>
+    <a:masterClrMapping/>
+  </p:clrMapOvr>
+</p:sld>
+</file>
+
+<file path=ppt/slides/slide20.xml><?xml version="1.0" encoding="utf-8"?>
 <p:sld xmlns:a="http://schemas.openxmlformats.org/drawingml/2006/main" xmlns:r="http://schemas.openxmlformats.org/officeDocument/2006/relationships" xmlns:p="http://schemas.openxmlformats.org/presentationml/2006/main">
   <p:cSld>
     <p:spTree>
@@ -19127,7 +19647,7 @@
 </p:sld>
 </file>
 
-<file path=ppt/slides/slide19.xml><?xml version="1.0" encoding="utf-8"?>
+<file path=ppt/slides/slide21.xml><?xml version="1.0" encoding="utf-8"?>
 <p:sld xmlns:a="http://schemas.openxmlformats.org/drawingml/2006/main" xmlns:r="http://schemas.openxmlformats.org/officeDocument/2006/relationships" xmlns:p="http://schemas.openxmlformats.org/presentationml/2006/main">
   <p:cSld>
     <p:spTree>
@@ -19619,2285 +20139,7 @@
 </p:sld>
 </file>
 
-<file path=ppt/slides/slide2.xml><?xml version="1.0" encoding="utf-8"?>
-<p:sld xmlns:a="http://schemas.openxmlformats.org/drawingml/2006/main" xmlns:r="http://schemas.openxmlformats.org/officeDocument/2006/relationships" xmlns:p="http://schemas.openxmlformats.org/presentationml/2006/main">
-  <p:cSld>
-    <p:spTree>
-      <p:nvGrpSpPr>
-        <p:cNvPr id="1" name=""/>
-        <p:cNvGrpSpPr/>
-        <p:nvPr/>
-      </p:nvGrpSpPr>
-      <p:grpSpPr>
-        <a:xfrm>
-          <a:off x="0" y="0"/>
-          <a:ext cx="0" cy="0"/>
-          <a:chOff x="0" y="0"/>
-          <a:chExt cx="0" cy="0"/>
-        </a:xfrm>
-      </p:grpSpPr>
-      <p:graphicFrame>
-        <p:nvGraphicFramePr>
-          <p:cNvPr id="4" name="Table 3">
-            <a:extLst>
-              <a:ext uri="{FF2B5EF4-FFF2-40B4-BE49-F238E27FC236}">
-                <a16:creationId xmlns:a16="http://schemas.microsoft.com/office/drawing/2014/main" id="{BBC2A157-856C-5503-41A7-79A751246103}"/>
-              </a:ext>
-            </a:extLst>
-          </p:cNvPr>
-          <p:cNvGraphicFramePr>
-            <a:graphicFrameLocks noGrp="1"/>
-          </p:cNvGraphicFramePr>
-          <p:nvPr>
-            <p:extLst>
-              <p:ext uri="{D42A27DB-BD31-4B8C-83A1-F6EECF244321}">
-                <p14:modId xmlns:p14="http://schemas.microsoft.com/office/powerpoint/2010/main" val="499720943"/>
-              </p:ext>
-            </p:extLst>
-          </p:nvPr>
-        </p:nvGraphicFramePr>
-        <p:xfrm>
-          <a:off x="3936000" y="1269000"/>
-          <a:ext cx="4320000" cy="4320000"/>
-        </p:xfrm>
-        <a:graphic>
-          <a:graphicData uri="http://schemas.openxmlformats.org/drawingml/2006/table">
-            <a:tbl>
-              <a:tblPr firstRow="1" bandRow="1">
-                <a:tableStyleId>{5C22544A-7EE6-4342-B048-85BDC9FD1C3A}</a:tableStyleId>
-              </a:tblPr>
-              <a:tblGrid>
-                <a:gridCol w="720000">
-                  <a:extLst>
-                    <a:ext uri="{9D8B030D-6E8A-4147-A177-3AD203B41FA5}">
-                      <a16:colId xmlns:a16="http://schemas.microsoft.com/office/drawing/2014/main" val="796154705"/>
-                    </a:ext>
-                  </a:extLst>
-                </a:gridCol>
-                <a:gridCol w="720000">
-                  <a:extLst>
-                    <a:ext uri="{9D8B030D-6E8A-4147-A177-3AD203B41FA5}">
-                      <a16:colId xmlns:a16="http://schemas.microsoft.com/office/drawing/2014/main" val="1997711918"/>
-                    </a:ext>
-                  </a:extLst>
-                </a:gridCol>
-                <a:gridCol w="720000">
-                  <a:extLst>
-                    <a:ext uri="{9D8B030D-6E8A-4147-A177-3AD203B41FA5}">
-                      <a16:colId xmlns:a16="http://schemas.microsoft.com/office/drawing/2014/main" val="1841226213"/>
-                    </a:ext>
-                  </a:extLst>
-                </a:gridCol>
-                <a:gridCol w="720000">
-                  <a:extLst>
-                    <a:ext uri="{9D8B030D-6E8A-4147-A177-3AD203B41FA5}">
-                      <a16:colId xmlns:a16="http://schemas.microsoft.com/office/drawing/2014/main" val="110647382"/>
-                    </a:ext>
-                  </a:extLst>
-                </a:gridCol>
-                <a:gridCol w="720000">
-                  <a:extLst>
-                    <a:ext uri="{9D8B030D-6E8A-4147-A177-3AD203B41FA5}">
-                      <a16:colId xmlns:a16="http://schemas.microsoft.com/office/drawing/2014/main" val="4068556328"/>
-                    </a:ext>
-                  </a:extLst>
-                </a:gridCol>
-                <a:gridCol w="720000">
-                  <a:extLst>
-                    <a:ext uri="{9D8B030D-6E8A-4147-A177-3AD203B41FA5}">
-                      <a16:colId xmlns:a16="http://schemas.microsoft.com/office/drawing/2014/main" val="2633800513"/>
-                    </a:ext>
-                  </a:extLst>
-                </a:gridCol>
-              </a:tblGrid>
-              <a:tr h="720000">
-                <a:tc>
-                  <a:txBody>
-                    <a:bodyPr/>
-                    <a:lstStyle/>
-                    <a:p>
-                      <a:endParaRPr lang="en-CA" dirty="0"/>
-                    </a:p>
-                  </a:txBody>
-                  <a:tcPr>
-                    <a:lnL w="38100" cap="flat" cmpd="sng" algn="ctr">
-                      <a:solidFill>
-                        <a:schemeClr val="tx1"/>
-                      </a:solidFill>
-                      <a:prstDash val="solid"/>
-                      <a:round/>
-                      <a:headEnd type="none" w="med" len="med"/>
-                      <a:tailEnd type="none" w="med" len="med"/>
-                    </a:lnL>
-                    <a:lnR w="38100" cap="flat" cmpd="sng" algn="ctr">
-                      <a:solidFill>
-                        <a:schemeClr val="tx1"/>
-                      </a:solidFill>
-                      <a:prstDash val="solid"/>
-                      <a:round/>
-                      <a:headEnd type="none" w="med" len="med"/>
-                      <a:tailEnd type="none" w="med" len="med"/>
-                    </a:lnR>
-                    <a:lnT w="38100" cap="flat" cmpd="sng" algn="ctr">
-                      <a:solidFill>
-                        <a:schemeClr val="tx1"/>
-                      </a:solidFill>
-                      <a:prstDash val="solid"/>
-                      <a:round/>
-                      <a:headEnd type="none" w="med" len="med"/>
-                      <a:tailEnd type="none" w="med" len="med"/>
-                    </a:lnT>
-                    <a:lnB w="38100" cap="flat" cmpd="sng" algn="ctr">
-                      <a:solidFill>
-                        <a:schemeClr val="tx1"/>
-                      </a:solidFill>
-                      <a:prstDash val="solid"/>
-                      <a:round/>
-                      <a:headEnd type="none" w="med" len="med"/>
-                      <a:tailEnd type="none" w="med" len="med"/>
-                    </a:lnB>
-                    <a:solidFill>
-                      <a:srgbClr val="15EBE6"/>
-                    </a:solidFill>
-                  </a:tcPr>
-                </a:tc>
-                <a:tc>
-                  <a:txBody>
-                    <a:bodyPr/>
-                    <a:lstStyle/>
-                    <a:p>
-                      <a:endParaRPr lang="en-CA" dirty="0"/>
-                    </a:p>
-                  </a:txBody>
-                  <a:tcPr>
-                    <a:lnL w="38100" cap="flat" cmpd="sng" algn="ctr">
-                      <a:solidFill>
-                        <a:schemeClr val="tx1"/>
-                      </a:solidFill>
-                      <a:prstDash val="solid"/>
-                      <a:round/>
-                      <a:headEnd type="none" w="med" len="med"/>
-                      <a:tailEnd type="none" w="med" len="med"/>
-                    </a:lnL>
-                    <a:lnR w="38100" cap="flat" cmpd="sng" algn="ctr">
-                      <a:solidFill>
-                        <a:schemeClr val="tx1"/>
-                      </a:solidFill>
-                      <a:prstDash val="solid"/>
-                      <a:round/>
-                      <a:headEnd type="none" w="med" len="med"/>
-                      <a:tailEnd type="none" w="med" len="med"/>
-                    </a:lnR>
-                    <a:lnT w="38100" cap="flat" cmpd="sng" algn="ctr">
-                      <a:solidFill>
-                        <a:schemeClr val="tx1"/>
-                      </a:solidFill>
-                      <a:prstDash val="solid"/>
-                      <a:round/>
-                      <a:headEnd type="none" w="med" len="med"/>
-                      <a:tailEnd type="none" w="med" len="med"/>
-                    </a:lnT>
-                    <a:lnB w="38100" cap="flat" cmpd="sng" algn="ctr">
-                      <a:solidFill>
-                        <a:schemeClr val="tx1"/>
-                      </a:solidFill>
-                      <a:prstDash val="solid"/>
-                      <a:round/>
-                      <a:headEnd type="none" w="med" len="med"/>
-                      <a:tailEnd type="none" w="med" len="med"/>
-                    </a:lnB>
-                    <a:solidFill>
-                      <a:srgbClr val="15EBE6"/>
-                    </a:solidFill>
-                  </a:tcPr>
-                </a:tc>
-                <a:tc>
-                  <a:txBody>
-                    <a:bodyPr/>
-                    <a:lstStyle/>
-                    <a:p>
-                      <a:endParaRPr lang="en-CA" dirty="0"/>
-                    </a:p>
-                  </a:txBody>
-                  <a:tcPr>
-                    <a:lnL w="38100" cap="flat" cmpd="sng" algn="ctr">
-                      <a:solidFill>
-                        <a:schemeClr val="tx1"/>
-                      </a:solidFill>
-                      <a:prstDash val="solid"/>
-                      <a:round/>
-                      <a:headEnd type="none" w="med" len="med"/>
-                      <a:tailEnd type="none" w="med" len="med"/>
-                    </a:lnL>
-                    <a:lnR w="38100" cap="flat" cmpd="sng" algn="ctr">
-                      <a:solidFill>
-                        <a:schemeClr val="tx1"/>
-                      </a:solidFill>
-                      <a:prstDash val="solid"/>
-                      <a:round/>
-                      <a:headEnd type="none" w="med" len="med"/>
-                      <a:tailEnd type="none" w="med" len="med"/>
-                    </a:lnR>
-                    <a:lnT w="38100" cap="flat" cmpd="sng" algn="ctr">
-                      <a:solidFill>
-                        <a:schemeClr val="tx1"/>
-                      </a:solidFill>
-                      <a:prstDash val="solid"/>
-                      <a:round/>
-                      <a:headEnd type="none" w="med" len="med"/>
-                      <a:tailEnd type="none" w="med" len="med"/>
-                    </a:lnT>
-                    <a:lnB w="38100" cap="flat" cmpd="sng" algn="ctr">
-                      <a:solidFill>
-                        <a:schemeClr val="tx1"/>
-                      </a:solidFill>
-                      <a:prstDash val="solid"/>
-                      <a:round/>
-                      <a:headEnd type="none" w="med" len="med"/>
-                      <a:tailEnd type="none" w="med" len="med"/>
-                    </a:lnB>
-                    <a:solidFill>
-                      <a:schemeClr val="bg1"/>
-                    </a:solidFill>
-                  </a:tcPr>
-                </a:tc>
-                <a:tc>
-                  <a:txBody>
-                    <a:bodyPr/>
-                    <a:lstStyle/>
-                    <a:p>
-                      <a:endParaRPr lang="en-CA" dirty="0"/>
-                    </a:p>
-                  </a:txBody>
-                  <a:tcPr>
-                    <a:lnL w="38100" cap="flat" cmpd="sng" algn="ctr">
-                      <a:solidFill>
-                        <a:schemeClr val="tx1"/>
-                      </a:solidFill>
-                      <a:prstDash val="solid"/>
-                      <a:round/>
-                      <a:headEnd type="none" w="med" len="med"/>
-                      <a:tailEnd type="none" w="med" len="med"/>
-                    </a:lnL>
-                    <a:lnR w="38100" cap="flat" cmpd="sng" algn="ctr">
-                      <a:solidFill>
-                        <a:schemeClr val="tx1"/>
-                      </a:solidFill>
-                      <a:prstDash val="solid"/>
-                      <a:round/>
-                      <a:headEnd type="none" w="med" len="med"/>
-                      <a:tailEnd type="none" w="med" len="med"/>
-                    </a:lnR>
-                    <a:lnT w="38100" cap="flat" cmpd="sng" algn="ctr">
-                      <a:solidFill>
-                        <a:schemeClr val="tx1"/>
-                      </a:solidFill>
-                      <a:prstDash val="solid"/>
-                      <a:round/>
-                      <a:headEnd type="none" w="med" len="med"/>
-                      <a:tailEnd type="none" w="med" len="med"/>
-                    </a:lnT>
-                    <a:lnB w="38100" cap="flat" cmpd="sng" algn="ctr">
-                      <a:solidFill>
-                        <a:schemeClr val="tx1"/>
-                      </a:solidFill>
-                      <a:prstDash val="solid"/>
-                      <a:round/>
-                      <a:headEnd type="none" w="med" len="med"/>
-                      <a:tailEnd type="none" w="med" len="med"/>
-                    </a:lnB>
-                    <a:solidFill>
-                      <a:srgbClr val="6CF2EF"/>
-                    </a:solidFill>
-                  </a:tcPr>
-                </a:tc>
-                <a:tc>
-                  <a:txBody>
-                    <a:bodyPr/>
-                    <a:lstStyle/>
-                    <a:p>
-                      <a:endParaRPr lang="en-CA" dirty="0"/>
-                    </a:p>
-                  </a:txBody>
-                  <a:tcPr>
-                    <a:lnL w="38100" cap="flat" cmpd="sng" algn="ctr">
-                      <a:solidFill>
-                        <a:schemeClr val="tx1"/>
-                      </a:solidFill>
-                      <a:prstDash val="solid"/>
-                      <a:round/>
-                      <a:headEnd type="none" w="med" len="med"/>
-                      <a:tailEnd type="none" w="med" len="med"/>
-                    </a:lnL>
-                    <a:lnR w="38100" cap="flat" cmpd="sng" algn="ctr">
-                      <a:solidFill>
-                        <a:schemeClr val="tx1"/>
-                      </a:solidFill>
-                      <a:prstDash val="solid"/>
-                      <a:round/>
-                      <a:headEnd type="none" w="med" len="med"/>
-                      <a:tailEnd type="none" w="med" len="med"/>
-                    </a:lnR>
-                    <a:lnT w="38100" cap="flat" cmpd="sng" algn="ctr">
-                      <a:solidFill>
-                        <a:schemeClr val="tx1"/>
-                      </a:solidFill>
-                      <a:prstDash val="solid"/>
-                      <a:round/>
-                      <a:headEnd type="none" w="med" len="med"/>
-                      <a:tailEnd type="none" w="med" len="med"/>
-                    </a:lnT>
-                    <a:lnB w="38100" cap="flat" cmpd="sng" algn="ctr">
-                      <a:solidFill>
-                        <a:schemeClr val="tx1"/>
-                      </a:solidFill>
-                      <a:prstDash val="solid"/>
-                      <a:round/>
-                      <a:headEnd type="none" w="med" len="med"/>
-                      <a:tailEnd type="none" w="med" len="med"/>
-                    </a:lnB>
-                    <a:solidFill>
-                      <a:srgbClr val="6CF2EF"/>
-                    </a:solidFill>
-                  </a:tcPr>
-                </a:tc>
-                <a:tc>
-                  <a:txBody>
-                    <a:bodyPr/>
-                    <a:lstStyle/>
-                    <a:p>
-                      <a:endParaRPr lang="en-CA" dirty="0"/>
-                    </a:p>
-                  </a:txBody>
-                  <a:tcPr>
-                    <a:lnL w="38100" cap="flat" cmpd="sng" algn="ctr">
-                      <a:solidFill>
-                        <a:schemeClr val="tx1"/>
-                      </a:solidFill>
-                      <a:prstDash val="solid"/>
-                      <a:round/>
-                      <a:headEnd type="none" w="med" len="med"/>
-                      <a:tailEnd type="none" w="med" len="med"/>
-                    </a:lnL>
-                    <a:lnR w="38100" cap="flat" cmpd="sng" algn="ctr">
-                      <a:solidFill>
-                        <a:schemeClr val="tx1"/>
-                      </a:solidFill>
-                      <a:prstDash val="solid"/>
-                      <a:round/>
-                      <a:headEnd type="none" w="med" len="med"/>
-                      <a:tailEnd type="none" w="med" len="med"/>
-                    </a:lnR>
-                    <a:lnT w="38100" cap="flat" cmpd="sng" algn="ctr">
-                      <a:solidFill>
-                        <a:schemeClr val="tx1"/>
-                      </a:solidFill>
-                      <a:prstDash val="solid"/>
-                      <a:round/>
-                      <a:headEnd type="none" w="med" len="med"/>
-                      <a:tailEnd type="none" w="med" len="med"/>
-                    </a:lnT>
-                    <a:lnB w="38100" cap="flat" cmpd="sng" algn="ctr">
-                      <a:solidFill>
-                        <a:schemeClr val="tx1"/>
-                      </a:solidFill>
-                      <a:prstDash val="solid"/>
-                      <a:round/>
-                      <a:headEnd type="none" w="med" len="med"/>
-                      <a:tailEnd type="none" w="med" len="med"/>
-                    </a:lnB>
-                    <a:solidFill>
-                      <a:srgbClr val="B9F9F7"/>
-                    </a:solidFill>
-                  </a:tcPr>
-                </a:tc>
-                <a:extLst>
-                  <a:ext uri="{0D108BD9-81ED-4DB2-BD59-A6C34878D82A}">
-                    <a16:rowId xmlns:a16="http://schemas.microsoft.com/office/drawing/2014/main" val="1367524779"/>
-                  </a:ext>
-                </a:extLst>
-              </a:tr>
-              <a:tr h="720000">
-                <a:tc>
-                  <a:txBody>
-                    <a:bodyPr/>
-                    <a:lstStyle/>
-                    <a:p>
-                      <a:endParaRPr lang="en-CA" dirty="0"/>
-                    </a:p>
-                  </a:txBody>
-                  <a:tcPr>
-                    <a:lnL w="38100" cap="flat" cmpd="sng" algn="ctr">
-                      <a:solidFill>
-                        <a:schemeClr val="tx1"/>
-                      </a:solidFill>
-                      <a:prstDash val="solid"/>
-                      <a:round/>
-                      <a:headEnd type="none" w="med" len="med"/>
-                      <a:tailEnd type="none" w="med" len="med"/>
-                    </a:lnL>
-                    <a:lnR w="38100" cap="flat" cmpd="sng" algn="ctr">
-                      <a:solidFill>
-                        <a:schemeClr val="tx1"/>
-                      </a:solidFill>
-                      <a:prstDash val="solid"/>
-                      <a:round/>
-                      <a:headEnd type="none" w="med" len="med"/>
-                      <a:tailEnd type="none" w="med" len="med"/>
-                    </a:lnR>
-                    <a:lnT w="38100" cap="flat" cmpd="sng" algn="ctr">
-                      <a:solidFill>
-                        <a:schemeClr val="tx1"/>
-                      </a:solidFill>
-                      <a:prstDash val="solid"/>
-                      <a:round/>
-                      <a:headEnd type="none" w="med" len="med"/>
-                      <a:tailEnd type="none" w="med" len="med"/>
-                    </a:lnT>
-                    <a:lnB w="38100" cap="flat" cmpd="sng" algn="ctr">
-                      <a:solidFill>
-                        <a:schemeClr val="tx1"/>
-                      </a:solidFill>
-                      <a:prstDash val="solid"/>
-                      <a:round/>
-                      <a:headEnd type="none" w="med" len="med"/>
-                      <a:tailEnd type="none" w="med" len="med"/>
-                    </a:lnB>
-                    <a:solidFill>
-                      <a:srgbClr val="6CF2EF"/>
-                    </a:solidFill>
-                  </a:tcPr>
-                </a:tc>
-                <a:tc>
-                  <a:txBody>
-                    <a:bodyPr/>
-                    <a:lstStyle/>
-                    <a:p>
-                      <a:endParaRPr lang="en-CA" dirty="0"/>
-                    </a:p>
-                  </a:txBody>
-                  <a:tcPr>
-                    <a:lnL w="38100" cap="flat" cmpd="sng" algn="ctr">
-                      <a:solidFill>
-                        <a:schemeClr val="tx1"/>
-                      </a:solidFill>
-                      <a:prstDash val="solid"/>
-                      <a:round/>
-                      <a:headEnd type="none" w="med" len="med"/>
-                      <a:tailEnd type="none" w="med" len="med"/>
-                    </a:lnL>
-                    <a:lnR w="38100" cap="flat" cmpd="sng" algn="ctr">
-                      <a:solidFill>
-                        <a:schemeClr val="tx1"/>
-                      </a:solidFill>
-                      <a:prstDash val="solid"/>
-                      <a:round/>
-                      <a:headEnd type="none" w="med" len="med"/>
-                      <a:tailEnd type="none" w="med" len="med"/>
-                    </a:lnR>
-                    <a:lnT w="38100" cap="flat" cmpd="sng" algn="ctr">
-                      <a:solidFill>
-                        <a:schemeClr val="tx1"/>
-                      </a:solidFill>
-                      <a:prstDash val="solid"/>
-                      <a:round/>
-                      <a:headEnd type="none" w="med" len="med"/>
-                      <a:tailEnd type="none" w="med" len="med"/>
-                    </a:lnT>
-                    <a:lnB w="38100" cap="flat" cmpd="sng" algn="ctr">
-                      <a:solidFill>
-                        <a:schemeClr val="tx1"/>
-                      </a:solidFill>
-                      <a:prstDash val="solid"/>
-                      <a:round/>
-                      <a:headEnd type="none" w="med" len="med"/>
-                      <a:tailEnd type="none" w="med" len="med"/>
-                    </a:lnB>
-                    <a:solidFill>
-                      <a:schemeClr val="bg1"/>
-                    </a:solidFill>
-                  </a:tcPr>
-                </a:tc>
-                <a:tc>
-                  <a:txBody>
-                    <a:bodyPr/>
-                    <a:lstStyle/>
-                    <a:p>
-                      <a:endParaRPr lang="en-CA" dirty="0"/>
-                    </a:p>
-                  </a:txBody>
-                  <a:tcPr>
-                    <a:lnL w="38100" cap="flat" cmpd="sng" algn="ctr">
-                      <a:solidFill>
-                        <a:schemeClr val="tx1"/>
-                      </a:solidFill>
-                      <a:prstDash val="solid"/>
-                      <a:round/>
-                      <a:headEnd type="none" w="med" len="med"/>
-                      <a:tailEnd type="none" w="med" len="med"/>
-                    </a:lnL>
-                    <a:lnR w="38100" cap="flat" cmpd="sng" algn="ctr">
-                      <a:solidFill>
-                        <a:schemeClr val="tx1"/>
-                      </a:solidFill>
-                      <a:prstDash val="solid"/>
-                      <a:round/>
-                      <a:headEnd type="none" w="med" len="med"/>
-                      <a:tailEnd type="none" w="med" len="med"/>
-                    </a:lnR>
-                    <a:lnT w="38100" cap="flat" cmpd="sng" algn="ctr">
-                      <a:solidFill>
-                        <a:schemeClr val="tx1"/>
-                      </a:solidFill>
-                      <a:prstDash val="solid"/>
-                      <a:round/>
-                      <a:headEnd type="none" w="med" len="med"/>
-                      <a:tailEnd type="none" w="med" len="med"/>
-                    </a:lnT>
-                    <a:lnB w="38100" cap="flat" cmpd="sng" algn="ctr">
-                      <a:solidFill>
-                        <a:schemeClr val="tx1"/>
-                      </a:solidFill>
-                      <a:prstDash val="solid"/>
-                      <a:round/>
-                      <a:headEnd type="none" w="med" len="med"/>
-                      <a:tailEnd type="none" w="med" len="med"/>
-                    </a:lnB>
-                    <a:solidFill>
-                      <a:srgbClr val="15EBE6"/>
-                    </a:solidFill>
-                  </a:tcPr>
-                </a:tc>
-                <a:tc>
-                  <a:txBody>
-                    <a:bodyPr/>
-                    <a:lstStyle/>
-                    <a:p>
-                      <a:endParaRPr lang="en-CA"/>
-                    </a:p>
-                  </a:txBody>
-                  <a:tcPr>
-                    <a:lnL w="38100" cap="flat" cmpd="sng" algn="ctr">
-                      <a:solidFill>
-                        <a:schemeClr val="tx1"/>
-                      </a:solidFill>
-                      <a:prstDash val="solid"/>
-                      <a:round/>
-                      <a:headEnd type="none" w="med" len="med"/>
-                      <a:tailEnd type="none" w="med" len="med"/>
-                    </a:lnL>
-                    <a:lnR w="38100" cap="flat" cmpd="sng" algn="ctr">
-                      <a:solidFill>
-                        <a:schemeClr val="tx1"/>
-                      </a:solidFill>
-                      <a:prstDash val="solid"/>
-                      <a:round/>
-                      <a:headEnd type="none" w="med" len="med"/>
-                      <a:tailEnd type="none" w="med" len="med"/>
-                    </a:lnR>
-                    <a:lnT w="38100" cap="flat" cmpd="sng" algn="ctr">
-                      <a:solidFill>
-                        <a:schemeClr val="tx1"/>
-                      </a:solidFill>
-                      <a:prstDash val="solid"/>
-                      <a:round/>
-                      <a:headEnd type="none" w="med" len="med"/>
-                      <a:tailEnd type="none" w="med" len="med"/>
-                    </a:lnT>
-                    <a:lnB w="38100" cap="flat" cmpd="sng" algn="ctr">
-                      <a:solidFill>
-                        <a:schemeClr val="tx1"/>
-                      </a:solidFill>
-                      <a:prstDash val="solid"/>
-                      <a:round/>
-                      <a:headEnd type="none" w="med" len="med"/>
-                      <a:tailEnd type="none" w="med" len="med"/>
-                    </a:lnB>
-                    <a:solidFill>
-                      <a:schemeClr val="bg1"/>
-                    </a:solidFill>
-                  </a:tcPr>
-                </a:tc>
-                <a:tc>
-                  <a:txBody>
-                    <a:bodyPr/>
-                    <a:lstStyle/>
-                    <a:p>
-                      <a:endParaRPr lang="en-CA" dirty="0"/>
-                    </a:p>
-                  </a:txBody>
-                  <a:tcPr>
-                    <a:lnL w="38100" cap="flat" cmpd="sng" algn="ctr">
-                      <a:solidFill>
-                        <a:schemeClr val="tx1"/>
-                      </a:solidFill>
-                      <a:prstDash val="solid"/>
-                      <a:round/>
-                      <a:headEnd type="none" w="med" len="med"/>
-                      <a:tailEnd type="none" w="med" len="med"/>
-                    </a:lnL>
-                    <a:lnR w="38100" cap="flat" cmpd="sng" algn="ctr">
-                      <a:solidFill>
-                        <a:schemeClr val="tx1"/>
-                      </a:solidFill>
-                      <a:prstDash val="solid"/>
-                      <a:round/>
-                      <a:headEnd type="none" w="med" len="med"/>
-                      <a:tailEnd type="none" w="med" len="med"/>
-                    </a:lnR>
-                    <a:lnT w="38100" cap="flat" cmpd="sng" algn="ctr">
-                      <a:solidFill>
-                        <a:schemeClr val="tx1"/>
-                      </a:solidFill>
-                      <a:prstDash val="solid"/>
-                      <a:round/>
-                      <a:headEnd type="none" w="med" len="med"/>
-                      <a:tailEnd type="none" w="med" len="med"/>
-                    </a:lnT>
-                    <a:lnB w="38100" cap="flat" cmpd="sng" algn="ctr">
-                      <a:solidFill>
-                        <a:schemeClr val="tx1"/>
-                      </a:solidFill>
-                      <a:prstDash val="solid"/>
-                      <a:round/>
-                      <a:headEnd type="none" w="med" len="med"/>
-                      <a:tailEnd type="none" w="med" len="med"/>
-                    </a:lnB>
-                    <a:solidFill>
-                      <a:srgbClr val="0FB5B1"/>
-                    </a:solidFill>
-                  </a:tcPr>
-                </a:tc>
-                <a:tc>
-                  <a:txBody>
-                    <a:bodyPr/>
-                    <a:lstStyle/>
-                    <a:p>
-                      <a:endParaRPr lang="en-CA" dirty="0"/>
-                    </a:p>
-                  </a:txBody>
-                  <a:tcPr>
-                    <a:lnL w="38100" cap="flat" cmpd="sng" algn="ctr">
-                      <a:solidFill>
-                        <a:schemeClr val="tx1"/>
-                      </a:solidFill>
-                      <a:prstDash val="solid"/>
-                      <a:round/>
-                      <a:headEnd type="none" w="med" len="med"/>
-                      <a:tailEnd type="none" w="med" len="med"/>
-                    </a:lnL>
-                    <a:lnR w="38100" cap="flat" cmpd="sng" algn="ctr">
-                      <a:solidFill>
-                        <a:schemeClr val="tx1"/>
-                      </a:solidFill>
-                      <a:prstDash val="solid"/>
-                      <a:round/>
-                      <a:headEnd type="none" w="med" len="med"/>
-                      <a:tailEnd type="none" w="med" len="med"/>
-                    </a:lnR>
-                    <a:lnT w="38100" cap="flat" cmpd="sng" algn="ctr">
-                      <a:solidFill>
-                        <a:schemeClr val="tx1"/>
-                      </a:solidFill>
-                      <a:prstDash val="solid"/>
-                      <a:round/>
-                      <a:headEnd type="none" w="med" len="med"/>
-                      <a:tailEnd type="none" w="med" len="med"/>
-                    </a:lnT>
-                    <a:lnB w="38100" cap="flat" cmpd="sng" algn="ctr">
-                      <a:solidFill>
-                        <a:schemeClr val="tx1"/>
-                      </a:solidFill>
-                      <a:prstDash val="solid"/>
-                      <a:round/>
-                      <a:headEnd type="none" w="med" len="med"/>
-                      <a:tailEnd type="none" w="med" len="med"/>
-                    </a:lnB>
-                    <a:solidFill>
-                      <a:srgbClr val="0FB5B1"/>
-                    </a:solidFill>
-                  </a:tcPr>
-                </a:tc>
-                <a:extLst>
-                  <a:ext uri="{0D108BD9-81ED-4DB2-BD59-A6C34878D82A}">
-                    <a16:rowId xmlns:a16="http://schemas.microsoft.com/office/drawing/2014/main" val="3798026415"/>
-                  </a:ext>
-                </a:extLst>
-              </a:tr>
-              <a:tr h="720000">
-                <a:tc>
-                  <a:txBody>
-                    <a:bodyPr/>
-                    <a:lstStyle/>
-                    <a:p>
-                      <a:endParaRPr lang="en-CA" dirty="0"/>
-                    </a:p>
-                  </a:txBody>
-                  <a:tcPr>
-                    <a:lnL w="38100" cap="flat" cmpd="sng" algn="ctr">
-                      <a:solidFill>
-                        <a:schemeClr val="tx1"/>
-                      </a:solidFill>
-                      <a:prstDash val="solid"/>
-                      <a:round/>
-                      <a:headEnd type="none" w="med" len="med"/>
-                      <a:tailEnd type="none" w="med" len="med"/>
-                    </a:lnL>
-                    <a:lnR w="38100" cap="flat" cmpd="sng" algn="ctr">
-                      <a:solidFill>
-                        <a:schemeClr val="tx1"/>
-                      </a:solidFill>
-                      <a:prstDash val="solid"/>
-                      <a:round/>
-                      <a:headEnd type="none" w="med" len="med"/>
-                      <a:tailEnd type="none" w="med" len="med"/>
-                    </a:lnR>
-                    <a:lnT w="38100" cap="flat" cmpd="sng" algn="ctr">
-                      <a:solidFill>
-                        <a:schemeClr val="tx1"/>
-                      </a:solidFill>
-                      <a:prstDash val="solid"/>
-                      <a:round/>
-                      <a:headEnd type="none" w="med" len="med"/>
-                      <a:tailEnd type="none" w="med" len="med"/>
-                    </a:lnT>
-                    <a:lnB w="38100" cap="flat" cmpd="sng" algn="ctr">
-                      <a:solidFill>
-                        <a:schemeClr val="tx1"/>
-                      </a:solidFill>
-                      <a:prstDash val="solid"/>
-                      <a:round/>
-                      <a:headEnd type="none" w="med" len="med"/>
-                      <a:tailEnd type="none" w="med" len="med"/>
-                    </a:lnB>
-                    <a:solidFill>
-                      <a:srgbClr val="0FB5B1"/>
-                    </a:solidFill>
-                  </a:tcPr>
-                </a:tc>
-                <a:tc>
-                  <a:txBody>
-                    <a:bodyPr/>
-                    <a:lstStyle/>
-                    <a:p>
-                      <a:endParaRPr lang="en-CA" dirty="0"/>
-                    </a:p>
-                  </a:txBody>
-                  <a:tcPr>
-                    <a:lnL w="38100" cap="flat" cmpd="sng" algn="ctr">
-                      <a:solidFill>
-                        <a:schemeClr val="tx1"/>
-                      </a:solidFill>
-                      <a:prstDash val="solid"/>
-                      <a:round/>
-                      <a:headEnd type="none" w="med" len="med"/>
-                      <a:tailEnd type="none" w="med" len="med"/>
-                    </a:lnL>
-                    <a:lnR w="38100" cap="flat" cmpd="sng" algn="ctr">
-                      <a:solidFill>
-                        <a:schemeClr val="tx1"/>
-                      </a:solidFill>
-                      <a:prstDash val="solid"/>
-                      <a:round/>
-                      <a:headEnd type="none" w="med" len="med"/>
-                      <a:tailEnd type="none" w="med" len="med"/>
-                    </a:lnR>
-                    <a:lnT w="38100" cap="flat" cmpd="sng" algn="ctr">
-                      <a:solidFill>
-                        <a:schemeClr val="tx1"/>
-                      </a:solidFill>
-                      <a:prstDash val="solid"/>
-                      <a:round/>
-                      <a:headEnd type="none" w="med" len="med"/>
-                      <a:tailEnd type="none" w="med" len="med"/>
-                    </a:lnT>
-                    <a:lnB w="38100" cap="flat" cmpd="sng" algn="ctr">
-                      <a:solidFill>
-                        <a:schemeClr val="tx1"/>
-                      </a:solidFill>
-                      <a:prstDash val="solid"/>
-                      <a:round/>
-                      <a:headEnd type="none" w="med" len="med"/>
-                      <a:tailEnd type="none" w="med" len="med"/>
-                    </a:lnB>
-                    <a:solidFill>
-                      <a:schemeClr val="bg1"/>
-                    </a:solidFill>
-                  </a:tcPr>
-                </a:tc>
-                <a:tc>
-                  <a:txBody>
-                    <a:bodyPr/>
-                    <a:lstStyle/>
-                    <a:p>
-                      <a:endParaRPr lang="en-CA" dirty="0"/>
-                    </a:p>
-                  </a:txBody>
-                  <a:tcPr>
-                    <a:lnL w="38100" cap="flat" cmpd="sng" algn="ctr">
-                      <a:solidFill>
-                        <a:schemeClr val="tx1"/>
-                      </a:solidFill>
-                      <a:prstDash val="solid"/>
-                      <a:round/>
-                      <a:headEnd type="none" w="med" len="med"/>
-                      <a:tailEnd type="none" w="med" len="med"/>
-                    </a:lnL>
-                    <a:lnR w="38100" cap="flat" cmpd="sng" algn="ctr">
-                      <a:solidFill>
-                        <a:schemeClr val="tx1"/>
-                      </a:solidFill>
-                      <a:prstDash val="solid"/>
-                      <a:round/>
-                      <a:headEnd type="none" w="med" len="med"/>
-                      <a:tailEnd type="none" w="med" len="med"/>
-                    </a:lnR>
-                    <a:lnT w="38100" cap="flat" cmpd="sng" algn="ctr">
-                      <a:solidFill>
-                        <a:schemeClr val="tx1"/>
-                      </a:solidFill>
-                      <a:prstDash val="solid"/>
-                      <a:round/>
-                      <a:headEnd type="none" w="med" len="med"/>
-                      <a:tailEnd type="none" w="med" len="med"/>
-                    </a:lnT>
-                    <a:lnB w="38100" cap="flat" cmpd="sng" algn="ctr">
-                      <a:solidFill>
-                        <a:schemeClr val="tx1"/>
-                      </a:solidFill>
-                      <a:prstDash val="solid"/>
-                      <a:round/>
-                      <a:headEnd type="none" w="med" len="med"/>
-                      <a:tailEnd type="none" w="med" len="med"/>
-                    </a:lnB>
-                    <a:solidFill>
-                      <a:srgbClr val="15EBE6"/>
-                    </a:solidFill>
-                  </a:tcPr>
-                </a:tc>
-                <a:tc>
-                  <a:txBody>
-                    <a:bodyPr/>
-                    <a:lstStyle/>
-                    <a:p>
-                      <a:endParaRPr lang="en-CA" dirty="0"/>
-                    </a:p>
-                  </a:txBody>
-                  <a:tcPr>
-                    <a:lnL w="38100" cap="flat" cmpd="sng" algn="ctr">
-                      <a:solidFill>
-                        <a:schemeClr val="tx1"/>
-                      </a:solidFill>
-                      <a:prstDash val="solid"/>
-                      <a:round/>
-                      <a:headEnd type="none" w="med" len="med"/>
-                      <a:tailEnd type="none" w="med" len="med"/>
-                    </a:lnL>
-                    <a:lnR w="38100" cap="flat" cmpd="sng" algn="ctr">
-                      <a:solidFill>
-                        <a:schemeClr val="tx1"/>
-                      </a:solidFill>
-                      <a:prstDash val="solid"/>
-                      <a:round/>
-                      <a:headEnd type="none" w="med" len="med"/>
-                      <a:tailEnd type="none" w="med" len="med"/>
-                    </a:lnR>
-                    <a:lnT w="38100" cap="flat" cmpd="sng" algn="ctr">
-                      <a:solidFill>
-                        <a:schemeClr val="tx1"/>
-                      </a:solidFill>
-                      <a:prstDash val="solid"/>
-                      <a:round/>
-                      <a:headEnd type="none" w="med" len="med"/>
-                      <a:tailEnd type="none" w="med" len="med"/>
-                    </a:lnT>
-                    <a:lnB w="38100" cap="flat" cmpd="sng" algn="ctr">
-                      <a:solidFill>
-                        <a:schemeClr val="tx1"/>
-                      </a:solidFill>
-                      <a:prstDash val="solid"/>
-                      <a:round/>
-                      <a:headEnd type="none" w="med" len="med"/>
-                      <a:tailEnd type="none" w="med" len="med"/>
-                    </a:lnB>
-                    <a:solidFill>
-                      <a:srgbClr val="0FB5B1"/>
-                    </a:solidFill>
-                  </a:tcPr>
-                </a:tc>
-                <a:tc>
-                  <a:txBody>
-                    <a:bodyPr/>
-                    <a:lstStyle/>
-                    <a:p>
-                      <a:endParaRPr lang="en-CA" dirty="0"/>
-                    </a:p>
-                  </a:txBody>
-                  <a:tcPr>
-                    <a:lnL w="38100" cap="flat" cmpd="sng" algn="ctr">
-                      <a:solidFill>
-                        <a:schemeClr val="tx1"/>
-                      </a:solidFill>
-                      <a:prstDash val="solid"/>
-                      <a:round/>
-                      <a:headEnd type="none" w="med" len="med"/>
-                      <a:tailEnd type="none" w="med" len="med"/>
-                    </a:lnL>
-                    <a:lnR w="38100" cap="flat" cmpd="sng" algn="ctr">
-                      <a:solidFill>
-                        <a:schemeClr val="tx1"/>
-                      </a:solidFill>
-                      <a:prstDash val="solid"/>
-                      <a:round/>
-                      <a:headEnd type="none" w="med" len="med"/>
-                      <a:tailEnd type="none" w="med" len="med"/>
-                    </a:lnR>
-                    <a:lnT w="38100" cap="flat" cmpd="sng" algn="ctr">
-                      <a:solidFill>
-                        <a:schemeClr val="tx1"/>
-                      </a:solidFill>
-                      <a:prstDash val="solid"/>
-                      <a:round/>
-                      <a:headEnd type="none" w="med" len="med"/>
-                      <a:tailEnd type="none" w="med" len="med"/>
-                    </a:lnT>
-                    <a:lnB w="38100" cap="flat" cmpd="sng" algn="ctr">
-                      <a:solidFill>
-                        <a:schemeClr val="tx1"/>
-                      </a:solidFill>
-                      <a:prstDash val="solid"/>
-                      <a:round/>
-                      <a:headEnd type="none" w="med" len="med"/>
-                      <a:tailEnd type="none" w="med" len="med"/>
-                    </a:lnB>
-                    <a:solidFill>
-                      <a:srgbClr val="15EBE6"/>
-                    </a:solidFill>
-                  </a:tcPr>
-                </a:tc>
-                <a:tc>
-                  <a:txBody>
-                    <a:bodyPr/>
-                    <a:lstStyle/>
-                    <a:p>
-                      <a:endParaRPr lang="en-CA" dirty="0"/>
-                    </a:p>
-                  </a:txBody>
-                  <a:tcPr>
-                    <a:lnL w="38100" cap="flat" cmpd="sng" algn="ctr">
-                      <a:solidFill>
-                        <a:schemeClr val="tx1"/>
-                      </a:solidFill>
-                      <a:prstDash val="solid"/>
-                      <a:round/>
-                      <a:headEnd type="none" w="med" len="med"/>
-                      <a:tailEnd type="none" w="med" len="med"/>
-                    </a:lnL>
-                    <a:lnR w="38100" cap="flat" cmpd="sng" algn="ctr">
-                      <a:solidFill>
-                        <a:schemeClr val="tx1"/>
-                      </a:solidFill>
-                      <a:prstDash val="solid"/>
-                      <a:round/>
-                      <a:headEnd type="none" w="med" len="med"/>
-                      <a:tailEnd type="none" w="med" len="med"/>
-                    </a:lnR>
-                    <a:lnT w="38100" cap="flat" cmpd="sng" algn="ctr">
-                      <a:solidFill>
-                        <a:schemeClr val="tx1"/>
-                      </a:solidFill>
-                      <a:prstDash val="solid"/>
-                      <a:round/>
-                      <a:headEnd type="none" w="med" len="med"/>
-                      <a:tailEnd type="none" w="med" len="med"/>
-                    </a:lnT>
-                    <a:lnB w="38100" cap="flat" cmpd="sng" algn="ctr">
-                      <a:solidFill>
-                        <a:schemeClr val="tx1"/>
-                      </a:solidFill>
-                      <a:prstDash val="solid"/>
-                      <a:round/>
-                      <a:headEnd type="none" w="med" len="med"/>
-                      <a:tailEnd type="none" w="med" len="med"/>
-                    </a:lnB>
-                    <a:solidFill>
-                      <a:srgbClr val="15EBE6"/>
-                    </a:solidFill>
-                  </a:tcPr>
-                </a:tc>
-                <a:extLst>
-                  <a:ext uri="{0D108BD9-81ED-4DB2-BD59-A6C34878D82A}">
-                    <a16:rowId xmlns:a16="http://schemas.microsoft.com/office/drawing/2014/main" val="3607999139"/>
-                  </a:ext>
-                </a:extLst>
-              </a:tr>
-              <a:tr h="720000">
-                <a:tc>
-                  <a:txBody>
-                    <a:bodyPr/>
-                    <a:lstStyle/>
-                    <a:p>
-                      <a:endParaRPr lang="en-CA" dirty="0"/>
-                    </a:p>
-                  </a:txBody>
-                  <a:tcPr>
-                    <a:lnL w="38100" cap="flat" cmpd="sng" algn="ctr">
-                      <a:solidFill>
-                        <a:schemeClr val="tx1"/>
-                      </a:solidFill>
-                      <a:prstDash val="solid"/>
-                      <a:round/>
-                      <a:headEnd type="none" w="med" len="med"/>
-                      <a:tailEnd type="none" w="med" len="med"/>
-                    </a:lnL>
-                    <a:lnR w="38100" cap="flat" cmpd="sng" algn="ctr">
-                      <a:solidFill>
-                        <a:schemeClr val="tx1"/>
-                      </a:solidFill>
-                      <a:prstDash val="solid"/>
-                      <a:round/>
-                      <a:headEnd type="none" w="med" len="med"/>
-                      <a:tailEnd type="none" w="med" len="med"/>
-                    </a:lnR>
-                    <a:lnT w="38100" cap="flat" cmpd="sng" algn="ctr">
-                      <a:solidFill>
-                        <a:schemeClr val="tx1"/>
-                      </a:solidFill>
-                      <a:prstDash val="solid"/>
-                      <a:round/>
-                      <a:headEnd type="none" w="med" len="med"/>
-                      <a:tailEnd type="none" w="med" len="med"/>
-                    </a:lnT>
-                    <a:lnB w="38100" cap="flat" cmpd="sng" algn="ctr">
-                      <a:solidFill>
-                        <a:schemeClr val="tx1"/>
-                      </a:solidFill>
-                      <a:prstDash val="solid"/>
-                      <a:round/>
-                      <a:headEnd type="none" w="med" len="med"/>
-                      <a:tailEnd type="none" w="med" len="med"/>
-                    </a:lnB>
-                    <a:solidFill>
-                      <a:srgbClr val="0FB5B1"/>
-                    </a:solidFill>
-                  </a:tcPr>
-                </a:tc>
-                <a:tc>
-                  <a:txBody>
-                    <a:bodyPr/>
-                    <a:lstStyle/>
-                    <a:p>
-                      <a:endParaRPr lang="en-CA" dirty="0"/>
-                    </a:p>
-                  </a:txBody>
-                  <a:tcPr>
-                    <a:lnL w="38100" cap="flat" cmpd="sng" algn="ctr">
-                      <a:solidFill>
-                        <a:schemeClr val="tx1"/>
-                      </a:solidFill>
-                      <a:prstDash val="solid"/>
-                      <a:round/>
-                      <a:headEnd type="none" w="med" len="med"/>
-                      <a:tailEnd type="none" w="med" len="med"/>
-                    </a:lnL>
-                    <a:lnR w="38100" cap="flat" cmpd="sng" algn="ctr">
-                      <a:solidFill>
-                        <a:schemeClr val="tx1"/>
-                      </a:solidFill>
-                      <a:prstDash val="solid"/>
-                      <a:round/>
-                      <a:headEnd type="none" w="med" len="med"/>
-                      <a:tailEnd type="none" w="med" len="med"/>
-                    </a:lnR>
-                    <a:lnT w="38100" cap="flat" cmpd="sng" algn="ctr">
-                      <a:solidFill>
-                        <a:schemeClr val="tx1"/>
-                      </a:solidFill>
-                      <a:prstDash val="solid"/>
-                      <a:round/>
-                      <a:headEnd type="none" w="med" len="med"/>
-                      <a:tailEnd type="none" w="med" len="med"/>
-                    </a:lnT>
-                    <a:lnB w="38100" cap="flat" cmpd="sng" algn="ctr">
-                      <a:solidFill>
-                        <a:schemeClr val="tx1"/>
-                      </a:solidFill>
-                      <a:prstDash val="solid"/>
-                      <a:round/>
-                      <a:headEnd type="none" w="med" len="med"/>
-                      <a:tailEnd type="none" w="med" len="med"/>
-                    </a:lnB>
-                    <a:solidFill>
-                      <a:srgbClr val="6CF2EF"/>
-                    </a:solidFill>
-                  </a:tcPr>
-                </a:tc>
-                <a:tc>
-                  <a:txBody>
-                    <a:bodyPr/>
-                    <a:lstStyle/>
-                    <a:p>
-                      <a:endParaRPr lang="en-CA" dirty="0"/>
-                    </a:p>
-                  </a:txBody>
-                  <a:tcPr>
-                    <a:lnL w="38100" cap="flat" cmpd="sng" algn="ctr">
-                      <a:solidFill>
-                        <a:schemeClr val="tx1"/>
-                      </a:solidFill>
-                      <a:prstDash val="solid"/>
-                      <a:round/>
-                      <a:headEnd type="none" w="med" len="med"/>
-                      <a:tailEnd type="none" w="med" len="med"/>
-                    </a:lnL>
-                    <a:lnR w="38100" cap="flat" cmpd="sng" algn="ctr">
-                      <a:solidFill>
-                        <a:schemeClr val="tx1"/>
-                      </a:solidFill>
-                      <a:prstDash val="solid"/>
-                      <a:round/>
-                      <a:headEnd type="none" w="med" len="med"/>
-                      <a:tailEnd type="none" w="med" len="med"/>
-                    </a:lnR>
-                    <a:lnT w="38100" cap="flat" cmpd="sng" algn="ctr">
-                      <a:solidFill>
-                        <a:schemeClr val="tx1"/>
-                      </a:solidFill>
-                      <a:prstDash val="solid"/>
-                      <a:round/>
-                      <a:headEnd type="none" w="med" len="med"/>
-                      <a:tailEnd type="none" w="med" len="med"/>
-                    </a:lnT>
-                    <a:lnB w="38100" cap="flat" cmpd="sng" algn="ctr">
-                      <a:solidFill>
-                        <a:schemeClr val="tx1"/>
-                      </a:solidFill>
-                      <a:prstDash val="solid"/>
-                      <a:round/>
-                      <a:headEnd type="none" w="med" len="med"/>
-                      <a:tailEnd type="none" w="med" len="med"/>
-                    </a:lnB>
-                    <a:solidFill>
-                      <a:srgbClr val="15EBE6"/>
-                    </a:solidFill>
-                  </a:tcPr>
-                </a:tc>
-                <a:tc>
-                  <a:txBody>
-                    <a:bodyPr/>
-                    <a:lstStyle/>
-                    <a:p>
-                      <a:endParaRPr lang="en-CA" dirty="0"/>
-                    </a:p>
-                  </a:txBody>
-                  <a:tcPr>
-                    <a:lnL w="38100" cap="flat" cmpd="sng" algn="ctr">
-                      <a:solidFill>
-                        <a:schemeClr val="tx1"/>
-                      </a:solidFill>
-                      <a:prstDash val="solid"/>
-                      <a:round/>
-                      <a:headEnd type="none" w="med" len="med"/>
-                      <a:tailEnd type="none" w="med" len="med"/>
-                    </a:lnL>
-                    <a:lnR w="38100" cap="flat" cmpd="sng" algn="ctr">
-                      <a:solidFill>
-                        <a:schemeClr val="tx1"/>
-                      </a:solidFill>
-                      <a:prstDash val="solid"/>
-                      <a:round/>
-                      <a:headEnd type="none" w="med" len="med"/>
-                      <a:tailEnd type="none" w="med" len="med"/>
-                    </a:lnR>
-                    <a:lnT w="38100" cap="flat" cmpd="sng" algn="ctr">
-                      <a:solidFill>
-                        <a:schemeClr val="tx1"/>
-                      </a:solidFill>
-                      <a:prstDash val="solid"/>
-                      <a:round/>
-                      <a:headEnd type="none" w="med" len="med"/>
-                      <a:tailEnd type="none" w="med" len="med"/>
-                    </a:lnT>
-                    <a:lnB w="38100" cap="flat" cmpd="sng" algn="ctr">
-                      <a:solidFill>
-                        <a:schemeClr val="tx1"/>
-                      </a:solidFill>
-                      <a:prstDash val="solid"/>
-                      <a:round/>
-                      <a:headEnd type="none" w="med" len="med"/>
-                      <a:tailEnd type="none" w="med" len="med"/>
-                    </a:lnB>
-                    <a:solidFill>
-                      <a:srgbClr val="6CF2EF"/>
-                    </a:solidFill>
-                  </a:tcPr>
-                </a:tc>
-                <a:tc>
-                  <a:txBody>
-                    <a:bodyPr/>
-                    <a:lstStyle/>
-                    <a:p>
-                      <a:endParaRPr lang="en-CA" dirty="0"/>
-                    </a:p>
-                  </a:txBody>
-                  <a:tcPr>
-                    <a:lnL w="38100" cap="flat" cmpd="sng" algn="ctr">
-                      <a:solidFill>
-                        <a:schemeClr val="tx1"/>
-                      </a:solidFill>
-                      <a:prstDash val="solid"/>
-                      <a:round/>
-                      <a:headEnd type="none" w="med" len="med"/>
-                      <a:tailEnd type="none" w="med" len="med"/>
-                    </a:lnL>
-                    <a:lnR w="38100" cap="flat" cmpd="sng" algn="ctr">
-                      <a:solidFill>
-                        <a:schemeClr val="tx1"/>
-                      </a:solidFill>
-                      <a:prstDash val="solid"/>
-                      <a:round/>
-                      <a:headEnd type="none" w="med" len="med"/>
-                      <a:tailEnd type="none" w="med" len="med"/>
-                    </a:lnR>
-                    <a:lnT w="38100" cap="flat" cmpd="sng" algn="ctr">
-                      <a:solidFill>
-                        <a:schemeClr val="tx1"/>
-                      </a:solidFill>
-                      <a:prstDash val="solid"/>
-                      <a:round/>
-                      <a:headEnd type="none" w="med" len="med"/>
-                      <a:tailEnd type="none" w="med" len="med"/>
-                    </a:lnT>
-                    <a:lnB w="38100" cap="flat" cmpd="sng" algn="ctr">
-                      <a:solidFill>
-                        <a:schemeClr val="tx1"/>
-                      </a:solidFill>
-                      <a:prstDash val="solid"/>
-                      <a:round/>
-                      <a:headEnd type="none" w="med" len="med"/>
-                      <a:tailEnd type="none" w="med" len="med"/>
-                    </a:lnB>
-                    <a:solidFill>
-                      <a:srgbClr val="0FB5B1"/>
-                    </a:solidFill>
-                  </a:tcPr>
-                </a:tc>
-                <a:tc>
-                  <a:txBody>
-                    <a:bodyPr/>
-                    <a:lstStyle/>
-                    <a:p>
-                      <a:endParaRPr lang="en-CA" dirty="0"/>
-                    </a:p>
-                  </a:txBody>
-                  <a:tcPr>
-                    <a:lnL w="38100" cap="flat" cmpd="sng" algn="ctr">
-                      <a:solidFill>
-                        <a:schemeClr val="tx1"/>
-                      </a:solidFill>
-                      <a:prstDash val="solid"/>
-                      <a:round/>
-                      <a:headEnd type="none" w="med" len="med"/>
-                      <a:tailEnd type="none" w="med" len="med"/>
-                    </a:lnL>
-                    <a:lnR w="38100" cap="flat" cmpd="sng" algn="ctr">
-                      <a:solidFill>
-                        <a:schemeClr val="tx1"/>
-                      </a:solidFill>
-                      <a:prstDash val="solid"/>
-                      <a:round/>
-                      <a:headEnd type="none" w="med" len="med"/>
-                      <a:tailEnd type="none" w="med" len="med"/>
-                    </a:lnR>
-                    <a:lnT w="38100" cap="flat" cmpd="sng" algn="ctr">
-                      <a:solidFill>
-                        <a:schemeClr val="tx1"/>
-                      </a:solidFill>
-                      <a:prstDash val="solid"/>
-                      <a:round/>
-                      <a:headEnd type="none" w="med" len="med"/>
-                      <a:tailEnd type="none" w="med" len="med"/>
-                    </a:lnT>
-                    <a:lnB w="38100" cap="flat" cmpd="sng" algn="ctr">
-                      <a:solidFill>
-                        <a:schemeClr val="tx1"/>
-                      </a:solidFill>
-                      <a:prstDash val="solid"/>
-                      <a:round/>
-                      <a:headEnd type="none" w="med" len="med"/>
-                      <a:tailEnd type="none" w="med" len="med"/>
-                    </a:lnB>
-                    <a:solidFill>
-                      <a:srgbClr val="15EBE6"/>
-                    </a:solidFill>
-                  </a:tcPr>
-                </a:tc>
-                <a:extLst>
-                  <a:ext uri="{0D108BD9-81ED-4DB2-BD59-A6C34878D82A}">
-                    <a16:rowId xmlns:a16="http://schemas.microsoft.com/office/drawing/2014/main" val="3255463400"/>
-                  </a:ext>
-                </a:extLst>
-              </a:tr>
-              <a:tr h="720000">
-                <a:tc>
-                  <a:txBody>
-                    <a:bodyPr/>
-                    <a:lstStyle/>
-                    <a:p>
-                      <a:endParaRPr lang="en-CA" dirty="0"/>
-                    </a:p>
-                  </a:txBody>
-                  <a:tcPr>
-                    <a:lnL w="38100" cap="flat" cmpd="sng" algn="ctr">
-                      <a:solidFill>
-                        <a:schemeClr val="tx1"/>
-                      </a:solidFill>
-                      <a:prstDash val="solid"/>
-                      <a:round/>
-                      <a:headEnd type="none" w="med" len="med"/>
-                      <a:tailEnd type="none" w="med" len="med"/>
-                    </a:lnL>
-                    <a:lnR w="38100" cap="flat" cmpd="sng" algn="ctr">
-                      <a:solidFill>
-                        <a:schemeClr val="tx1"/>
-                      </a:solidFill>
-                      <a:prstDash val="solid"/>
-                      <a:round/>
-                      <a:headEnd type="none" w="med" len="med"/>
-                      <a:tailEnd type="none" w="med" len="med"/>
-                    </a:lnR>
-                    <a:lnT w="38100" cap="flat" cmpd="sng" algn="ctr">
-                      <a:solidFill>
-                        <a:schemeClr val="tx1"/>
-                      </a:solidFill>
-                      <a:prstDash val="solid"/>
-                      <a:round/>
-                      <a:headEnd type="none" w="med" len="med"/>
-                      <a:tailEnd type="none" w="med" len="med"/>
-                    </a:lnT>
-                    <a:lnB w="38100" cap="flat" cmpd="sng" algn="ctr">
-                      <a:solidFill>
-                        <a:schemeClr val="tx1"/>
-                      </a:solidFill>
-                      <a:prstDash val="solid"/>
-                      <a:round/>
-                      <a:headEnd type="none" w="med" len="med"/>
-                      <a:tailEnd type="none" w="med" len="med"/>
-                    </a:lnB>
-                    <a:solidFill>
-                      <a:srgbClr val="B9F9F7"/>
-                    </a:solidFill>
-                  </a:tcPr>
-                </a:tc>
-                <a:tc>
-                  <a:txBody>
-                    <a:bodyPr/>
-                    <a:lstStyle/>
-                    <a:p>
-                      <a:endParaRPr lang="en-CA" dirty="0"/>
-                    </a:p>
-                  </a:txBody>
-                  <a:tcPr>
-                    <a:lnL w="38100" cap="flat" cmpd="sng" algn="ctr">
-                      <a:solidFill>
-                        <a:schemeClr val="tx1"/>
-                      </a:solidFill>
-                      <a:prstDash val="solid"/>
-                      <a:round/>
-                      <a:headEnd type="none" w="med" len="med"/>
-                      <a:tailEnd type="none" w="med" len="med"/>
-                    </a:lnL>
-                    <a:lnR w="38100" cap="flat" cmpd="sng" algn="ctr">
-                      <a:solidFill>
-                        <a:schemeClr val="tx1"/>
-                      </a:solidFill>
-                      <a:prstDash val="solid"/>
-                      <a:round/>
-                      <a:headEnd type="none" w="med" len="med"/>
-                      <a:tailEnd type="none" w="med" len="med"/>
-                    </a:lnR>
-                    <a:lnT w="38100" cap="flat" cmpd="sng" algn="ctr">
-                      <a:solidFill>
-                        <a:schemeClr val="tx1"/>
-                      </a:solidFill>
-                      <a:prstDash val="solid"/>
-                      <a:round/>
-                      <a:headEnd type="none" w="med" len="med"/>
-                      <a:tailEnd type="none" w="med" len="med"/>
-                    </a:lnT>
-                    <a:lnB w="38100" cap="flat" cmpd="sng" algn="ctr">
-                      <a:solidFill>
-                        <a:schemeClr val="tx1"/>
-                      </a:solidFill>
-                      <a:prstDash val="solid"/>
-                      <a:round/>
-                      <a:headEnd type="none" w="med" len="med"/>
-                      <a:tailEnd type="none" w="med" len="med"/>
-                    </a:lnB>
-                    <a:solidFill>
-                      <a:srgbClr val="6CF2EF"/>
-                    </a:solidFill>
-                  </a:tcPr>
-                </a:tc>
-                <a:tc>
-                  <a:txBody>
-                    <a:bodyPr/>
-                    <a:lstStyle/>
-                    <a:p>
-                      <a:endParaRPr lang="en-CA" dirty="0"/>
-                    </a:p>
-                  </a:txBody>
-                  <a:tcPr>
-                    <a:lnL w="38100" cap="flat" cmpd="sng" algn="ctr">
-                      <a:solidFill>
-                        <a:schemeClr val="tx1"/>
-                      </a:solidFill>
-                      <a:prstDash val="solid"/>
-                      <a:round/>
-                      <a:headEnd type="none" w="med" len="med"/>
-                      <a:tailEnd type="none" w="med" len="med"/>
-                    </a:lnL>
-                    <a:lnR w="38100" cap="flat" cmpd="sng" algn="ctr">
-                      <a:solidFill>
-                        <a:schemeClr val="tx1"/>
-                      </a:solidFill>
-                      <a:prstDash val="solid"/>
-                      <a:round/>
-                      <a:headEnd type="none" w="med" len="med"/>
-                      <a:tailEnd type="none" w="med" len="med"/>
-                    </a:lnR>
-                    <a:lnT w="38100" cap="flat" cmpd="sng" algn="ctr">
-                      <a:solidFill>
-                        <a:schemeClr val="tx1"/>
-                      </a:solidFill>
-                      <a:prstDash val="solid"/>
-                      <a:round/>
-                      <a:headEnd type="none" w="med" len="med"/>
-                      <a:tailEnd type="none" w="med" len="med"/>
-                    </a:lnT>
-                    <a:lnB w="38100" cap="flat" cmpd="sng" algn="ctr">
-                      <a:solidFill>
-                        <a:schemeClr val="tx1"/>
-                      </a:solidFill>
-                      <a:prstDash val="solid"/>
-                      <a:round/>
-                      <a:headEnd type="none" w="med" len="med"/>
-                      <a:tailEnd type="none" w="med" len="med"/>
-                    </a:lnB>
-                    <a:solidFill>
-                      <a:srgbClr val="0FB5B1"/>
-                    </a:solidFill>
-                  </a:tcPr>
-                </a:tc>
-                <a:tc>
-                  <a:txBody>
-                    <a:bodyPr/>
-                    <a:lstStyle/>
-                    <a:p>
-                      <a:endParaRPr lang="en-CA" dirty="0"/>
-                    </a:p>
-                  </a:txBody>
-                  <a:tcPr>
-                    <a:lnL w="38100" cap="flat" cmpd="sng" algn="ctr">
-                      <a:solidFill>
-                        <a:schemeClr val="tx1"/>
-                      </a:solidFill>
-                      <a:prstDash val="solid"/>
-                      <a:round/>
-                      <a:headEnd type="none" w="med" len="med"/>
-                      <a:tailEnd type="none" w="med" len="med"/>
-                    </a:lnL>
-                    <a:lnR w="38100" cap="flat" cmpd="sng" algn="ctr">
-                      <a:solidFill>
-                        <a:schemeClr val="tx1"/>
-                      </a:solidFill>
-                      <a:prstDash val="solid"/>
-                      <a:round/>
-                      <a:headEnd type="none" w="med" len="med"/>
-                      <a:tailEnd type="none" w="med" len="med"/>
-                    </a:lnR>
-                    <a:lnT w="38100" cap="flat" cmpd="sng" algn="ctr">
-                      <a:solidFill>
-                        <a:schemeClr val="tx1"/>
-                      </a:solidFill>
-                      <a:prstDash val="solid"/>
-                      <a:round/>
-                      <a:headEnd type="none" w="med" len="med"/>
-                      <a:tailEnd type="none" w="med" len="med"/>
-                    </a:lnT>
-                    <a:lnB w="38100" cap="flat" cmpd="sng" algn="ctr">
-                      <a:solidFill>
-                        <a:schemeClr val="tx1"/>
-                      </a:solidFill>
-                      <a:prstDash val="solid"/>
-                      <a:round/>
-                      <a:headEnd type="none" w="med" len="med"/>
-                      <a:tailEnd type="none" w="med" len="med"/>
-                    </a:lnB>
-                    <a:solidFill>
-                      <a:srgbClr val="B9F9F7"/>
-                    </a:solidFill>
-                  </a:tcPr>
-                </a:tc>
-                <a:tc>
-                  <a:txBody>
-                    <a:bodyPr/>
-                    <a:lstStyle/>
-                    <a:p>
-                      <a:endParaRPr lang="en-CA" dirty="0"/>
-                    </a:p>
-                  </a:txBody>
-                  <a:tcPr>
-                    <a:lnL w="38100" cap="flat" cmpd="sng" algn="ctr">
-                      <a:solidFill>
-                        <a:schemeClr val="tx1"/>
-                      </a:solidFill>
-                      <a:prstDash val="solid"/>
-                      <a:round/>
-                      <a:headEnd type="none" w="med" len="med"/>
-                      <a:tailEnd type="none" w="med" len="med"/>
-                    </a:lnL>
-                    <a:lnR w="38100" cap="flat" cmpd="sng" algn="ctr">
-                      <a:solidFill>
-                        <a:schemeClr val="tx1"/>
-                      </a:solidFill>
-                      <a:prstDash val="solid"/>
-                      <a:round/>
-                      <a:headEnd type="none" w="med" len="med"/>
-                      <a:tailEnd type="none" w="med" len="med"/>
-                    </a:lnR>
-                    <a:lnT w="38100" cap="flat" cmpd="sng" algn="ctr">
-                      <a:solidFill>
-                        <a:schemeClr val="tx1"/>
-                      </a:solidFill>
-                      <a:prstDash val="solid"/>
-                      <a:round/>
-                      <a:headEnd type="none" w="med" len="med"/>
-                      <a:tailEnd type="none" w="med" len="med"/>
-                    </a:lnT>
-                    <a:lnB w="38100" cap="flat" cmpd="sng" algn="ctr">
-                      <a:solidFill>
-                        <a:schemeClr val="tx1"/>
-                      </a:solidFill>
-                      <a:prstDash val="solid"/>
-                      <a:round/>
-                      <a:headEnd type="none" w="med" len="med"/>
-                      <a:tailEnd type="none" w="med" len="med"/>
-                    </a:lnB>
-                    <a:solidFill>
-                      <a:srgbClr val="B9F9F7"/>
-                    </a:solidFill>
-                  </a:tcPr>
-                </a:tc>
-                <a:tc>
-                  <a:txBody>
-                    <a:bodyPr/>
-                    <a:lstStyle/>
-                    <a:p>
-                      <a:endParaRPr lang="en-CA" dirty="0"/>
-                    </a:p>
-                  </a:txBody>
-                  <a:tcPr>
-                    <a:lnL w="38100" cap="flat" cmpd="sng" algn="ctr">
-                      <a:solidFill>
-                        <a:schemeClr val="tx1"/>
-                      </a:solidFill>
-                      <a:prstDash val="solid"/>
-                      <a:round/>
-                      <a:headEnd type="none" w="med" len="med"/>
-                      <a:tailEnd type="none" w="med" len="med"/>
-                    </a:lnL>
-                    <a:lnR w="38100" cap="flat" cmpd="sng" algn="ctr">
-                      <a:solidFill>
-                        <a:schemeClr val="tx1"/>
-                      </a:solidFill>
-                      <a:prstDash val="solid"/>
-                      <a:round/>
-                      <a:headEnd type="none" w="med" len="med"/>
-                      <a:tailEnd type="none" w="med" len="med"/>
-                    </a:lnR>
-                    <a:lnT w="38100" cap="flat" cmpd="sng" algn="ctr">
-                      <a:solidFill>
-                        <a:schemeClr val="tx1"/>
-                      </a:solidFill>
-                      <a:prstDash val="solid"/>
-                      <a:round/>
-                      <a:headEnd type="none" w="med" len="med"/>
-                      <a:tailEnd type="none" w="med" len="med"/>
-                    </a:lnT>
-                    <a:lnB w="38100" cap="flat" cmpd="sng" algn="ctr">
-                      <a:solidFill>
-                        <a:schemeClr val="tx1"/>
-                      </a:solidFill>
-                      <a:prstDash val="solid"/>
-                      <a:round/>
-                      <a:headEnd type="none" w="med" len="med"/>
-                      <a:tailEnd type="none" w="med" len="med"/>
-                    </a:lnB>
-                    <a:solidFill>
-                      <a:schemeClr val="bg1"/>
-                    </a:solidFill>
-                  </a:tcPr>
-                </a:tc>
-                <a:extLst>
-                  <a:ext uri="{0D108BD9-81ED-4DB2-BD59-A6C34878D82A}">
-                    <a16:rowId xmlns:a16="http://schemas.microsoft.com/office/drawing/2014/main" val="2947576756"/>
-                  </a:ext>
-                </a:extLst>
-              </a:tr>
-              <a:tr h="720000">
-                <a:tc>
-                  <a:txBody>
-                    <a:bodyPr/>
-                    <a:lstStyle/>
-                    <a:p>
-                      <a:endParaRPr lang="en-CA" dirty="0"/>
-                    </a:p>
-                  </a:txBody>
-                  <a:tcPr>
-                    <a:lnL w="38100" cap="flat" cmpd="sng" algn="ctr">
-                      <a:solidFill>
-                        <a:schemeClr val="tx1"/>
-                      </a:solidFill>
-                      <a:prstDash val="solid"/>
-                      <a:round/>
-                      <a:headEnd type="none" w="med" len="med"/>
-                      <a:tailEnd type="none" w="med" len="med"/>
-                    </a:lnL>
-                    <a:lnR w="38100" cap="flat" cmpd="sng" algn="ctr">
-                      <a:solidFill>
-                        <a:schemeClr val="tx1"/>
-                      </a:solidFill>
-                      <a:prstDash val="solid"/>
-                      <a:round/>
-                      <a:headEnd type="none" w="med" len="med"/>
-                      <a:tailEnd type="none" w="med" len="med"/>
-                    </a:lnR>
-                    <a:lnT w="38100" cap="flat" cmpd="sng" algn="ctr">
-                      <a:solidFill>
-                        <a:schemeClr val="tx1"/>
-                      </a:solidFill>
-                      <a:prstDash val="solid"/>
-                      <a:round/>
-                      <a:headEnd type="none" w="med" len="med"/>
-                      <a:tailEnd type="none" w="med" len="med"/>
-                    </a:lnT>
-                    <a:lnB w="38100" cap="flat" cmpd="sng" algn="ctr">
-                      <a:solidFill>
-                        <a:schemeClr val="tx1"/>
-                      </a:solidFill>
-                      <a:prstDash val="solid"/>
-                      <a:round/>
-                      <a:headEnd type="none" w="med" len="med"/>
-                      <a:tailEnd type="none" w="med" len="med"/>
-                    </a:lnB>
-                    <a:solidFill>
-                      <a:schemeClr val="bg1"/>
-                    </a:solidFill>
-                  </a:tcPr>
-                </a:tc>
-                <a:tc>
-                  <a:txBody>
-                    <a:bodyPr/>
-                    <a:lstStyle/>
-                    <a:p>
-                      <a:endParaRPr lang="en-CA" dirty="0"/>
-                    </a:p>
-                  </a:txBody>
-                  <a:tcPr>
-                    <a:lnL w="38100" cap="flat" cmpd="sng" algn="ctr">
-                      <a:solidFill>
-                        <a:schemeClr val="tx1"/>
-                      </a:solidFill>
-                      <a:prstDash val="solid"/>
-                      <a:round/>
-                      <a:headEnd type="none" w="med" len="med"/>
-                      <a:tailEnd type="none" w="med" len="med"/>
-                    </a:lnL>
-                    <a:lnR w="38100" cap="flat" cmpd="sng" algn="ctr">
-                      <a:solidFill>
-                        <a:schemeClr val="tx1"/>
-                      </a:solidFill>
-                      <a:prstDash val="solid"/>
-                      <a:round/>
-                      <a:headEnd type="none" w="med" len="med"/>
-                      <a:tailEnd type="none" w="med" len="med"/>
-                    </a:lnR>
-                    <a:lnT w="38100" cap="flat" cmpd="sng" algn="ctr">
-                      <a:solidFill>
-                        <a:schemeClr val="tx1"/>
-                      </a:solidFill>
-                      <a:prstDash val="solid"/>
-                      <a:round/>
-                      <a:headEnd type="none" w="med" len="med"/>
-                      <a:tailEnd type="none" w="med" len="med"/>
-                    </a:lnT>
-                    <a:lnB w="38100" cap="flat" cmpd="sng" algn="ctr">
-                      <a:solidFill>
-                        <a:schemeClr val="tx1"/>
-                      </a:solidFill>
-                      <a:prstDash val="solid"/>
-                      <a:round/>
-                      <a:headEnd type="none" w="med" len="med"/>
-                      <a:tailEnd type="none" w="med" len="med"/>
-                    </a:lnB>
-                    <a:solidFill>
-                      <a:srgbClr val="6CF2EF"/>
-                    </a:solidFill>
-                  </a:tcPr>
-                </a:tc>
-                <a:tc>
-                  <a:txBody>
-                    <a:bodyPr/>
-                    <a:lstStyle/>
-                    <a:p>
-                      <a:endParaRPr lang="en-CA"/>
-                    </a:p>
-                  </a:txBody>
-                  <a:tcPr>
-                    <a:lnL w="38100" cap="flat" cmpd="sng" algn="ctr">
-                      <a:solidFill>
-                        <a:schemeClr val="tx1"/>
-                      </a:solidFill>
-                      <a:prstDash val="solid"/>
-                      <a:round/>
-                      <a:headEnd type="none" w="med" len="med"/>
-                      <a:tailEnd type="none" w="med" len="med"/>
-                    </a:lnL>
-                    <a:lnR w="38100" cap="flat" cmpd="sng" algn="ctr">
-                      <a:solidFill>
-                        <a:schemeClr val="tx1"/>
-                      </a:solidFill>
-                      <a:prstDash val="solid"/>
-                      <a:round/>
-                      <a:headEnd type="none" w="med" len="med"/>
-                      <a:tailEnd type="none" w="med" len="med"/>
-                    </a:lnR>
-                    <a:lnT w="38100" cap="flat" cmpd="sng" algn="ctr">
-                      <a:solidFill>
-                        <a:schemeClr val="tx1"/>
-                      </a:solidFill>
-                      <a:prstDash val="solid"/>
-                      <a:round/>
-                      <a:headEnd type="none" w="med" len="med"/>
-                      <a:tailEnd type="none" w="med" len="med"/>
-                    </a:lnT>
-                    <a:lnB w="38100" cap="flat" cmpd="sng" algn="ctr">
-                      <a:solidFill>
-                        <a:schemeClr val="tx1"/>
-                      </a:solidFill>
-                      <a:prstDash val="solid"/>
-                      <a:round/>
-                      <a:headEnd type="none" w="med" len="med"/>
-                      <a:tailEnd type="none" w="med" len="med"/>
-                    </a:lnB>
-                    <a:solidFill>
-                      <a:schemeClr val="bg1"/>
-                    </a:solidFill>
-                  </a:tcPr>
-                </a:tc>
-                <a:tc>
-                  <a:txBody>
-                    <a:bodyPr/>
-                    <a:lstStyle/>
-                    <a:p>
-                      <a:endParaRPr lang="en-CA"/>
-                    </a:p>
-                  </a:txBody>
-                  <a:tcPr>
-                    <a:lnL w="38100" cap="flat" cmpd="sng" algn="ctr">
-                      <a:solidFill>
-                        <a:schemeClr val="tx1"/>
-                      </a:solidFill>
-                      <a:prstDash val="solid"/>
-                      <a:round/>
-                      <a:headEnd type="none" w="med" len="med"/>
-                      <a:tailEnd type="none" w="med" len="med"/>
-                    </a:lnL>
-                    <a:lnR w="38100" cap="flat" cmpd="sng" algn="ctr">
-                      <a:solidFill>
-                        <a:schemeClr val="tx1"/>
-                      </a:solidFill>
-                      <a:prstDash val="solid"/>
-                      <a:round/>
-                      <a:headEnd type="none" w="med" len="med"/>
-                      <a:tailEnd type="none" w="med" len="med"/>
-                    </a:lnR>
-                    <a:lnT w="38100" cap="flat" cmpd="sng" algn="ctr">
-                      <a:solidFill>
-                        <a:schemeClr val="tx1"/>
-                      </a:solidFill>
-                      <a:prstDash val="solid"/>
-                      <a:round/>
-                      <a:headEnd type="none" w="med" len="med"/>
-                      <a:tailEnd type="none" w="med" len="med"/>
-                    </a:lnT>
-                    <a:lnB w="38100" cap="flat" cmpd="sng" algn="ctr">
-                      <a:solidFill>
-                        <a:schemeClr val="tx1"/>
-                      </a:solidFill>
-                      <a:prstDash val="solid"/>
-                      <a:round/>
-                      <a:headEnd type="none" w="med" len="med"/>
-                      <a:tailEnd type="none" w="med" len="med"/>
-                    </a:lnB>
-                    <a:solidFill>
-                      <a:schemeClr val="bg1"/>
-                    </a:solidFill>
-                  </a:tcPr>
-                </a:tc>
-                <a:tc>
-                  <a:txBody>
-                    <a:bodyPr/>
-                    <a:lstStyle/>
-                    <a:p>
-                      <a:endParaRPr lang="en-CA" dirty="0"/>
-                    </a:p>
-                  </a:txBody>
-                  <a:tcPr>
-                    <a:lnL w="38100" cap="flat" cmpd="sng" algn="ctr">
-                      <a:solidFill>
-                        <a:schemeClr val="tx1"/>
-                      </a:solidFill>
-                      <a:prstDash val="solid"/>
-                      <a:round/>
-                      <a:headEnd type="none" w="med" len="med"/>
-                      <a:tailEnd type="none" w="med" len="med"/>
-                    </a:lnL>
-                    <a:lnR w="38100" cap="flat" cmpd="sng" algn="ctr">
-                      <a:solidFill>
-                        <a:schemeClr val="tx1"/>
-                      </a:solidFill>
-                      <a:prstDash val="solid"/>
-                      <a:round/>
-                      <a:headEnd type="none" w="med" len="med"/>
-                      <a:tailEnd type="none" w="med" len="med"/>
-                    </a:lnR>
-                    <a:lnT w="38100" cap="flat" cmpd="sng" algn="ctr">
-                      <a:solidFill>
-                        <a:schemeClr val="tx1"/>
-                      </a:solidFill>
-                      <a:prstDash val="solid"/>
-                      <a:round/>
-                      <a:headEnd type="none" w="med" len="med"/>
-                      <a:tailEnd type="none" w="med" len="med"/>
-                    </a:lnT>
-                    <a:lnB w="38100" cap="flat" cmpd="sng" algn="ctr">
-                      <a:solidFill>
-                        <a:schemeClr val="tx1"/>
-                      </a:solidFill>
-                      <a:prstDash val="solid"/>
-                      <a:round/>
-                      <a:headEnd type="none" w="med" len="med"/>
-                      <a:tailEnd type="none" w="med" len="med"/>
-                    </a:lnB>
-                    <a:solidFill>
-                      <a:srgbClr val="0FB5B1"/>
-                    </a:solidFill>
-                  </a:tcPr>
-                </a:tc>
-                <a:tc>
-                  <a:txBody>
-                    <a:bodyPr/>
-                    <a:lstStyle/>
-                    <a:p>
-                      <a:endParaRPr lang="en-CA" dirty="0"/>
-                    </a:p>
-                  </a:txBody>
-                  <a:tcPr>
-                    <a:lnL w="38100" cap="flat" cmpd="sng" algn="ctr">
-                      <a:solidFill>
-                        <a:schemeClr val="tx1"/>
-                      </a:solidFill>
-                      <a:prstDash val="solid"/>
-                      <a:round/>
-                      <a:headEnd type="none" w="med" len="med"/>
-                      <a:tailEnd type="none" w="med" len="med"/>
-                    </a:lnL>
-                    <a:lnR w="38100" cap="flat" cmpd="sng" algn="ctr">
-                      <a:solidFill>
-                        <a:schemeClr val="tx1"/>
-                      </a:solidFill>
-                      <a:prstDash val="solid"/>
-                      <a:round/>
-                      <a:headEnd type="none" w="med" len="med"/>
-                      <a:tailEnd type="none" w="med" len="med"/>
-                    </a:lnR>
-                    <a:lnT w="38100" cap="flat" cmpd="sng" algn="ctr">
-                      <a:solidFill>
-                        <a:schemeClr val="tx1"/>
-                      </a:solidFill>
-                      <a:prstDash val="solid"/>
-                      <a:round/>
-                      <a:headEnd type="none" w="med" len="med"/>
-                      <a:tailEnd type="none" w="med" len="med"/>
-                    </a:lnT>
-                    <a:lnB w="38100" cap="flat" cmpd="sng" algn="ctr">
-                      <a:solidFill>
-                        <a:schemeClr val="tx1"/>
-                      </a:solidFill>
-                      <a:prstDash val="solid"/>
-                      <a:round/>
-                      <a:headEnd type="none" w="med" len="med"/>
-                      <a:tailEnd type="none" w="med" len="med"/>
-                    </a:lnB>
-                    <a:solidFill>
-                      <a:srgbClr val="15EBE6"/>
-                    </a:solidFill>
-                  </a:tcPr>
-                </a:tc>
-                <a:extLst>
-                  <a:ext uri="{0D108BD9-81ED-4DB2-BD59-A6C34878D82A}">
-                    <a16:rowId xmlns:a16="http://schemas.microsoft.com/office/drawing/2014/main" val="2758766069"/>
-                  </a:ext>
-                </a:extLst>
-              </a:tr>
-            </a:tbl>
-          </a:graphicData>
-        </a:graphic>
-      </p:graphicFrame>
-      <p:graphicFrame>
-        <p:nvGraphicFramePr>
-          <p:cNvPr id="6" name="Table 5">
-            <a:extLst>
-              <a:ext uri="{FF2B5EF4-FFF2-40B4-BE49-F238E27FC236}">
-                <a16:creationId xmlns:a16="http://schemas.microsoft.com/office/drawing/2014/main" id="{122651F2-FD77-AE41-567B-84EB40AC6FDA}"/>
-              </a:ext>
-            </a:extLst>
-          </p:cNvPr>
-          <p:cNvGraphicFramePr>
-            <a:graphicFrameLocks noGrp="1"/>
-          </p:cNvGraphicFramePr>
-          <p:nvPr>
-            <p:extLst>
-              <p:ext uri="{D42A27DB-BD31-4B8C-83A1-F6EECF244321}">
-                <p14:modId xmlns:p14="http://schemas.microsoft.com/office/powerpoint/2010/main" val="276473647"/>
-              </p:ext>
-            </p:extLst>
-          </p:nvPr>
-        </p:nvGraphicFramePr>
-        <p:xfrm>
-          <a:off x="2297546" y="1284298"/>
-          <a:ext cx="720000" cy="3600000"/>
-        </p:xfrm>
-        <a:graphic>
-          <a:graphicData uri="http://schemas.openxmlformats.org/drawingml/2006/table">
-            <a:tbl>
-              <a:tblPr firstRow="1" bandRow="1">
-                <a:tableStyleId>{5C22544A-7EE6-4342-B048-85BDC9FD1C3A}</a:tableStyleId>
-              </a:tblPr>
-              <a:tblGrid>
-                <a:gridCol w="720000">
-                  <a:extLst>
-                    <a:ext uri="{9D8B030D-6E8A-4147-A177-3AD203B41FA5}">
-                      <a16:colId xmlns:a16="http://schemas.microsoft.com/office/drawing/2014/main" val="3754233225"/>
-                    </a:ext>
-                  </a:extLst>
-                </a:gridCol>
-              </a:tblGrid>
-              <a:tr h="720000">
-                <a:tc>
-                  <a:txBody>
-                    <a:bodyPr/>
-                    <a:lstStyle/>
-                    <a:p>
-                      <a:endParaRPr lang="en-CA" dirty="0"/>
-                    </a:p>
-                  </a:txBody>
-                  <a:tcPr>
-                    <a:lnL w="38100" cap="flat" cmpd="sng" algn="ctr">
-                      <a:solidFill>
-                        <a:schemeClr val="tx1"/>
-                      </a:solidFill>
-                      <a:prstDash val="solid"/>
-                      <a:round/>
-                      <a:headEnd type="none" w="med" len="med"/>
-                      <a:tailEnd type="none" w="med" len="med"/>
-                    </a:lnL>
-                    <a:lnR w="38100" cap="flat" cmpd="sng" algn="ctr">
-                      <a:solidFill>
-                        <a:schemeClr val="tx1"/>
-                      </a:solidFill>
-                      <a:prstDash val="solid"/>
-                      <a:round/>
-                      <a:headEnd type="none" w="med" len="med"/>
-                      <a:tailEnd type="none" w="med" len="med"/>
-                    </a:lnR>
-                    <a:lnT w="38100" cap="flat" cmpd="sng" algn="ctr">
-                      <a:solidFill>
-                        <a:schemeClr val="tx1"/>
-                      </a:solidFill>
-                      <a:prstDash val="solid"/>
-                      <a:round/>
-                      <a:headEnd type="none" w="med" len="med"/>
-                      <a:tailEnd type="none" w="med" len="med"/>
-                    </a:lnT>
-                    <a:lnB w="38100" cap="flat" cmpd="sng" algn="ctr">
-                      <a:solidFill>
-                        <a:schemeClr val="tx1"/>
-                      </a:solidFill>
-                      <a:prstDash val="solid"/>
-                      <a:round/>
-                      <a:headEnd type="none" w="med" len="med"/>
-                      <a:tailEnd type="none" w="med" len="med"/>
-                    </a:lnB>
-                    <a:solidFill>
-                      <a:schemeClr val="bg1"/>
-                    </a:solidFill>
-                  </a:tcPr>
-                </a:tc>
-                <a:extLst>
-                  <a:ext uri="{0D108BD9-81ED-4DB2-BD59-A6C34878D82A}">
-                    <a16:rowId xmlns:a16="http://schemas.microsoft.com/office/drawing/2014/main" val="3496965903"/>
-                  </a:ext>
-                </a:extLst>
-              </a:tr>
-              <a:tr h="720000">
-                <a:tc>
-                  <a:txBody>
-                    <a:bodyPr/>
-                    <a:lstStyle/>
-                    <a:p>
-                      <a:endParaRPr lang="en-CA" dirty="0"/>
-                    </a:p>
-                  </a:txBody>
-                  <a:tcPr>
-                    <a:lnL w="38100" cap="flat" cmpd="sng" algn="ctr">
-                      <a:solidFill>
-                        <a:schemeClr val="tx1"/>
-                      </a:solidFill>
-                      <a:prstDash val="solid"/>
-                      <a:round/>
-                      <a:headEnd type="none" w="med" len="med"/>
-                      <a:tailEnd type="none" w="med" len="med"/>
-                    </a:lnL>
-                    <a:lnR w="38100" cap="flat" cmpd="sng" algn="ctr">
-                      <a:solidFill>
-                        <a:schemeClr val="tx1"/>
-                      </a:solidFill>
-                      <a:prstDash val="solid"/>
-                      <a:round/>
-                      <a:headEnd type="none" w="med" len="med"/>
-                      <a:tailEnd type="none" w="med" len="med"/>
-                    </a:lnR>
-                    <a:lnT w="38100" cap="flat" cmpd="sng" algn="ctr">
-                      <a:solidFill>
-                        <a:schemeClr val="tx1"/>
-                      </a:solidFill>
-                      <a:prstDash val="solid"/>
-                      <a:round/>
-                      <a:headEnd type="none" w="med" len="med"/>
-                      <a:tailEnd type="none" w="med" len="med"/>
-                    </a:lnT>
-                    <a:lnB w="38100" cap="flat" cmpd="sng" algn="ctr">
-                      <a:solidFill>
-                        <a:schemeClr val="tx1"/>
-                      </a:solidFill>
-                      <a:prstDash val="solid"/>
-                      <a:round/>
-                      <a:headEnd type="none" w="med" len="med"/>
-                      <a:tailEnd type="none" w="med" len="med"/>
-                    </a:lnB>
-                    <a:solidFill>
-                      <a:srgbClr val="B9F9F7"/>
-                    </a:solidFill>
-                  </a:tcPr>
-                </a:tc>
-                <a:extLst>
-                  <a:ext uri="{0D108BD9-81ED-4DB2-BD59-A6C34878D82A}">
-                    <a16:rowId xmlns:a16="http://schemas.microsoft.com/office/drawing/2014/main" val="1164404539"/>
-                  </a:ext>
-                </a:extLst>
-              </a:tr>
-              <a:tr h="720000">
-                <a:tc>
-                  <a:txBody>
-                    <a:bodyPr/>
-                    <a:lstStyle/>
-                    <a:p>
-                      <a:endParaRPr lang="en-CA" dirty="0"/>
-                    </a:p>
-                  </a:txBody>
-                  <a:tcPr>
-                    <a:lnL w="38100" cap="flat" cmpd="sng" algn="ctr">
-                      <a:solidFill>
-                        <a:schemeClr val="tx1"/>
-                      </a:solidFill>
-                      <a:prstDash val="solid"/>
-                      <a:round/>
-                      <a:headEnd type="none" w="med" len="med"/>
-                      <a:tailEnd type="none" w="med" len="med"/>
-                    </a:lnL>
-                    <a:lnR w="38100" cap="flat" cmpd="sng" algn="ctr">
-                      <a:solidFill>
-                        <a:schemeClr val="tx1"/>
-                      </a:solidFill>
-                      <a:prstDash val="solid"/>
-                      <a:round/>
-                      <a:headEnd type="none" w="med" len="med"/>
-                      <a:tailEnd type="none" w="med" len="med"/>
-                    </a:lnR>
-                    <a:lnT w="38100" cap="flat" cmpd="sng" algn="ctr">
-                      <a:solidFill>
-                        <a:schemeClr val="tx1"/>
-                      </a:solidFill>
-                      <a:prstDash val="solid"/>
-                      <a:round/>
-                      <a:headEnd type="none" w="med" len="med"/>
-                      <a:tailEnd type="none" w="med" len="med"/>
-                    </a:lnT>
-                    <a:lnB w="38100" cap="flat" cmpd="sng" algn="ctr">
-                      <a:solidFill>
-                        <a:schemeClr val="tx1"/>
-                      </a:solidFill>
-                      <a:prstDash val="solid"/>
-                      <a:round/>
-                      <a:headEnd type="none" w="med" len="med"/>
-                      <a:tailEnd type="none" w="med" len="med"/>
-                    </a:lnB>
-                    <a:solidFill>
-                      <a:srgbClr val="6CF2EF"/>
-                    </a:solidFill>
-                  </a:tcPr>
-                </a:tc>
-                <a:extLst>
-                  <a:ext uri="{0D108BD9-81ED-4DB2-BD59-A6C34878D82A}">
-                    <a16:rowId xmlns:a16="http://schemas.microsoft.com/office/drawing/2014/main" val="43005473"/>
-                  </a:ext>
-                </a:extLst>
-              </a:tr>
-              <a:tr h="720000">
-                <a:tc>
-                  <a:txBody>
-                    <a:bodyPr/>
-                    <a:lstStyle/>
-                    <a:p>
-                      <a:endParaRPr lang="en-CA" dirty="0"/>
-                    </a:p>
-                  </a:txBody>
-                  <a:tcPr>
-                    <a:lnL w="38100" cap="flat" cmpd="sng" algn="ctr">
-                      <a:solidFill>
-                        <a:schemeClr val="tx1"/>
-                      </a:solidFill>
-                      <a:prstDash val="solid"/>
-                      <a:round/>
-                      <a:headEnd type="none" w="med" len="med"/>
-                      <a:tailEnd type="none" w="med" len="med"/>
-                    </a:lnL>
-                    <a:lnR w="38100" cap="flat" cmpd="sng" algn="ctr">
-                      <a:solidFill>
-                        <a:schemeClr val="tx1"/>
-                      </a:solidFill>
-                      <a:prstDash val="solid"/>
-                      <a:round/>
-                      <a:headEnd type="none" w="med" len="med"/>
-                      <a:tailEnd type="none" w="med" len="med"/>
-                    </a:lnR>
-                    <a:lnT w="38100" cap="flat" cmpd="sng" algn="ctr">
-                      <a:solidFill>
-                        <a:schemeClr val="tx1"/>
-                      </a:solidFill>
-                      <a:prstDash val="solid"/>
-                      <a:round/>
-                      <a:headEnd type="none" w="med" len="med"/>
-                      <a:tailEnd type="none" w="med" len="med"/>
-                    </a:lnT>
-                    <a:lnB w="38100" cap="flat" cmpd="sng" algn="ctr">
-                      <a:solidFill>
-                        <a:schemeClr val="tx1"/>
-                      </a:solidFill>
-                      <a:prstDash val="solid"/>
-                      <a:round/>
-                      <a:headEnd type="none" w="med" len="med"/>
-                      <a:tailEnd type="none" w="med" len="med"/>
-                    </a:lnB>
-                    <a:solidFill>
-                      <a:srgbClr val="15EBE6"/>
-                    </a:solidFill>
-                  </a:tcPr>
-                </a:tc>
-                <a:extLst>
-                  <a:ext uri="{0D108BD9-81ED-4DB2-BD59-A6C34878D82A}">
-                    <a16:rowId xmlns:a16="http://schemas.microsoft.com/office/drawing/2014/main" val="958269565"/>
-                  </a:ext>
-                </a:extLst>
-              </a:tr>
-              <a:tr h="720000">
-                <a:tc>
-                  <a:txBody>
-                    <a:bodyPr/>
-                    <a:lstStyle/>
-                    <a:p>
-                      <a:endParaRPr lang="en-CA" dirty="0"/>
-                    </a:p>
-                  </a:txBody>
-                  <a:tcPr>
-                    <a:lnL w="38100" cap="flat" cmpd="sng" algn="ctr">
-                      <a:solidFill>
-                        <a:schemeClr val="tx1"/>
-                      </a:solidFill>
-                      <a:prstDash val="solid"/>
-                      <a:round/>
-                      <a:headEnd type="none" w="med" len="med"/>
-                      <a:tailEnd type="none" w="med" len="med"/>
-                    </a:lnL>
-                    <a:lnR w="38100" cap="flat" cmpd="sng" algn="ctr">
-                      <a:solidFill>
-                        <a:schemeClr val="tx1"/>
-                      </a:solidFill>
-                      <a:prstDash val="solid"/>
-                      <a:round/>
-                      <a:headEnd type="none" w="med" len="med"/>
-                      <a:tailEnd type="none" w="med" len="med"/>
-                    </a:lnR>
-                    <a:lnT w="38100" cap="flat" cmpd="sng" algn="ctr">
-                      <a:solidFill>
-                        <a:schemeClr val="tx1"/>
-                      </a:solidFill>
-                      <a:prstDash val="solid"/>
-                      <a:round/>
-                      <a:headEnd type="none" w="med" len="med"/>
-                      <a:tailEnd type="none" w="med" len="med"/>
-                    </a:lnT>
-                    <a:lnB w="38100" cap="flat" cmpd="sng" algn="ctr">
-                      <a:solidFill>
-                        <a:schemeClr val="tx1"/>
-                      </a:solidFill>
-                      <a:prstDash val="solid"/>
-                      <a:round/>
-                      <a:headEnd type="none" w="med" len="med"/>
-                      <a:tailEnd type="none" w="med" len="med"/>
-                    </a:lnB>
-                    <a:solidFill>
-                      <a:srgbClr val="0FB5B1"/>
-                    </a:solidFill>
-                  </a:tcPr>
-                </a:tc>
-                <a:extLst>
-                  <a:ext uri="{0D108BD9-81ED-4DB2-BD59-A6C34878D82A}">
-                    <a16:rowId xmlns:a16="http://schemas.microsoft.com/office/drawing/2014/main" val="2011182088"/>
-                  </a:ext>
-                </a:extLst>
-              </a:tr>
-            </a:tbl>
-          </a:graphicData>
-        </a:graphic>
-      </p:graphicFrame>
-    </p:spTree>
-    <p:extLst>
-      <p:ext uri="{BB962C8B-B14F-4D97-AF65-F5344CB8AC3E}">
-        <p14:creationId xmlns:p14="http://schemas.microsoft.com/office/powerpoint/2010/main" val="996551298"/>
-      </p:ext>
-    </p:extLst>
-  </p:cSld>
-  <p:clrMapOvr>
-    <a:masterClrMapping/>
-  </p:clrMapOvr>
-</p:sld>
-</file>
-
-<file path=ppt/slides/slide20.xml><?xml version="1.0" encoding="utf-8"?>
+<file path=ppt/slides/slide22.xml><?xml version="1.0" encoding="utf-8"?>
 <p:sld xmlns:a="http://schemas.openxmlformats.org/drawingml/2006/main" xmlns:r="http://schemas.openxmlformats.org/officeDocument/2006/relationships" xmlns:p="http://schemas.openxmlformats.org/presentationml/2006/main">
   <p:cSld>
     <p:spTree>
@@ -22436,6 +20678,2284 @@
   <p:cSld>
     <p:spTree>
       <p:nvGrpSpPr>
+        <p:cNvPr id="1" name=""/>
+        <p:cNvGrpSpPr/>
+        <p:nvPr/>
+      </p:nvGrpSpPr>
+      <p:grpSpPr>
+        <a:xfrm>
+          <a:off x="0" y="0"/>
+          <a:ext cx="0" cy="0"/>
+          <a:chOff x="0" y="0"/>
+          <a:chExt cx="0" cy="0"/>
+        </a:xfrm>
+      </p:grpSpPr>
+      <p:graphicFrame>
+        <p:nvGraphicFramePr>
+          <p:cNvPr id="4" name="Table 3">
+            <a:extLst>
+              <a:ext uri="{FF2B5EF4-FFF2-40B4-BE49-F238E27FC236}">
+                <a16:creationId xmlns:a16="http://schemas.microsoft.com/office/drawing/2014/main" id="{BBC2A157-856C-5503-41A7-79A751246103}"/>
+              </a:ext>
+            </a:extLst>
+          </p:cNvPr>
+          <p:cNvGraphicFramePr>
+            <a:graphicFrameLocks noGrp="1"/>
+          </p:cNvGraphicFramePr>
+          <p:nvPr>
+            <p:extLst>
+              <p:ext uri="{D42A27DB-BD31-4B8C-83A1-F6EECF244321}">
+                <p14:modId xmlns:p14="http://schemas.microsoft.com/office/powerpoint/2010/main" val="499720943"/>
+              </p:ext>
+            </p:extLst>
+          </p:nvPr>
+        </p:nvGraphicFramePr>
+        <p:xfrm>
+          <a:off x="3936000" y="1269000"/>
+          <a:ext cx="4320000" cy="4320000"/>
+        </p:xfrm>
+        <a:graphic>
+          <a:graphicData uri="http://schemas.openxmlformats.org/drawingml/2006/table">
+            <a:tbl>
+              <a:tblPr firstRow="1" bandRow="1">
+                <a:tableStyleId>{5C22544A-7EE6-4342-B048-85BDC9FD1C3A}</a:tableStyleId>
+              </a:tblPr>
+              <a:tblGrid>
+                <a:gridCol w="720000">
+                  <a:extLst>
+                    <a:ext uri="{9D8B030D-6E8A-4147-A177-3AD203B41FA5}">
+                      <a16:colId xmlns:a16="http://schemas.microsoft.com/office/drawing/2014/main" val="796154705"/>
+                    </a:ext>
+                  </a:extLst>
+                </a:gridCol>
+                <a:gridCol w="720000">
+                  <a:extLst>
+                    <a:ext uri="{9D8B030D-6E8A-4147-A177-3AD203B41FA5}">
+                      <a16:colId xmlns:a16="http://schemas.microsoft.com/office/drawing/2014/main" val="1997711918"/>
+                    </a:ext>
+                  </a:extLst>
+                </a:gridCol>
+                <a:gridCol w="720000">
+                  <a:extLst>
+                    <a:ext uri="{9D8B030D-6E8A-4147-A177-3AD203B41FA5}">
+                      <a16:colId xmlns:a16="http://schemas.microsoft.com/office/drawing/2014/main" val="1841226213"/>
+                    </a:ext>
+                  </a:extLst>
+                </a:gridCol>
+                <a:gridCol w="720000">
+                  <a:extLst>
+                    <a:ext uri="{9D8B030D-6E8A-4147-A177-3AD203B41FA5}">
+                      <a16:colId xmlns:a16="http://schemas.microsoft.com/office/drawing/2014/main" val="110647382"/>
+                    </a:ext>
+                  </a:extLst>
+                </a:gridCol>
+                <a:gridCol w="720000">
+                  <a:extLst>
+                    <a:ext uri="{9D8B030D-6E8A-4147-A177-3AD203B41FA5}">
+                      <a16:colId xmlns:a16="http://schemas.microsoft.com/office/drawing/2014/main" val="4068556328"/>
+                    </a:ext>
+                  </a:extLst>
+                </a:gridCol>
+                <a:gridCol w="720000">
+                  <a:extLst>
+                    <a:ext uri="{9D8B030D-6E8A-4147-A177-3AD203B41FA5}">
+                      <a16:colId xmlns:a16="http://schemas.microsoft.com/office/drawing/2014/main" val="2633800513"/>
+                    </a:ext>
+                  </a:extLst>
+                </a:gridCol>
+              </a:tblGrid>
+              <a:tr h="720000">
+                <a:tc>
+                  <a:txBody>
+                    <a:bodyPr/>
+                    <a:lstStyle/>
+                    <a:p>
+                      <a:endParaRPr lang="en-CA" dirty="0"/>
+                    </a:p>
+                  </a:txBody>
+                  <a:tcPr>
+                    <a:lnL w="38100" cap="flat" cmpd="sng" algn="ctr">
+                      <a:solidFill>
+                        <a:schemeClr val="tx1"/>
+                      </a:solidFill>
+                      <a:prstDash val="solid"/>
+                      <a:round/>
+                      <a:headEnd type="none" w="med" len="med"/>
+                      <a:tailEnd type="none" w="med" len="med"/>
+                    </a:lnL>
+                    <a:lnR w="38100" cap="flat" cmpd="sng" algn="ctr">
+                      <a:solidFill>
+                        <a:schemeClr val="tx1"/>
+                      </a:solidFill>
+                      <a:prstDash val="solid"/>
+                      <a:round/>
+                      <a:headEnd type="none" w="med" len="med"/>
+                      <a:tailEnd type="none" w="med" len="med"/>
+                    </a:lnR>
+                    <a:lnT w="38100" cap="flat" cmpd="sng" algn="ctr">
+                      <a:solidFill>
+                        <a:schemeClr val="tx1"/>
+                      </a:solidFill>
+                      <a:prstDash val="solid"/>
+                      <a:round/>
+                      <a:headEnd type="none" w="med" len="med"/>
+                      <a:tailEnd type="none" w="med" len="med"/>
+                    </a:lnT>
+                    <a:lnB w="38100" cap="flat" cmpd="sng" algn="ctr">
+                      <a:solidFill>
+                        <a:schemeClr val="tx1"/>
+                      </a:solidFill>
+                      <a:prstDash val="solid"/>
+                      <a:round/>
+                      <a:headEnd type="none" w="med" len="med"/>
+                      <a:tailEnd type="none" w="med" len="med"/>
+                    </a:lnB>
+                    <a:solidFill>
+                      <a:srgbClr val="15EBE6"/>
+                    </a:solidFill>
+                  </a:tcPr>
+                </a:tc>
+                <a:tc>
+                  <a:txBody>
+                    <a:bodyPr/>
+                    <a:lstStyle/>
+                    <a:p>
+                      <a:endParaRPr lang="en-CA" dirty="0"/>
+                    </a:p>
+                  </a:txBody>
+                  <a:tcPr>
+                    <a:lnL w="38100" cap="flat" cmpd="sng" algn="ctr">
+                      <a:solidFill>
+                        <a:schemeClr val="tx1"/>
+                      </a:solidFill>
+                      <a:prstDash val="solid"/>
+                      <a:round/>
+                      <a:headEnd type="none" w="med" len="med"/>
+                      <a:tailEnd type="none" w="med" len="med"/>
+                    </a:lnL>
+                    <a:lnR w="38100" cap="flat" cmpd="sng" algn="ctr">
+                      <a:solidFill>
+                        <a:schemeClr val="tx1"/>
+                      </a:solidFill>
+                      <a:prstDash val="solid"/>
+                      <a:round/>
+                      <a:headEnd type="none" w="med" len="med"/>
+                      <a:tailEnd type="none" w="med" len="med"/>
+                    </a:lnR>
+                    <a:lnT w="38100" cap="flat" cmpd="sng" algn="ctr">
+                      <a:solidFill>
+                        <a:schemeClr val="tx1"/>
+                      </a:solidFill>
+                      <a:prstDash val="solid"/>
+                      <a:round/>
+                      <a:headEnd type="none" w="med" len="med"/>
+                      <a:tailEnd type="none" w="med" len="med"/>
+                    </a:lnT>
+                    <a:lnB w="38100" cap="flat" cmpd="sng" algn="ctr">
+                      <a:solidFill>
+                        <a:schemeClr val="tx1"/>
+                      </a:solidFill>
+                      <a:prstDash val="solid"/>
+                      <a:round/>
+                      <a:headEnd type="none" w="med" len="med"/>
+                      <a:tailEnd type="none" w="med" len="med"/>
+                    </a:lnB>
+                    <a:solidFill>
+                      <a:srgbClr val="15EBE6"/>
+                    </a:solidFill>
+                  </a:tcPr>
+                </a:tc>
+                <a:tc>
+                  <a:txBody>
+                    <a:bodyPr/>
+                    <a:lstStyle/>
+                    <a:p>
+                      <a:endParaRPr lang="en-CA" dirty="0"/>
+                    </a:p>
+                  </a:txBody>
+                  <a:tcPr>
+                    <a:lnL w="38100" cap="flat" cmpd="sng" algn="ctr">
+                      <a:solidFill>
+                        <a:schemeClr val="tx1"/>
+                      </a:solidFill>
+                      <a:prstDash val="solid"/>
+                      <a:round/>
+                      <a:headEnd type="none" w="med" len="med"/>
+                      <a:tailEnd type="none" w="med" len="med"/>
+                    </a:lnL>
+                    <a:lnR w="38100" cap="flat" cmpd="sng" algn="ctr">
+                      <a:solidFill>
+                        <a:schemeClr val="tx1"/>
+                      </a:solidFill>
+                      <a:prstDash val="solid"/>
+                      <a:round/>
+                      <a:headEnd type="none" w="med" len="med"/>
+                      <a:tailEnd type="none" w="med" len="med"/>
+                    </a:lnR>
+                    <a:lnT w="38100" cap="flat" cmpd="sng" algn="ctr">
+                      <a:solidFill>
+                        <a:schemeClr val="tx1"/>
+                      </a:solidFill>
+                      <a:prstDash val="solid"/>
+                      <a:round/>
+                      <a:headEnd type="none" w="med" len="med"/>
+                      <a:tailEnd type="none" w="med" len="med"/>
+                    </a:lnT>
+                    <a:lnB w="38100" cap="flat" cmpd="sng" algn="ctr">
+                      <a:solidFill>
+                        <a:schemeClr val="tx1"/>
+                      </a:solidFill>
+                      <a:prstDash val="solid"/>
+                      <a:round/>
+                      <a:headEnd type="none" w="med" len="med"/>
+                      <a:tailEnd type="none" w="med" len="med"/>
+                    </a:lnB>
+                    <a:solidFill>
+                      <a:schemeClr val="bg1"/>
+                    </a:solidFill>
+                  </a:tcPr>
+                </a:tc>
+                <a:tc>
+                  <a:txBody>
+                    <a:bodyPr/>
+                    <a:lstStyle/>
+                    <a:p>
+                      <a:endParaRPr lang="en-CA" dirty="0"/>
+                    </a:p>
+                  </a:txBody>
+                  <a:tcPr>
+                    <a:lnL w="38100" cap="flat" cmpd="sng" algn="ctr">
+                      <a:solidFill>
+                        <a:schemeClr val="tx1"/>
+                      </a:solidFill>
+                      <a:prstDash val="solid"/>
+                      <a:round/>
+                      <a:headEnd type="none" w="med" len="med"/>
+                      <a:tailEnd type="none" w="med" len="med"/>
+                    </a:lnL>
+                    <a:lnR w="38100" cap="flat" cmpd="sng" algn="ctr">
+                      <a:solidFill>
+                        <a:schemeClr val="tx1"/>
+                      </a:solidFill>
+                      <a:prstDash val="solid"/>
+                      <a:round/>
+                      <a:headEnd type="none" w="med" len="med"/>
+                      <a:tailEnd type="none" w="med" len="med"/>
+                    </a:lnR>
+                    <a:lnT w="38100" cap="flat" cmpd="sng" algn="ctr">
+                      <a:solidFill>
+                        <a:schemeClr val="tx1"/>
+                      </a:solidFill>
+                      <a:prstDash val="solid"/>
+                      <a:round/>
+                      <a:headEnd type="none" w="med" len="med"/>
+                      <a:tailEnd type="none" w="med" len="med"/>
+                    </a:lnT>
+                    <a:lnB w="38100" cap="flat" cmpd="sng" algn="ctr">
+                      <a:solidFill>
+                        <a:schemeClr val="tx1"/>
+                      </a:solidFill>
+                      <a:prstDash val="solid"/>
+                      <a:round/>
+                      <a:headEnd type="none" w="med" len="med"/>
+                      <a:tailEnd type="none" w="med" len="med"/>
+                    </a:lnB>
+                    <a:solidFill>
+                      <a:srgbClr val="6CF2EF"/>
+                    </a:solidFill>
+                  </a:tcPr>
+                </a:tc>
+                <a:tc>
+                  <a:txBody>
+                    <a:bodyPr/>
+                    <a:lstStyle/>
+                    <a:p>
+                      <a:endParaRPr lang="en-CA" dirty="0"/>
+                    </a:p>
+                  </a:txBody>
+                  <a:tcPr>
+                    <a:lnL w="38100" cap="flat" cmpd="sng" algn="ctr">
+                      <a:solidFill>
+                        <a:schemeClr val="tx1"/>
+                      </a:solidFill>
+                      <a:prstDash val="solid"/>
+                      <a:round/>
+                      <a:headEnd type="none" w="med" len="med"/>
+                      <a:tailEnd type="none" w="med" len="med"/>
+                    </a:lnL>
+                    <a:lnR w="38100" cap="flat" cmpd="sng" algn="ctr">
+                      <a:solidFill>
+                        <a:schemeClr val="tx1"/>
+                      </a:solidFill>
+                      <a:prstDash val="solid"/>
+                      <a:round/>
+                      <a:headEnd type="none" w="med" len="med"/>
+                      <a:tailEnd type="none" w="med" len="med"/>
+                    </a:lnR>
+                    <a:lnT w="38100" cap="flat" cmpd="sng" algn="ctr">
+                      <a:solidFill>
+                        <a:schemeClr val="tx1"/>
+                      </a:solidFill>
+                      <a:prstDash val="solid"/>
+                      <a:round/>
+                      <a:headEnd type="none" w="med" len="med"/>
+                      <a:tailEnd type="none" w="med" len="med"/>
+                    </a:lnT>
+                    <a:lnB w="38100" cap="flat" cmpd="sng" algn="ctr">
+                      <a:solidFill>
+                        <a:schemeClr val="tx1"/>
+                      </a:solidFill>
+                      <a:prstDash val="solid"/>
+                      <a:round/>
+                      <a:headEnd type="none" w="med" len="med"/>
+                      <a:tailEnd type="none" w="med" len="med"/>
+                    </a:lnB>
+                    <a:solidFill>
+                      <a:srgbClr val="6CF2EF"/>
+                    </a:solidFill>
+                  </a:tcPr>
+                </a:tc>
+                <a:tc>
+                  <a:txBody>
+                    <a:bodyPr/>
+                    <a:lstStyle/>
+                    <a:p>
+                      <a:endParaRPr lang="en-CA" dirty="0"/>
+                    </a:p>
+                  </a:txBody>
+                  <a:tcPr>
+                    <a:lnL w="38100" cap="flat" cmpd="sng" algn="ctr">
+                      <a:solidFill>
+                        <a:schemeClr val="tx1"/>
+                      </a:solidFill>
+                      <a:prstDash val="solid"/>
+                      <a:round/>
+                      <a:headEnd type="none" w="med" len="med"/>
+                      <a:tailEnd type="none" w="med" len="med"/>
+                    </a:lnL>
+                    <a:lnR w="38100" cap="flat" cmpd="sng" algn="ctr">
+                      <a:solidFill>
+                        <a:schemeClr val="tx1"/>
+                      </a:solidFill>
+                      <a:prstDash val="solid"/>
+                      <a:round/>
+                      <a:headEnd type="none" w="med" len="med"/>
+                      <a:tailEnd type="none" w="med" len="med"/>
+                    </a:lnR>
+                    <a:lnT w="38100" cap="flat" cmpd="sng" algn="ctr">
+                      <a:solidFill>
+                        <a:schemeClr val="tx1"/>
+                      </a:solidFill>
+                      <a:prstDash val="solid"/>
+                      <a:round/>
+                      <a:headEnd type="none" w="med" len="med"/>
+                      <a:tailEnd type="none" w="med" len="med"/>
+                    </a:lnT>
+                    <a:lnB w="38100" cap="flat" cmpd="sng" algn="ctr">
+                      <a:solidFill>
+                        <a:schemeClr val="tx1"/>
+                      </a:solidFill>
+                      <a:prstDash val="solid"/>
+                      <a:round/>
+                      <a:headEnd type="none" w="med" len="med"/>
+                      <a:tailEnd type="none" w="med" len="med"/>
+                    </a:lnB>
+                    <a:solidFill>
+                      <a:srgbClr val="B9F9F7"/>
+                    </a:solidFill>
+                  </a:tcPr>
+                </a:tc>
+                <a:extLst>
+                  <a:ext uri="{0D108BD9-81ED-4DB2-BD59-A6C34878D82A}">
+                    <a16:rowId xmlns:a16="http://schemas.microsoft.com/office/drawing/2014/main" val="1367524779"/>
+                  </a:ext>
+                </a:extLst>
+              </a:tr>
+              <a:tr h="720000">
+                <a:tc>
+                  <a:txBody>
+                    <a:bodyPr/>
+                    <a:lstStyle/>
+                    <a:p>
+                      <a:endParaRPr lang="en-CA" dirty="0"/>
+                    </a:p>
+                  </a:txBody>
+                  <a:tcPr>
+                    <a:lnL w="38100" cap="flat" cmpd="sng" algn="ctr">
+                      <a:solidFill>
+                        <a:schemeClr val="tx1"/>
+                      </a:solidFill>
+                      <a:prstDash val="solid"/>
+                      <a:round/>
+                      <a:headEnd type="none" w="med" len="med"/>
+                      <a:tailEnd type="none" w="med" len="med"/>
+                    </a:lnL>
+                    <a:lnR w="38100" cap="flat" cmpd="sng" algn="ctr">
+                      <a:solidFill>
+                        <a:schemeClr val="tx1"/>
+                      </a:solidFill>
+                      <a:prstDash val="solid"/>
+                      <a:round/>
+                      <a:headEnd type="none" w="med" len="med"/>
+                      <a:tailEnd type="none" w="med" len="med"/>
+                    </a:lnR>
+                    <a:lnT w="38100" cap="flat" cmpd="sng" algn="ctr">
+                      <a:solidFill>
+                        <a:schemeClr val="tx1"/>
+                      </a:solidFill>
+                      <a:prstDash val="solid"/>
+                      <a:round/>
+                      <a:headEnd type="none" w="med" len="med"/>
+                      <a:tailEnd type="none" w="med" len="med"/>
+                    </a:lnT>
+                    <a:lnB w="38100" cap="flat" cmpd="sng" algn="ctr">
+                      <a:solidFill>
+                        <a:schemeClr val="tx1"/>
+                      </a:solidFill>
+                      <a:prstDash val="solid"/>
+                      <a:round/>
+                      <a:headEnd type="none" w="med" len="med"/>
+                      <a:tailEnd type="none" w="med" len="med"/>
+                    </a:lnB>
+                    <a:solidFill>
+                      <a:srgbClr val="6CF2EF"/>
+                    </a:solidFill>
+                  </a:tcPr>
+                </a:tc>
+                <a:tc>
+                  <a:txBody>
+                    <a:bodyPr/>
+                    <a:lstStyle/>
+                    <a:p>
+                      <a:endParaRPr lang="en-CA" dirty="0"/>
+                    </a:p>
+                  </a:txBody>
+                  <a:tcPr>
+                    <a:lnL w="38100" cap="flat" cmpd="sng" algn="ctr">
+                      <a:solidFill>
+                        <a:schemeClr val="tx1"/>
+                      </a:solidFill>
+                      <a:prstDash val="solid"/>
+                      <a:round/>
+                      <a:headEnd type="none" w="med" len="med"/>
+                      <a:tailEnd type="none" w="med" len="med"/>
+                    </a:lnL>
+                    <a:lnR w="38100" cap="flat" cmpd="sng" algn="ctr">
+                      <a:solidFill>
+                        <a:schemeClr val="tx1"/>
+                      </a:solidFill>
+                      <a:prstDash val="solid"/>
+                      <a:round/>
+                      <a:headEnd type="none" w="med" len="med"/>
+                      <a:tailEnd type="none" w="med" len="med"/>
+                    </a:lnR>
+                    <a:lnT w="38100" cap="flat" cmpd="sng" algn="ctr">
+                      <a:solidFill>
+                        <a:schemeClr val="tx1"/>
+                      </a:solidFill>
+                      <a:prstDash val="solid"/>
+                      <a:round/>
+                      <a:headEnd type="none" w="med" len="med"/>
+                      <a:tailEnd type="none" w="med" len="med"/>
+                    </a:lnT>
+                    <a:lnB w="38100" cap="flat" cmpd="sng" algn="ctr">
+                      <a:solidFill>
+                        <a:schemeClr val="tx1"/>
+                      </a:solidFill>
+                      <a:prstDash val="solid"/>
+                      <a:round/>
+                      <a:headEnd type="none" w="med" len="med"/>
+                      <a:tailEnd type="none" w="med" len="med"/>
+                    </a:lnB>
+                    <a:solidFill>
+                      <a:schemeClr val="bg1"/>
+                    </a:solidFill>
+                  </a:tcPr>
+                </a:tc>
+                <a:tc>
+                  <a:txBody>
+                    <a:bodyPr/>
+                    <a:lstStyle/>
+                    <a:p>
+                      <a:endParaRPr lang="en-CA" dirty="0"/>
+                    </a:p>
+                  </a:txBody>
+                  <a:tcPr>
+                    <a:lnL w="38100" cap="flat" cmpd="sng" algn="ctr">
+                      <a:solidFill>
+                        <a:schemeClr val="tx1"/>
+                      </a:solidFill>
+                      <a:prstDash val="solid"/>
+                      <a:round/>
+                      <a:headEnd type="none" w="med" len="med"/>
+                      <a:tailEnd type="none" w="med" len="med"/>
+                    </a:lnL>
+                    <a:lnR w="38100" cap="flat" cmpd="sng" algn="ctr">
+                      <a:solidFill>
+                        <a:schemeClr val="tx1"/>
+                      </a:solidFill>
+                      <a:prstDash val="solid"/>
+                      <a:round/>
+                      <a:headEnd type="none" w="med" len="med"/>
+                      <a:tailEnd type="none" w="med" len="med"/>
+                    </a:lnR>
+                    <a:lnT w="38100" cap="flat" cmpd="sng" algn="ctr">
+                      <a:solidFill>
+                        <a:schemeClr val="tx1"/>
+                      </a:solidFill>
+                      <a:prstDash val="solid"/>
+                      <a:round/>
+                      <a:headEnd type="none" w="med" len="med"/>
+                      <a:tailEnd type="none" w="med" len="med"/>
+                    </a:lnT>
+                    <a:lnB w="38100" cap="flat" cmpd="sng" algn="ctr">
+                      <a:solidFill>
+                        <a:schemeClr val="tx1"/>
+                      </a:solidFill>
+                      <a:prstDash val="solid"/>
+                      <a:round/>
+                      <a:headEnd type="none" w="med" len="med"/>
+                      <a:tailEnd type="none" w="med" len="med"/>
+                    </a:lnB>
+                    <a:solidFill>
+                      <a:srgbClr val="15EBE6"/>
+                    </a:solidFill>
+                  </a:tcPr>
+                </a:tc>
+                <a:tc>
+                  <a:txBody>
+                    <a:bodyPr/>
+                    <a:lstStyle/>
+                    <a:p>
+                      <a:endParaRPr lang="en-CA"/>
+                    </a:p>
+                  </a:txBody>
+                  <a:tcPr>
+                    <a:lnL w="38100" cap="flat" cmpd="sng" algn="ctr">
+                      <a:solidFill>
+                        <a:schemeClr val="tx1"/>
+                      </a:solidFill>
+                      <a:prstDash val="solid"/>
+                      <a:round/>
+                      <a:headEnd type="none" w="med" len="med"/>
+                      <a:tailEnd type="none" w="med" len="med"/>
+                    </a:lnL>
+                    <a:lnR w="38100" cap="flat" cmpd="sng" algn="ctr">
+                      <a:solidFill>
+                        <a:schemeClr val="tx1"/>
+                      </a:solidFill>
+                      <a:prstDash val="solid"/>
+                      <a:round/>
+                      <a:headEnd type="none" w="med" len="med"/>
+                      <a:tailEnd type="none" w="med" len="med"/>
+                    </a:lnR>
+                    <a:lnT w="38100" cap="flat" cmpd="sng" algn="ctr">
+                      <a:solidFill>
+                        <a:schemeClr val="tx1"/>
+                      </a:solidFill>
+                      <a:prstDash val="solid"/>
+                      <a:round/>
+                      <a:headEnd type="none" w="med" len="med"/>
+                      <a:tailEnd type="none" w="med" len="med"/>
+                    </a:lnT>
+                    <a:lnB w="38100" cap="flat" cmpd="sng" algn="ctr">
+                      <a:solidFill>
+                        <a:schemeClr val="tx1"/>
+                      </a:solidFill>
+                      <a:prstDash val="solid"/>
+                      <a:round/>
+                      <a:headEnd type="none" w="med" len="med"/>
+                      <a:tailEnd type="none" w="med" len="med"/>
+                    </a:lnB>
+                    <a:solidFill>
+                      <a:schemeClr val="bg1"/>
+                    </a:solidFill>
+                  </a:tcPr>
+                </a:tc>
+                <a:tc>
+                  <a:txBody>
+                    <a:bodyPr/>
+                    <a:lstStyle/>
+                    <a:p>
+                      <a:endParaRPr lang="en-CA" dirty="0"/>
+                    </a:p>
+                  </a:txBody>
+                  <a:tcPr>
+                    <a:lnL w="38100" cap="flat" cmpd="sng" algn="ctr">
+                      <a:solidFill>
+                        <a:schemeClr val="tx1"/>
+                      </a:solidFill>
+                      <a:prstDash val="solid"/>
+                      <a:round/>
+                      <a:headEnd type="none" w="med" len="med"/>
+                      <a:tailEnd type="none" w="med" len="med"/>
+                    </a:lnL>
+                    <a:lnR w="38100" cap="flat" cmpd="sng" algn="ctr">
+                      <a:solidFill>
+                        <a:schemeClr val="tx1"/>
+                      </a:solidFill>
+                      <a:prstDash val="solid"/>
+                      <a:round/>
+                      <a:headEnd type="none" w="med" len="med"/>
+                      <a:tailEnd type="none" w="med" len="med"/>
+                    </a:lnR>
+                    <a:lnT w="38100" cap="flat" cmpd="sng" algn="ctr">
+                      <a:solidFill>
+                        <a:schemeClr val="tx1"/>
+                      </a:solidFill>
+                      <a:prstDash val="solid"/>
+                      <a:round/>
+                      <a:headEnd type="none" w="med" len="med"/>
+                      <a:tailEnd type="none" w="med" len="med"/>
+                    </a:lnT>
+                    <a:lnB w="38100" cap="flat" cmpd="sng" algn="ctr">
+                      <a:solidFill>
+                        <a:schemeClr val="tx1"/>
+                      </a:solidFill>
+                      <a:prstDash val="solid"/>
+                      <a:round/>
+                      <a:headEnd type="none" w="med" len="med"/>
+                      <a:tailEnd type="none" w="med" len="med"/>
+                    </a:lnB>
+                    <a:solidFill>
+                      <a:srgbClr val="0FB5B1"/>
+                    </a:solidFill>
+                  </a:tcPr>
+                </a:tc>
+                <a:tc>
+                  <a:txBody>
+                    <a:bodyPr/>
+                    <a:lstStyle/>
+                    <a:p>
+                      <a:endParaRPr lang="en-CA" dirty="0"/>
+                    </a:p>
+                  </a:txBody>
+                  <a:tcPr>
+                    <a:lnL w="38100" cap="flat" cmpd="sng" algn="ctr">
+                      <a:solidFill>
+                        <a:schemeClr val="tx1"/>
+                      </a:solidFill>
+                      <a:prstDash val="solid"/>
+                      <a:round/>
+                      <a:headEnd type="none" w="med" len="med"/>
+                      <a:tailEnd type="none" w="med" len="med"/>
+                    </a:lnL>
+                    <a:lnR w="38100" cap="flat" cmpd="sng" algn="ctr">
+                      <a:solidFill>
+                        <a:schemeClr val="tx1"/>
+                      </a:solidFill>
+                      <a:prstDash val="solid"/>
+                      <a:round/>
+                      <a:headEnd type="none" w="med" len="med"/>
+                      <a:tailEnd type="none" w="med" len="med"/>
+                    </a:lnR>
+                    <a:lnT w="38100" cap="flat" cmpd="sng" algn="ctr">
+                      <a:solidFill>
+                        <a:schemeClr val="tx1"/>
+                      </a:solidFill>
+                      <a:prstDash val="solid"/>
+                      <a:round/>
+                      <a:headEnd type="none" w="med" len="med"/>
+                      <a:tailEnd type="none" w="med" len="med"/>
+                    </a:lnT>
+                    <a:lnB w="38100" cap="flat" cmpd="sng" algn="ctr">
+                      <a:solidFill>
+                        <a:schemeClr val="tx1"/>
+                      </a:solidFill>
+                      <a:prstDash val="solid"/>
+                      <a:round/>
+                      <a:headEnd type="none" w="med" len="med"/>
+                      <a:tailEnd type="none" w="med" len="med"/>
+                    </a:lnB>
+                    <a:solidFill>
+                      <a:srgbClr val="0FB5B1"/>
+                    </a:solidFill>
+                  </a:tcPr>
+                </a:tc>
+                <a:extLst>
+                  <a:ext uri="{0D108BD9-81ED-4DB2-BD59-A6C34878D82A}">
+                    <a16:rowId xmlns:a16="http://schemas.microsoft.com/office/drawing/2014/main" val="3798026415"/>
+                  </a:ext>
+                </a:extLst>
+              </a:tr>
+              <a:tr h="720000">
+                <a:tc>
+                  <a:txBody>
+                    <a:bodyPr/>
+                    <a:lstStyle/>
+                    <a:p>
+                      <a:endParaRPr lang="en-CA" dirty="0"/>
+                    </a:p>
+                  </a:txBody>
+                  <a:tcPr>
+                    <a:lnL w="38100" cap="flat" cmpd="sng" algn="ctr">
+                      <a:solidFill>
+                        <a:schemeClr val="tx1"/>
+                      </a:solidFill>
+                      <a:prstDash val="solid"/>
+                      <a:round/>
+                      <a:headEnd type="none" w="med" len="med"/>
+                      <a:tailEnd type="none" w="med" len="med"/>
+                    </a:lnL>
+                    <a:lnR w="38100" cap="flat" cmpd="sng" algn="ctr">
+                      <a:solidFill>
+                        <a:schemeClr val="tx1"/>
+                      </a:solidFill>
+                      <a:prstDash val="solid"/>
+                      <a:round/>
+                      <a:headEnd type="none" w="med" len="med"/>
+                      <a:tailEnd type="none" w="med" len="med"/>
+                    </a:lnR>
+                    <a:lnT w="38100" cap="flat" cmpd="sng" algn="ctr">
+                      <a:solidFill>
+                        <a:schemeClr val="tx1"/>
+                      </a:solidFill>
+                      <a:prstDash val="solid"/>
+                      <a:round/>
+                      <a:headEnd type="none" w="med" len="med"/>
+                      <a:tailEnd type="none" w="med" len="med"/>
+                    </a:lnT>
+                    <a:lnB w="38100" cap="flat" cmpd="sng" algn="ctr">
+                      <a:solidFill>
+                        <a:schemeClr val="tx1"/>
+                      </a:solidFill>
+                      <a:prstDash val="solid"/>
+                      <a:round/>
+                      <a:headEnd type="none" w="med" len="med"/>
+                      <a:tailEnd type="none" w="med" len="med"/>
+                    </a:lnB>
+                    <a:solidFill>
+                      <a:srgbClr val="0FB5B1"/>
+                    </a:solidFill>
+                  </a:tcPr>
+                </a:tc>
+                <a:tc>
+                  <a:txBody>
+                    <a:bodyPr/>
+                    <a:lstStyle/>
+                    <a:p>
+                      <a:endParaRPr lang="en-CA" dirty="0"/>
+                    </a:p>
+                  </a:txBody>
+                  <a:tcPr>
+                    <a:lnL w="38100" cap="flat" cmpd="sng" algn="ctr">
+                      <a:solidFill>
+                        <a:schemeClr val="tx1"/>
+                      </a:solidFill>
+                      <a:prstDash val="solid"/>
+                      <a:round/>
+                      <a:headEnd type="none" w="med" len="med"/>
+                      <a:tailEnd type="none" w="med" len="med"/>
+                    </a:lnL>
+                    <a:lnR w="38100" cap="flat" cmpd="sng" algn="ctr">
+                      <a:solidFill>
+                        <a:schemeClr val="tx1"/>
+                      </a:solidFill>
+                      <a:prstDash val="solid"/>
+                      <a:round/>
+                      <a:headEnd type="none" w="med" len="med"/>
+                      <a:tailEnd type="none" w="med" len="med"/>
+                    </a:lnR>
+                    <a:lnT w="38100" cap="flat" cmpd="sng" algn="ctr">
+                      <a:solidFill>
+                        <a:schemeClr val="tx1"/>
+                      </a:solidFill>
+                      <a:prstDash val="solid"/>
+                      <a:round/>
+                      <a:headEnd type="none" w="med" len="med"/>
+                      <a:tailEnd type="none" w="med" len="med"/>
+                    </a:lnT>
+                    <a:lnB w="38100" cap="flat" cmpd="sng" algn="ctr">
+                      <a:solidFill>
+                        <a:schemeClr val="tx1"/>
+                      </a:solidFill>
+                      <a:prstDash val="solid"/>
+                      <a:round/>
+                      <a:headEnd type="none" w="med" len="med"/>
+                      <a:tailEnd type="none" w="med" len="med"/>
+                    </a:lnB>
+                    <a:solidFill>
+                      <a:schemeClr val="bg1"/>
+                    </a:solidFill>
+                  </a:tcPr>
+                </a:tc>
+                <a:tc>
+                  <a:txBody>
+                    <a:bodyPr/>
+                    <a:lstStyle/>
+                    <a:p>
+                      <a:endParaRPr lang="en-CA" dirty="0"/>
+                    </a:p>
+                  </a:txBody>
+                  <a:tcPr>
+                    <a:lnL w="38100" cap="flat" cmpd="sng" algn="ctr">
+                      <a:solidFill>
+                        <a:schemeClr val="tx1"/>
+                      </a:solidFill>
+                      <a:prstDash val="solid"/>
+                      <a:round/>
+                      <a:headEnd type="none" w="med" len="med"/>
+                      <a:tailEnd type="none" w="med" len="med"/>
+                    </a:lnL>
+                    <a:lnR w="38100" cap="flat" cmpd="sng" algn="ctr">
+                      <a:solidFill>
+                        <a:schemeClr val="tx1"/>
+                      </a:solidFill>
+                      <a:prstDash val="solid"/>
+                      <a:round/>
+                      <a:headEnd type="none" w="med" len="med"/>
+                      <a:tailEnd type="none" w="med" len="med"/>
+                    </a:lnR>
+                    <a:lnT w="38100" cap="flat" cmpd="sng" algn="ctr">
+                      <a:solidFill>
+                        <a:schemeClr val="tx1"/>
+                      </a:solidFill>
+                      <a:prstDash val="solid"/>
+                      <a:round/>
+                      <a:headEnd type="none" w="med" len="med"/>
+                      <a:tailEnd type="none" w="med" len="med"/>
+                    </a:lnT>
+                    <a:lnB w="38100" cap="flat" cmpd="sng" algn="ctr">
+                      <a:solidFill>
+                        <a:schemeClr val="tx1"/>
+                      </a:solidFill>
+                      <a:prstDash val="solid"/>
+                      <a:round/>
+                      <a:headEnd type="none" w="med" len="med"/>
+                      <a:tailEnd type="none" w="med" len="med"/>
+                    </a:lnB>
+                    <a:solidFill>
+                      <a:srgbClr val="15EBE6"/>
+                    </a:solidFill>
+                  </a:tcPr>
+                </a:tc>
+                <a:tc>
+                  <a:txBody>
+                    <a:bodyPr/>
+                    <a:lstStyle/>
+                    <a:p>
+                      <a:endParaRPr lang="en-CA" dirty="0"/>
+                    </a:p>
+                  </a:txBody>
+                  <a:tcPr>
+                    <a:lnL w="38100" cap="flat" cmpd="sng" algn="ctr">
+                      <a:solidFill>
+                        <a:schemeClr val="tx1"/>
+                      </a:solidFill>
+                      <a:prstDash val="solid"/>
+                      <a:round/>
+                      <a:headEnd type="none" w="med" len="med"/>
+                      <a:tailEnd type="none" w="med" len="med"/>
+                    </a:lnL>
+                    <a:lnR w="38100" cap="flat" cmpd="sng" algn="ctr">
+                      <a:solidFill>
+                        <a:schemeClr val="tx1"/>
+                      </a:solidFill>
+                      <a:prstDash val="solid"/>
+                      <a:round/>
+                      <a:headEnd type="none" w="med" len="med"/>
+                      <a:tailEnd type="none" w="med" len="med"/>
+                    </a:lnR>
+                    <a:lnT w="38100" cap="flat" cmpd="sng" algn="ctr">
+                      <a:solidFill>
+                        <a:schemeClr val="tx1"/>
+                      </a:solidFill>
+                      <a:prstDash val="solid"/>
+                      <a:round/>
+                      <a:headEnd type="none" w="med" len="med"/>
+                      <a:tailEnd type="none" w="med" len="med"/>
+                    </a:lnT>
+                    <a:lnB w="38100" cap="flat" cmpd="sng" algn="ctr">
+                      <a:solidFill>
+                        <a:schemeClr val="tx1"/>
+                      </a:solidFill>
+                      <a:prstDash val="solid"/>
+                      <a:round/>
+                      <a:headEnd type="none" w="med" len="med"/>
+                      <a:tailEnd type="none" w="med" len="med"/>
+                    </a:lnB>
+                    <a:solidFill>
+                      <a:srgbClr val="0FB5B1"/>
+                    </a:solidFill>
+                  </a:tcPr>
+                </a:tc>
+                <a:tc>
+                  <a:txBody>
+                    <a:bodyPr/>
+                    <a:lstStyle/>
+                    <a:p>
+                      <a:endParaRPr lang="en-CA" dirty="0"/>
+                    </a:p>
+                  </a:txBody>
+                  <a:tcPr>
+                    <a:lnL w="38100" cap="flat" cmpd="sng" algn="ctr">
+                      <a:solidFill>
+                        <a:schemeClr val="tx1"/>
+                      </a:solidFill>
+                      <a:prstDash val="solid"/>
+                      <a:round/>
+                      <a:headEnd type="none" w="med" len="med"/>
+                      <a:tailEnd type="none" w="med" len="med"/>
+                    </a:lnL>
+                    <a:lnR w="38100" cap="flat" cmpd="sng" algn="ctr">
+                      <a:solidFill>
+                        <a:schemeClr val="tx1"/>
+                      </a:solidFill>
+                      <a:prstDash val="solid"/>
+                      <a:round/>
+                      <a:headEnd type="none" w="med" len="med"/>
+                      <a:tailEnd type="none" w="med" len="med"/>
+                    </a:lnR>
+                    <a:lnT w="38100" cap="flat" cmpd="sng" algn="ctr">
+                      <a:solidFill>
+                        <a:schemeClr val="tx1"/>
+                      </a:solidFill>
+                      <a:prstDash val="solid"/>
+                      <a:round/>
+                      <a:headEnd type="none" w="med" len="med"/>
+                      <a:tailEnd type="none" w="med" len="med"/>
+                    </a:lnT>
+                    <a:lnB w="38100" cap="flat" cmpd="sng" algn="ctr">
+                      <a:solidFill>
+                        <a:schemeClr val="tx1"/>
+                      </a:solidFill>
+                      <a:prstDash val="solid"/>
+                      <a:round/>
+                      <a:headEnd type="none" w="med" len="med"/>
+                      <a:tailEnd type="none" w="med" len="med"/>
+                    </a:lnB>
+                    <a:solidFill>
+                      <a:srgbClr val="15EBE6"/>
+                    </a:solidFill>
+                  </a:tcPr>
+                </a:tc>
+                <a:tc>
+                  <a:txBody>
+                    <a:bodyPr/>
+                    <a:lstStyle/>
+                    <a:p>
+                      <a:endParaRPr lang="en-CA" dirty="0"/>
+                    </a:p>
+                  </a:txBody>
+                  <a:tcPr>
+                    <a:lnL w="38100" cap="flat" cmpd="sng" algn="ctr">
+                      <a:solidFill>
+                        <a:schemeClr val="tx1"/>
+                      </a:solidFill>
+                      <a:prstDash val="solid"/>
+                      <a:round/>
+                      <a:headEnd type="none" w="med" len="med"/>
+                      <a:tailEnd type="none" w="med" len="med"/>
+                    </a:lnL>
+                    <a:lnR w="38100" cap="flat" cmpd="sng" algn="ctr">
+                      <a:solidFill>
+                        <a:schemeClr val="tx1"/>
+                      </a:solidFill>
+                      <a:prstDash val="solid"/>
+                      <a:round/>
+                      <a:headEnd type="none" w="med" len="med"/>
+                      <a:tailEnd type="none" w="med" len="med"/>
+                    </a:lnR>
+                    <a:lnT w="38100" cap="flat" cmpd="sng" algn="ctr">
+                      <a:solidFill>
+                        <a:schemeClr val="tx1"/>
+                      </a:solidFill>
+                      <a:prstDash val="solid"/>
+                      <a:round/>
+                      <a:headEnd type="none" w="med" len="med"/>
+                      <a:tailEnd type="none" w="med" len="med"/>
+                    </a:lnT>
+                    <a:lnB w="38100" cap="flat" cmpd="sng" algn="ctr">
+                      <a:solidFill>
+                        <a:schemeClr val="tx1"/>
+                      </a:solidFill>
+                      <a:prstDash val="solid"/>
+                      <a:round/>
+                      <a:headEnd type="none" w="med" len="med"/>
+                      <a:tailEnd type="none" w="med" len="med"/>
+                    </a:lnB>
+                    <a:solidFill>
+                      <a:srgbClr val="15EBE6"/>
+                    </a:solidFill>
+                  </a:tcPr>
+                </a:tc>
+                <a:extLst>
+                  <a:ext uri="{0D108BD9-81ED-4DB2-BD59-A6C34878D82A}">
+                    <a16:rowId xmlns:a16="http://schemas.microsoft.com/office/drawing/2014/main" val="3607999139"/>
+                  </a:ext>
+                </a:extLst>
+              </a:tr>
+              <a:tr h="720000">
+                <a:tc>
+                  <a:txBody>
+                    <a:bodyPr/>
+                    <a:lstStyle/>
+                    <a:p>
+                      <a:endParaRPr lang="en-CA" dirty="0"/>
+                    </a:p>
+                  </a:txBody>
+                  <a:tcPr>
+                    <a:lnL w="38100" cap="flat" cmpd="sng" algn="ctr">
+                      <a:solidFill>
+                        <a:schemeClr val="tx1"/>
+                      </a:solidFill>
+                      <a:prstDash val="solid"/>
+                      <a:round/>
+                      <a:headEnd type="none" w="med" len="med"/>
+                      <a:tailEnd type="none" w="med" len="med"/>
+                    </a:lnL>
+                    <a:lnR w="38100" cap="flat" cmpd="sng" algn="ctr">
+                      <a:solidFill>
+                        <a:schemeClr val="tx1"/>
+                      </a:solidFill>
+                      <a:prstDash val="solid"/>
+                      <a:round/>
+                      <a:headEnd type="none" w="med" len="med"/>
+                      <a:tailEnd type="none" w="med" len="med"/>
+                    </a:lnR>
+                    <a:lnT w="38100" cap="flat" cmpd="sng" algn="ctr">
+                      <a:solidFill>
+                        <a:schemeClr val="tx1"/>
+                      </a:solidFill>
+                      <a:prstDash val="solid"/>
+                      <a:round/>
+                      <a:headEnd type="none" w="med" len="med"/>
+                      <a:tailEnd type="none" w="med" len="med"/>
+                    </a:lnT>
+                    <a:lnB w="38100" cap="flat" cmpd="sng" algn="ctr">
+                      <a:solidFill>
+                        <a:schemeClr val="tx1"/>
+                      </a:solidFill>
+                      <a:prstDash val="solid"/>
+                      <a:round/>
+                      <a:headEnd type="none" w="med" len="med"/>
+                      <a:tailEnd type="none" w="med" len="med"/>
+                    </a:lnB>
+                    <a:solidFill>
+                      <a:srgbClr val="0FB5B1"/>
+                    </a:solidFill>
+                  </a:tcPr>
+                </a:tc>
+                <a:tc>
+                  <a:txBody>
+                    <a:bodyPr/>
+                    <a:lstStyle/>
+                    <a:p>
+                      <a:endParaRPr lang="en-CA" dirty="0"/>
+                    </a:p>
+                  </a:txBody>
+                  <a:tcPr>
+                    <a:lnL w="38100" cap="flat" cmpd="sng" algn="ctr">
+                      <a:solidFill>
+                        <a:schemeClr val="tx1"/>
+                      </a:solidFill>
+                      <a:prstDash val="solid"/>
+                      <a:round/>
+                      <a:headEnd type="none" w="med" len="med"/>
+                      <a:tailEnd type="none" w="med" len="med"/>
+                    </a:lnL>
+                    <a:lnR w="38100" cap="flat" cmpd="sng" algn="ctr">
+                      <a:solidFill>
+                        <a:schemeClr val="tx1"/>
+                      </a:solidFill>
+                      <a:prstDash val="solid"/>
+                      <a:round/>
+                      <a:headEnd type="none" w="med" len="med"/>
+                      <a:tailEnd type="none" w="med" len="med"/>
+                    </a:lnR>
+                    <a:lnT w="38100" cap="flat" cmpd="sng" algn="ctr">
+                      <a:solidFill>
+                        <a:schemeClr val="tx1"/>
+                      </a:solidFill>
+                      <a:prstDash val="solid"/>
+                      <a:round/>
+                      <a:headEnd type="none" w="med" len="med"/>
+                      <a:tailEnd type="none" w="med" len="med"/>
+                    </a:lnT>
+                    <a:lnB w="38100" cap="flat" cmpd="sng" algn="ctr">
+                      <a:solidFill>
+                        <a:schemeClr val="tx1"/>
+                      </a:solidFill>
+                      <a:prstDash val="solid"/>
+                      <a:round/>
+                      <a:headEnd type="none" w="med" len="med"/>
+                      <a:tailEnd type="none" w="med" len="med"/>
+                    </a:lnB>
+                    <a:solidFill>
+                      <a:srgbClr val="6CF2EF"/>
+                    </a:solidFill>
+                  </a:tcPr>
+                </a:tc>
+                <a:tc>
+                  <a:txBody>
+                    <a:bodyPr/>
+                    <a:lstStyle/>
+                    <a:p>
+                      <a:endParaRPr lang="en-CA" dirty="0"/>
+                    </a:p>
+                  </a:txBody>
+                  <a:tcPr>
+                    <a:lnL w="38100" cap="flat" cmpd="sng" algn="ctr">
+                      <a:solidFill>
+                        <a:schemeClr val="tx1"/>
+                      </a:solidFill>
+                      <a:prstDash val="solid"/>
+                      <a:round/>
+                      <a:headEnd type="none" w="med" len="med"/>
+                      <a:tailEnd type="none" w="med" len="med"/>
+                    </a:lnL>
+                    <a:lnR w="38100" cap="flat" cmpd="sng" algn="ctr">
+                      <a:solidFill>
+                        <a:schemeClr val="tx1"/>
+                      </a:solidFill>
+                      <a:prstDash val="solid"/>
+                      <a:round/>
+                      <a:headEnd type="none" w="med" len="med"/>
+                      <a:tailEnd type="none" w="med" len="med"/>
+                    </a:lnR>
+                    <a:lnT w="38100" cap="flat" cmpd="sng" algn="ctr">
+                      <a:solidFill>
+                        <a:schemeClr val="tx1"/>
+                      </a:solidFill>
+                      <a:prstDash val="solid"/>
+                      <a:round/>
+                      <a:headEnd type="none" w="med" len="med"/>
+                      <a:tailEnd type="none" w="med" len="med"/>
+                    </a:lnT>
+                    <a:lnB w="38100" cap="flat" cmpd="sng" algn="ctr">
+                      <a:solidFill>
+                        <a:schemeClr val="tx1"/>
+                      </a:solidFill>
+                      <a:prstDash val="solid"/>
+                      <a:round/>
+                      <a:headEnd type="none" w="med" len="med"/>
+                      <a:tailEnd type="none" w="med" len="med"/>
+                    </a:lnB>
+                    <a:solidFill>
+                      <a:srgbClr val="15EBE6"/>
+                    </a:solidFill>
+                  </a:tcPr>
+                </a:tc>
+                <a:tc>
+                  <a:txBody>
+                    <a:bodyPr/>
+                    <a:lstStyle/>
+                    <a:p>
+                      <a:endParaRPr lang="en-CA" dirty="0"/>
+                    </a:p>
+                  </a:txBody>
+                  <a:tcPr>
+                    <a:lnL w="38100" cap="flat" cmpd="sng" algn="ctr">
+                      <a:solidFill>
+                        <a:schemeClr val="tx1"/>
+                      </a:solidFill>
+                      <a:prstDash val="solid"/>
+                      <a:round/>
+                      <a:headEnd type="none" w="med" len="med"/>
+                      <a:tailEnd type="none" w="med" len="med"/>
+                    </a:lnL>
+                    <a:lnR w="38100" cap="flat" cmpd="sng" algn="ctr">
+                      <a:solidFill>
+                        <a:schemeClr val="tx1"/>
+                      </a:solidFill>
+                      <a:prstDash val="solid"/>
+                      <a:round/>
+                      <a:headEnd type="none" w="med" len="med"/>
+                      <a:tailEnd type="none" w="med" len="med"/>
+                    </a:lnR>
+                    <a:lnT w="38100" cap="flat" cmpd="sng" algn="ctr">
+                      <a:solidFill>
+                        <a:schemeClr val="tx1"/>
+                      </a:solidFill>
+                      <a:prstDash val="solid"/>
+                      <a:round/>
+                      <a:headEnd type="none" w="med" len="med"/>
+                      <a:tailEnd type="none" w="med" len="med"/>
+                    </a:lnT>
+                    <a:lnB w="38100" cap="flat" cmpd="sng" algn="ctr">
+                      <a:solidFill>
+                        <a:schemeClr val="tx1"/>
+                      </a:solidFill>
+                      <a:prstDash val="solid"/>
+                      <a:round/>
+                      <a:headEnd type="none" w="med" len="med"/>
+                      <a:tailEnd type="none" w="med" len="med"/>
+                    </a:lnB>
+                    <a:solidFill>
+                      <a:srgbClr val="6CF2EF"/>
+                    </a:solidFill>
+                  </a:tcPr>
+                </a:tc>
+                <a:tc>
+                  <a:txBody>
+                    <a:bodyPr/>
+                    <a:lstStyle/>
+                    <a:p>
+                      <a:endParaRPr lang="en-CA" dirty="0"/>
+                    </a:p>
+                  </a:txBody>
+                  <a:tcPr>
+                    <a:lnL w="38100" cap="flat" cmpd="sng" algn="ctr">
+                      <a:solidFill>
+                        <a:schemeClr val="tx1"/>
+                      </a:solidFill>
+                      <a:prstDash val="solid"/>
+                      <a:round/>
+                      <a:headEnd type="none" w="med" len="med"/>
+                      <a:tailEnd type="none" w="med" len="med"/>
+                    </a:lnL>
+                    <a:lnR w="38100" cap="flat" cmpd="sng" algn="ctr">
+                      <a:solidFill>
+                        <a:schemeClr val="tx1"/>
+                      </a:solidFill>
+                      <a:prstDash val="solid"/>
+                      <a:round/>
+                      <a:headEnd type="none" w="med" len="med"/>
+                      <a:tailEnd type="none" w="med" len="med"/>
+                    </a:lnR>
+                    <a:lnT w="38100" cap="flat" cmpd="sng" algn="ctr">
+                      <a:solidFill>
+                        <a:schemeClr val="tx1"/>
+                      </a:solidFill>
+                      <a:prstDash val="solid"/>
+                      <a:round/>
+                      <a:headEnd type="none" w="med" len="med"/>
+                      <a:tailEnd type="none" w="med" len="med"/>
+                    </a:lnT>
+                    <a:lnB w="38100" cap="flat" cmpd="sng" algn="ctr">
+                      <a:solidFill>
+                        <a:schemeClr val="tx1"/>
+                      </a:solidFill>
+                      <a:prstDash val="solid"/>
+                      <a:round/>
+                      <a:headEnd type="none" w="med" len="med"/>
+                      <a:tailEnd type="none" w="med" len="med"/>
+                    </a:lnB>
+                    <a:solidFill>
+                      <a:srgbClr val="0FB5B1"/>
+                    </a:solidFill>
+                  </a:tcPr>
+                </a:tc>
+                <a:tc>
+                  <a:txBody>
+                    <a:bodyPr/>
+                    <a:lstStyle/>
+                    <a:p>
+                      <a:endParaRPr lang="en-CA" dirty="0"/>
+                    </a:p>
+                  </a:txBody>
+                  <a:tcPr>
+                    <a:lnL w="38100" cap="flat" cmpd="sng" algn="ctr">
+                      <a:solidFill>
+                        <a:schemeClr val="tx1"/>
+                      </a:solidFill>
+                      <a:prstDash val="solid"/>
+                      <a:round/>
+                      <a:headEnd type="none" w="med" len="med"/>
+                      <a:tailEnd type="none" w="med" len="med"/>
+                    </a:lnL>
+                    <a:lnR w="38100" cap="flat" cmpd="sng" algn="ctr">
+                      <a:solidFill>
+                        <a:schemeClr val="tx1"/>
+                      </a:solidFill>
+                      <a:prstDash val="solid"/>
+                      <a:round/>
+                      <a:headEnd type="none" w="med" len="med"/>
+                      <a:tailEnd type="none" w="med" len="med"/>
+                    </a:lnR>
+                    <a:lnT w="38100" cap="flat" cmpd="sng" algn="ctr">
+                      <a:solidFill>
+                        <a:schemeClr val="tx1"/>
+                      </a:solidFill>
+                      <a:prstDash val="solid"/>
+                      <a:round/>
+                      <a:headEnd type="none" w="med" len="med"/>
+                      <a:tailEnd type="none" w="med" len="med"/>
+                    </a:lnT>
+                    <a:lnB w="38100" cap="flat" cmpd="sng" algn="ctr">
+                      <a:solidFill>
+                        <a:schemeClr val="tx1"/>
+                      </a:solidFill>
+                      <a:prstDash val="solid"/>
+                      <a:round/>
+                      <a:headEnd type="none" w="med" len="med"/>
+                      <a:tailEnd type="none" w="med" len="med"/>
+                    </a:lnB>
+                    <a:solidFill>
+                      <a:srgbClr val="15EBE6"/>
+                    </a:solidFill>
+                  </a:tcPr>
+                </a:tc>
+                <a:extLst>
+                  <a:ext uri="{0D108BD9-81ED-4DB2-BD59-A6C34878D82A}">
+                    <a16:rowId xmlns:a16="http://schemas.microsoft.com/office/drawing/2014/main" val="3255463400"/>
+                  </a:ext>
+                </a:extLst>
+              </a:tr>
+              <a:tr h="720000">
+                <a:tc>
+                  <a:txBody>
+                    <a:bodyPr/>
+                    <a:lstStyle/>
+                    <a:p>
+                      <a:endParaRPr lang="en-CA" dirty="0"/>
+                    </a:p>
+                  </a:txBody>
+                  <a:tcPr>
+                    <a:lnL w="38100" cap="flat" cmpd="sng" algn="ctr">
+                      <a:solidFill>
+                        <a:schemeClr val="tx1"/>
+                      </a:solidFill>
+                      <a:prstDash val="solid"/>
+                      <a:round/>
+                      <a:headEnd type="none" w="med" len="med"/>
+                      <a:tailEnd type="none" w="med" len="med"/>
+                    </a:lnL>
+                    <a:lnR w="38100" cap="flat" cmpd="sng" algn="ctr">
+                      <a:solidFill>
+                        <a:schemeClr val="tx1"/>
+                      </a:solidFill>
+                      <a:prstDash val="solid"/>
+                      <a:round/>
+                      <a:headEnd type="none" w="med" len="med"/>
+                      <a:tailEnd type="none" w="med" len="med"/>
+                    </a:lnR>
+                    <a:lnT w="38100" cap="flat" cmpd="sng" algn="ctr">
+                      <a:solidFill>
+                        <a:schemeClr val="tx1"/>
+                      </a:solidFill>
+                      <a:prstDash val="solid"/>
+                      <a:round/>
+                      <a:headEnd type="none" w="med" len="med"/>
+                      <a:tailEnd type="none" w="med" len="med"/>
+                    </a:lnT>
+                    <a:lnB w="38100" cap="flat" cmpd="sng" algn="ctr">
+                      <a:solidFill>
+                        <a:schemeClr val="tx1"/>
+                      </a:solidFill>
+                      <a:prstDash val="solid"/>
+                      <a:round/>
+                      <a:headEnd type="none" w="med" len="med"/>
+                      <a:tailEnd type="none" w="med" len="med"/>
+                    </a:lnB>
+                    <a:solidFill>
+                      <a:srgbClr val="B9F9F7"/>
+                    </a:solidFill>
+                  </a:tcPr>
+                </a:tc>
+                <a:tc>
+                  <a:txBody>
+                    <a:bodyPr/>
+                    <a:lstStyle/>
+                    <a:p>
+                      <a:endParaRPr lang="en-CA" dirty="0"/>
+                    </a:p>
+                  </a:txBody>
+                  <a:tcPr>
+                    <a:lnL w="38100" cap="flat" cmpd="sng" algn="ctr">
+                      <a:solidFill>
+                        <a:schemeClr val="tx1"/>
+                      </a:solidFill>
+                      <a:prstDash val="solid"/>
+                      <a:round/>
+                      <a:headEnd type="none" w="med" len="med"/>
+                      <a:tailEnd type="none" w="med" len="med"/>
+                    </a:lnL>
+                    <a:lnR w="38100" cap="flat" cmpd="sng" algn="ctr">
+                      <a:solidFill>
+                        <a:schemeClr val="tx1"/>
+                      </a:solidFill>
+                      <a:prstDash val="solid"/>
+                      <a:round/>
+                      <a:headEnd type="none" w="med" len="med"/>
+                      <a:tailEnd type="none" w="med" len="med"/>
+                    </a:lnR>
+                    <a:lnT w="38100" cap="flat" cmpd="sng" algn="ctr">
+                      <a:solidFill>
+                        <a:schemeClr val="tx1"/>
+                      </a:solidFill>
+                      <a:prstDash val="solid"/>
+                      <a:round/>
+                      <a:headEnd type="none" w="med" len="med"/>
+                      <a:tailEnd type="none" w="med" len="med"/>
+                    </a:lnT>
+                    <a:lnB w="38100" cap="flat" cmpd="sng" algn="ctr">
+                      <a:solidFill>
+                        <a:schemeClr val="tx1"/>
+                      </a:solidFill>
+                      <a:prstDash val="solid"/>
+                      <a:round/>
+                      <a:headEnd type="none" w="med" len="med"/>
+                      <a:tailEnd type="none" w="med" len="med"/>
+                    </a:lnB>
+                    <a:solidFill>
+                      <a:srgbClr val="6CF2EF"/>
+                    </a:solidFill>
+                  </a:tcPr>
+                </a:tc>
+                <a:tc>
+                  <a:txBody>
+                    <a:bodyPr/>
+                    <a:lstStyle/>
+                    <a:p>
+                      <a:endParaRPr lang="en-CA" dirty="0"/>
+                    </a:p>
+                  </a:txBody>
+                  <a:tcPr>
+                    <a:lnL w="38100" cap="flat" cmpd="sng" algn="ctr">
+                      <a:solidFill>
+                        <a:schemeClr val="tx1"/>
+                      </a:solidFill>
+                      <a:prstDash val="solid"/>
+                      <a:round/>
+                      <a:headEnd type="none" w="med" len="med"/>
+                      <a:tailEnd type="none" w="med" len="med"/>
+                    </a:lnL>
+                    <a:lnR w="38100" cap="flat" cmpd="sng" algn="ctr">
+                      <a:solidFill>
+                        <a:schemeClr val="tx1"/>
+                      </a:solidFill>
+                      <a:prstDash val="solid"/>
+                      <a:round/>
+                      <a:headEnd type="none" w="med" len="med"/>
+                      <a:tailEnd type="none" w="med" len="med"/>
+                    </a:lnR>
+                    <a:lnT w="38100" cap="flat" cmpd="sng" algn="ctr">
+                      <a:solidFill>
+                        <a:schemeClr val="tx1"/>
+                      </a:solidFill>
+                      <a:prstDash val="solid"/>
+                      <a:round/>
+                      <a:headEnd type="none" w="med" len="med"/>
+                      <a:tailEnd type="none" w="med" len="med"/>
+                    </a:lnT>
+                    <a:lnB w="38100" cap="flat" cmpd="sng" algn="ctr">
+                      <a:solidFill>
+                        <a:schemeClr val="tx1"/>
+                      </a:solidFill>
+                      <a:prstDash val="solid"/>
+                      <a:round/>
+                      <a:headEnd type="none" w="med" len="med"/>
+                      <a:tailEnd type="none" w="med" len="med"/>
+                    </a:lnB>
+                    <a:solidFill>
+                      <a:srgbClr val="0FB5B1"/>
+                    </a:solidFill>
+                  </a:tcPr>
+                </a:tc>
+                <a:tc>
+                  <a:txBody>
+                    <a:bodyPr/>
+                    <a:lstStyle/>
+                    <a:p>
+                      <a:endParaRPr lang="en-CA" dirty="0"/>
+                    </a:p>
+                  </a:txBody>
+                  <a:tcPr>
+                    <a:lnL w="38100" cap="flat" cmpd="sng" algn="ctr">
+                      <a:solidFill>
+                        <a:schemeClr val="tx1"/>
+                      </a:solidFill>
+                      <a:prstDash val="solid"/>
+                      <a:round/>
+                      <a:headEnd type="none" w="med" len="med"/>
+                      <a:tailEnd type="none" w="med" len="med"/>
+                    </a:lnL>
+                    <a:lnR w="38100" cap="flat" cmpd="sng" algn="ctr">
+                      <a:solidFill>
+                        <a:schemeClr val="tx1"/>
+                      </a:solidFill>
+                      <a:prstDash val="solid"/>
+                      <a:round/>
+                      <a:headEnd type="none" w="med" len="med"/>
+                      <a:tailEnd type="none" w="med" len="med"/>
+                    </a:lnR>
+                    <a:lnT w="38100" cap="flat" cmpd="sng" algn="ctr">
+                      <a:solidFill>
+                        <a:schemeClr val="tx1"/>
+                      </a:solidFill>
+                      <a:prstDash val="solid"/>
+                      <a:round/>
+                      <a:headEnd type="none" w="med" len="med"/>
+                      <a:tailEnd type="none" w="med" len="med"/>
+                    </a:lnT>
+                    <a:lnB w="38100" cap="flat" cmpd="sng" algn="ctr">
+                      <a:solidFill>
+                        <a:schemeClr val="tx1"/>
+                      </a:solidFill>
+                      <a:prstDash val="solid"/>
+                      <a:round/>
+                      <a:headEnd type="none" w="med" len="med"/>
+                      <a:tailEnd type="none" w="med" len="med"/>
+                    </a:lnB>
+                    <a:solidFill>
+                      <a:srgbClr val="B9F9F7"/>
+                    </a:solidFill>
+                  </a:tcPr>
+                </a:tc>
+                <a:tc>
+                  <a:txBody>
+                    <a:bodyPr/>
+                    <a:lstStyle/>
+                    <a:p>
+                      <a:endParaRPr lang="en-CA" dirty="0"/>
+                    </a:p>
+                  </a:txBody>
+                  <a:tcPr>
+                    <a:lnL w="38100" cap="flat" cmpd="sng" algn="ctr">
+                      <a:solidFill>
+                        <a:schemeClr val="tx1"/>
+                      </a:solidFill>
+                      <a:prstDash val="solid"/>
+                      <a:round/>
+                      <a:headEnd type="none" w="med" len="med"/>
+                      <a:tailEnd type="none" w="med" len="med"/>
+                    </a:lnL>
+                    <a:lnR w="38100" cap="flat" cmpd="sng" algn="ctr">
+                      <a:solidFill>
+                        <a:schemeClr val="tx1"/>
+                      </a:solidFill>
+                      <a:prstDash val="solid"/>
+                      <a:round/>
+                      <a:headEnd type="none" w="med" len="med"/>
+                      <a:tailEnd type="none" w="med" len="med"/>
+                    </a:lnR>
+                    <a:lnT w="38100" cap="flat" cmpd="sng" algn="ctr">
+                      <a:solidFill>
+                        <a:schemeClr val="tx1"/>
+                      </a:solidFill>
+                      <a:prstDash val="solid"/>
+                      <a:round/>
+                      <a:headEnd type="none" w="med" len="med"/>
+                      <a:tailEnd type="none" w="med" len="med"/>
+                    </a:lnT>
+                    <a:lnB w="38100" cap="flat" cmpd="sng" algn="ctr">
+                      <a:solidFill>
+                        <a:schemeClr val="tx1"/>
+                      </a:solidFill>
+                      <a:prstDash val="solid"/>
+                      <a:round/>
+                      <a:headEnd type="none" w="med" len="med"/>
+                      <a:tailEnd type="none" w="med" len="med"/>
+                    </a:lnB>
+                    <a:solidFill>
+                      <a:srgbClr val="B9F9F7"/>
+                    </a:solidFill>
+                  </a:tcPr>
+                </a:tc>
+                <a:tc>
+                  <a:txBody>
+                    <a:bodyPr/>
+                    <a:lstStyle/>
+                    <a:p>
+                      <a:endParaRPr lang="en-CA" dirty="0"/>
+                    </a:p>
+                  </a:txBody>
+                  <a:tcPr>
+                    <a:lnL w="38100" cap="flat" cmpd="sng" algn="ctr">
+                      <a:solidFill>
+                        <a:schemeClr val="tx1"/>
+                      </a:solidFill>
+                      <a:prstDash val="solid"/>
+                      <a:round/>
+                      <a:headEnd type="none" w="med" len="med"/>
+                      <a:tailEnd type="none" w="med" len="med"/>
+                    </a:lnL>
+                    <a:lnR w="38100" cap="flat" cmpd="sng" algn="ctr">
+                      <a:solidFill>
+                        <a:schemeClr val="tx1"/>
+                      </a:solidFill>
+                      <a:prstDash val="solid"/>
+                      <a:round/>
+                      <a:headEnd type="none" w="med" len="med"/>
+                      <a:tailEnd type="none" w="med" len="med"/>
+                    </a:lnR>
+                    <a:lnT w="38100" cap="flat" cmpd="sng" algn="ctr">
+                      <a:solidFill>
+                        <a:schemeClr val="tx1"/>
+                      </a:solidFill>
+                      <a:prstDash val="solid"/>
+                      <a:round/>
+                      <a:headEnd type="none" w="med" len="med"/>
+                      <a:tailEnd type="none" w="med" len="med"/>
+                    </a:lnT>
+                    <a:lnB w="38100" cap="flat" cmpd="sng" algn="ctr">
+                      <a:solidFill>
+                        <a:schemeClr val="tx1"/>
+                      </a:solidFill>
+                      <a:prstDash val="solid"/>
+                      <a:round/>
+                      <a:headEnd type="none" w="med" len="med"/>
+                      <a:tailEnd type="none" w="med" len="med"/>
+                    </a:lnB>
+                    <a:solidFill>
+                      <a:schemeClr val="bg1"/>
+                    </a:solidFill>
+                  </a:tcPr>
+                </a:tc>
+                <a:extLst>
+                  <a:ext uri="{0D108BD9-81ED-4DB2-BD59-A6C34878D82A}">
+                    <a16:rowId xmlns:a16="http://schemas.microsoft.com/office/drawing/2014/main" val="2947576756"/>
+                  </a:ext>
+                </a:extLst>
+              </a:tr>
+              <a:tr h="720000">
+                <a:tc>
+                  <a:txBody>
+                    <a:bodyPr/>
+                    <a:lstStyle/>
+                    <a:p>
+                      <a:endParaRPr lang="en-CA" dirty="0"/>
+                    </a:p>
+                  </a:txBody>
+                  <a:tcPr>
+                    <a:lnL w="38100" cap="flat" cmpd="sng" algn="ctr">
+                      <a:solidFill>
+                        <a:schemeClr val="tx1"/>
+                      </a:solidFill>
+                      <a:prstDash val="solid"/>
+                      <a:round/>
+                      <a:headEnd type="none" w="med" len="med"/>
+                      <a:tailEnd type="none" w="med" len="med"/>
+                    </a:lnL>
+                    <a:lnR w="38100" cap="flat" cmpd="sng" algn="ctr">
+                      <a:solidFill>
+                        <a:schemeClr val="tx1"/>
+                      </a:solidFill>
+                      <a:prstDash val="solid"/>
+                      <a:round/>
+                      <a:headEnd type="none" w="med" len="med"/>
+                      <a:tailEnd type="none" w="med" len="med"/>
+                    </a:lnR>
+                    <a:lnT w="38100" cap="flat" cmpd="sng" algn="ctr">
+                      <a:solidFill>
+                        <a:schemeClr val="tx1"/>
+                      </a:solidFill>
+                      <a:prstDash val="solid"/>
+                      <a:round/>
+                      <a:headEnd type="none" w="med" len="med"/>
+                      <a:tailEnd type="none" w="med" len="med"/>
+                    </a:lnT>
+                    <a:lnB w="38100" cap="flat" cmpd="sng" algn="ctr">
+                      <a:solidFill>
+                        <a:schemeClr val="tx1"/>
+                      </a:solidFill>
+                      <a:prstDash val="solid"/>
+                      <a:round/>
+                      <a:headEnd type="none" w="med" len="med"/>
+                      <a:tailEnd type="none" w="med" len="med"/>
+                    </a:lnB>
+                    <a:solidFill>
+                      <a:schemeClr val="bg1"/>
+                    </a:solidFill>
+                  </a:tcPr>
+                </a:tc>
+                <a:tc>
+                  <a:txBody>
+                    <a:bodyPr/>
+                    <a:lstStyle/>
+                    <a:p>
+                      <a:endParaRPr lang="en-CA" dirty="0"/>
+                    </a:p>
+                  </a:txBody>
+                  <a:tcPr>
+                    <a:lnL w="38100" cap="flat" cmpd="sng" algn="ctr">
+                      <a:solidFill>
+                        <a:schemeClr val="tx1"/>
+                      </a:solidFill>
+                      <a:prstDash val="solid"/>
+                      <a:round/>
+                      <a:headEnd type="none" w="med" len="med"/>
+                      <a:tailEnd type="none" w="med" len="med"/>
+                    </a:lnL>
+                    <a:lnR w="38100" cap="flat" cmpd="sng" algn="ctr">
+                      <a:solidFill>
+                        <a:schemeClr val="tx1"/>
+                      </a:solidFill>
+                      <a:prstDash val="solid"/>
+                      <a:round/>
+                      <a:headEnd type="none" w="med" len="med"/>
+                      <a:tailEnd type="none" w="med" len="med"/>
+                    </a:lnR>
+                    <a:lnT w="38100" cap="flat" cmpd="sng" algn="ctr">
+                      <a:solidFill>
+                        <a:schemeClr val="tx1"/>
+                      </a:solidFill>
+                      <a:prstDash val="solid"/>
+                      <a:round/>
+                      <a:headEnd type="none" w="med" len="med"/>
+                      <a:tailEnd type="none" w="med" len="med"/>
+                    </a:lnT>
+                    <a:lnB w="38100" cap="flat" cmpd="sng" algn="ctr">
+                      <a:solidFill>
+                        <a:schemeClr val="tx1"/>
+                      </a:solidFill>
+                      <a:prstDash val="solid"/>
+                      <a:round/>
+                      <a:headEnd type="none" w="med" len="med"/>
+                      <a:tailEnd type="none" w="med" len="med"/>
+                    </a:lnB>
+                    <a:solidFill>
+                      <a:srgbClr val="6CF2EF"/>
+                    </a:solidFill>
+                  </a:tcPr>
+                </a:tc>
+                <a:tc>
+                  <a:txBody>
+                    <a:bodyPr/>
+                    <a:lstStyle/>
+                    <a:p>
+                      <a:endParaRPr lang="en-CA"/>
+                    </a:p>
+                  </a:txBody>
+                  <a:tcPr>
+                    <a:lnL w="38100" cap="flat" cmpd="sng" algn="ctr">
+                      <a:solidFill>
+                        <a:schemeClr val="tx1"/>
+                      </a:solidFill>
+                      <a:prstDash val="solid"/>
+                      <a:round/>
+                      <a:headEnd type="none" w="med" len="med"/>
+                      <a:tailEnd type="none" w="med" len="med"/>
+                    </a:lnL>
+                    <a:lnR w="38100" cap="flat" cmpd="sng" algn="ctr">
+                      <a:solidFill>
+                        <a:schemeClr val="tx1"/>
+                      </a:solidFill>
+                      <a:prstDash val="solid"/>
+                      <a:round/>
+                      <a:headEnd type="none" w="med" len="med"/>
+                      <a:tailEnd type="none" w="med" len="med"/>
+                    </a:lnR>
+                    <a:lnT w="38100" cap="flat" cmpd="sng" algn="ctr">
+                      <a:solidFill>
+                        <a:schemeClr val="tx1"/>
+                      </a:solidFill>
+                      <a:prstDash val="solid"/>
+                      <a:round/>
+                      <a:headEnd type="none" w="med" len="med"/>
+                      <a:tailEnd type="none" w="med" len="med"/>
+                    </a:lnT>
+                    <a:lnB w="38100" cap="flat" cmpd="sng" algn="ctr">
+                      <a:solidFill>
+                        <a:schemeClr val="tx1"/>
+                      </a:solidFill>
+                      <a:prstDash val="solid"/>
+                      <a:round/>
+                      <a:headEnd type="none" w="med" len="med"/>
+                      <a:tailEnd type="none" w="med" len="med"/>
+                    </a:lnB>
+                    <a:solidFill>
+                      <a:schemeClr val="bg1"/>
+                    </a:solidFill>
+                  </a:tcPr>
+                </a:tc>
+                <a:tc>
+                  <a:txBody>
+                    <a:bodyPr/>
+                    <a:lstStyle/>
+                    <a:p>
+                      <a:endParaRPr lang="en-CA"/>
+                    </a:p>
+                  </a:txBody>
+                  <a:tcPr>
+                    <a:lnL w="38100" cap="flat" cmpd="sng" algn="ctr">
+                      <a:solidFill>
+                        <a:schemeClr val="tx1"/>
+                      </a:solidFill>
+                      <a:prstDash val="solid"/>
+                      <a:round/>
+                      <a:headEnd type="none" w="med" len="med"/>
+                      <a:tailEnd type="none" w="med" len="med"/>
+                    </a:lnL>
+                    <a:lnR w="38100" cap="flat" cmpd="sng" algn="ctr">
+                      <a:solidFill>
+                        <a:schemeClr val="tx1"/>
+                      </a:solidFill>
+                      <a:prstDash val="solid"/>
+                      <a:round/>
+                      <a:headEnd type="none" w="med" len="med"/>
+                      <a:tailEnd type="none" w="med" len="med"/>
+                    </a:lnR>
+                    <a:lnT w="38100" cap="flat" cmpd="sng" algn="ctr">
+                      <a:solidFill>
+                        <a:schemeClr val="tx1"/>
+                      </a:solidFill>
+                      <a:prstDash val="solid"/>
+                      <a:round/>
+                      <a:headEnd type="none" w="med" len="med"/>
+                      <a:tailEnd type="none" w="med" len="med"/>
+                    </a:lnT>
+                    <a:lnB w="38100" cap="flat" cmpd="sng" algn="ctr">
+                      <a:solidFill>
+                        <a:schemeClr val="tx1"/>
+                      </a:solidFill>
+                      <a:prstDash val="solid"/>
+                      <a:round/>
+                      <a:headEnd type="none" w="med" len="med"/>
+                      <a:tailEnd type="none" w="med" len="med"/>
+                    </a:lnB>
+                    <a:solidFill>
+                      <a:schemeClr val="bg1"/>
+                    </a:solidFill>
+                  </a:tcPr>
+                </a:tc>
+                <a:tc>
+                  <a:txBody>
+                    <a:bodyPr/>
+                    <a:lstStyle/>
+                    <a:p>
+                      <a:endParaRPr lang="en-CA" dirty="0"/>
+                    </a:p>
+                  </a:txBody>
+                  <a:tcPr>
+                    <a:lnL w="38100" cap="flat" cmpd="sng" algn="ctr">
+                      <a:solidFill>
+                        <a:schemeClr val="tx1"/>
+                      </a:solidFill>
+                      <a:prstDash val="solid"/>
+                      <a:round/>
+                      <a:headEnd type="none" w="med" len="med"/>
+                      <a:tailEnd type="none" w="med" len="med"/>
+                    </a:lnL>
+                    <a:lnR w="38100" cap="flat" cmpd="sng" algn="ctr">
+                      <a:solidFill>
+                        <a:schemeClr val="tx1"/>
+                      </a:solidFill>
+                      <a:prstDash val="solid"/>
+                      <a:round/>
+                      <a:headEnd type="none" w="med" len="med"/>
+                      <a:tailEnd type="none" w="med" len="med"/>
+                    </a:lnR>
+                    <a:lnT w="38100" cap="flat" cmpd="sng" algn="ctr">
+                      <a:solidFill>
+                        <a:schemeClr val="tx1"/>
+                      </a:solidFill>
+                      <a:prstDash val="solid"/>
+                      <a:round/>
+                      <a:headEnd type="none" w="med" len="med"/>
+                      <a:tailEnd type="none" w="med" len="med"/>
+                    </a:lnT>
+                    <a:lnB w="38100" cap="flat" cmpd="sng" algn="ctr">
+                      <a:solidFill>
+                        <a:schemeClr val="tx1"/>
+                      </a:solidFill>
+                      <a:prstDash val="solid"/>
+                      <a:round/>
+                      <a:headEnd type="none" w="med" len="med"/>
+                      <a:tailEnd type="none" w="med" len="med"/>
+                    </a:lnB>
+                    <a:solidFill>
+                      <a:srgbClr val="0FB5B1"/>
+                    </a:solidFill>
+                  </a:tcPr>
+                </a:tc>
+                <a:tc>
+                  <a:txBody>
+                    <a:bodyPr/>
+                    <a:lstStyle/>
+                    <a:p>
+                      <a:endParaRPr lang="en-CA" dirty="0"/>
+                    </a:p>
+                  </a:txBody>
+                  <a:tcPr>
+                    <a:lnL w="38100" cap="flat" cmpd="sng" algn="ctr">
+                      <a:solidFill>
+                        <a:schemeClr val="tx1"/>
+                      </a:solidFill>
+                      <a:prstDash val="solid"/>
+                      <a:round/>
+                      <a:headEnd type="none" w="med" len="med"/>
+                      <a:tailEnd type="none" w="med" len="med"/>
+                    </a:lnL>
+                    <a:lnR w="38100" cap="flat" cmpd="sng" algn="ctr">
+                      <a:solidFill>
+                        <a:schemeClr val="tx1"/>
+                      </a:solidFill>
+                      <a:prstDash val="solid"/>
+                      <a:round/>
+                      <a:headEnd type="none" w="med" len="med"/>
+                      <a:tailEnd type="none" w="med" len="med"/>
+                    </a:lnR>
+                    <a:lnT w="38100" cap="flat" cmpd="sng" algn="ctr">
+                      <a:solidFill>
+                        <a:schemeClr val="tx1"/>
+                      </a:solidFill>
+                      <a:prstDash val="solid"/>
+                      <a:round/>
+                      <a:headEnd type="none" w="med" len="med"/>
+                      <a:tailEnd type="none" w="med" len="med"/>
+                    </a:lnT>
+                    <a:lnB w="38100" cap="flat" cmpd="sng" algn="ctr">
+                      <a:solidFill>
+                        <a:schemeClr val="tx1"/>
+                      </a:solidFill>
+                      <a:prstDash val="solid"/>
+                      <a:round/>
+                      <a:headEnd type="none" w="med" len="med"/>
+                      <a:tailEnd type="none" w="med" len="med"/>
+                    </a:lnB>
+                    <a:solidFill>
+                      <a:srgbClr val="15EBE6"/>
+                    </a:solidFill>
+                  </a:tcPr>
+                </a:tc>
+                <a:extLst>
+                  <a:ext uri="{0D108BD9-81ED-4DB2-BD59-A6C34878D82A}">
+                    <a16:rowId xmlns:a16="http://schemas.microsoft.com/office/drawing/2014/main" val="2758766069"/>
+                  </a:ext>
+                </a:extLst>
+              </a:tr>
+            </a:tbl>
+          </a:graphicData>
+        </a:graphic>
+      </p:graphicFrame>
+      <p:graphicFrame>
+        <p:nvGraphicFramePr>
+          <p:cNvPr id="6" name="Table 5">
+            <a:extLst>
+              <a:ext uri="{FF2B5EF4-FFF2-40B4-BE49-F238E27FC236}">
+                <a16:creationId xmlns:a16="http://schemas.microsoft.com/office/drawing/2014/main" id="{122651F2-FD77-AE41-567B-84EB40AC6FDA}"/>
+              </a:ext>
+            </a:extLst>
+          </p:cNvPr>
+          <p:cNvGraphicFramePr>
+            <a:graphicFrameLocks noGrp="1"/>
+          </p:cNvGraphicFramePr>
+          <p:nvPr>
+            <p:extLst>
+              <p:ext uri="{D42A27DB-BD31-4B8C-83A1-F6EECF244321}">
+                <p14:modId xmlns:p14="http://schemas.microsoft.com/office/powerpoint/2010/main" val="276473647"/>
+              </p:ext>
+            </p:extLst>
+          </p:nvPr>
+        </p:nvGraphicFramePr>
+        <p:xfrm>
+          <a:off x="2297546" y="1284298"/>
+          <a:ext cx="720000" cy="3600000"/>
+        </p:xfrm>
+        <a:graphic>
+          <a:graphicData uri="http://schemas.openxmlformats.org/drawingml/2006/table">
+            <a:tbl>
+              <a:tblPr firstRow="1" bandRow="1">
+                <a:tableStyleId>{5C22544A-7EE6-4342-B048-85BDC9FD1C3A}</a:tableStyleId>
+              </a:tblPr>
+              <a:tblGrid>
+                <a:gridCol w="720000">
+                  <a:extLst>
+                    <a:ext uri="{9D8B030D-6E8A-4147-A177-3AD203B41FA5}">
+                      <a16:colId xmlns:a16="http://schemas.microsoft.com/office/drawing/2014/main" val="3754233225"/>
+                    </a:ext>
+                  </a:extLst>
+                </a:gridCol>
+              </a:tblGrid>
+              <a:tr h="720000">
+                <a:tc>
+                  <a:txBody>
+                    <a:bodyPr/>
+                    <a:lstStyle/>
+                    <a:p>
+                      <a:endParaRPr lang="en-CA" dirty="0"/>
+                    </a:p>
+                  </a:txBody>
+                  <a:tcPr>
+                    <a:lnL w="38100" cap="flat" cmpd="sng" algn="ctr">
+                      <a:solidFill>
+                        <a:schemeClr val="tx1"/>
+                      </a:solidFill>
+                      <a:prstDash val="solid"/>
+                      <a:round/>
+                      <a:headEnd type="none" w="med" len="med"/>
+                      <a:tailEnd type="none" w="med" len="med"/>
+                    </a:lnL>
+                    <a:lnR w="38100" cap="flat" cmpd="sng" algn="ctr">
+                      <a:solidFill>
+                        <a:schemeClr val="tx1"/>
+                      </a:solidFill>
+                      <a:prstDash val="solid"/>
+                      <a:round/>
+                      <a:headEnd type="none" w="med" len="med"/>
+                      <a:tailEnd type="none" w="med" len="med"/>
+                    </a:lnR>
+                    <a:lnT w="38100" cap="flat" cmpd="sng" algn="ctr">
+                      <a:solidFill>
+                        <a:schemeClr val="tx1"/>
+                      </a:solidFill>
+                      <a:prstDash val="solid"/>
+                      <a:round/>
+                      <a:headEnd type="none" w="med" len="med"/>
+                      <a:tailEnd type="none" w="med" len="med"/>
+                    </a:lnT>
+                    <a:lnB w="38100" cap="flat" cmpd="sng" algn="ctr">
+                      <a:solidFill>
+                        <a:schemeClr val="tx1"/>
+                      </a:solidFill>
+                      <a:prstDash val="solid"/>
+                      <a:round/>
+                      <a:headEnd type="none" w="med" len="med"/>
+                      <a:tailEnd type="none" w="med" len="med"/>
+                    </a:lnB>
+                    <a:solidFill>
+                      <a:schemeClr val="bg1"/>
+                    </a:solidFill>
+                  </a:tcPr>
+                </a:tc>
+                <a:extLst>
+                  <a:ext uri="{0D108BD9-81ED-4DB2-BD59-A6C34878D82A}">
+                    <a16:rowId xmlns:a16="http://schemas.microsoft.com/office/drawing/2014/main" val="3496965903"/>
+                  </a:ext>
+                </a:extLst>
+              </a:tr>
+              <a:tr h="720000">
+                <a:tc>
+                  <a:txBody>
+                    <a:bodyPr/>
+                    <a:lstStyle/>
+                    <a:p>
+                      <a:endParaRPr lang="en-CA" dirty="0"/>
+                    </a:p>
+                  </a:txBody>
+                  <a:tcPr>
+                    <a:lnL w="38100" cap="flat" cmpd="sng" algn="ctr">
+                      <a:solidFill>
+                        <a:schemeClr val="tx1"/>
+                      </a:solidFill>
+                      <a:prstDash val="solid"/>
+                      <a:round/>
+                      <a:headEnd type="none" w="med" len="med"/>
+                      <a:tailEnd type="none" w="med" len="med"/>
+                    </a:lnL>
+                    <a:lnR w="38100" cap="flat" cmpd="sng" algn="ctr">
+                      <a:solidFill>
+                        <a:schemeClr val="tx1"/>
+                      </a:solidFill>
+                      <a:prstDash val="solid"/>
+                      <a:round/>
+                      <a:headEnd type="none" w="med" len="med"/>
+                      <a:tailEnd type="none" w="med" len="med"/>
+                    </a:lnR>
+                    <a:lnT w="38100" cap="flat" cmpd="sng" algn="ctr">
+                      <a:solidFill>
+                        <a:schemeClr val="tx1"/>
+                      </a:solidFill>
+                      <a:prstDash val="solid"/>
+                      <a:round/>
+                      <a:headEnd type="none" w="med" len="med"/>
+                      <a:tailEnd type="none" w="med" len="med"/>
+                    </a:lnT>
+                    <a:lnB w="38100" cap="flat" cmpd="sng" algn="ctr">
+                      <a:solidFill>
+                        <a:schemeClr val="tx1"/>
+                      </a:solidFill>
+                      <a:prstDash val="solid"/>
+                      <a:round/>
+                      <a:headEnd type="none" w="med" len="med"/>
+                      <a:tailEnd type="none" w="med" len="med"/>
+                    </a:lnB>
+                    <a:solidFill>
+                      <a:srgbClr val="B9F9F7"/>
+                    </a:solidFill>
+                  </a:tcPr>
+                </a:tc>
+                <a:extLst>
+                  <a:ext uri="{0D108BD9-81ED-4DB2-BD59-A6C34878D82A}">
+                    <a16:rowId xmlns:a16="http://schemas.microsoft.com/office/drawing/2014/main" val="1164404539"/>
+                  </a:ext>
+                </a:extLst>
+              </a:tr>
+              <a:tr h="720000">
+                <a:tc>
+                  <a:txBody>
+                    <a:bodyPr/>
+                    <a:lstStyle/>
+                    <a:p>
+                      <a:endParaRPr lang="en-CA" dirty="0"/>
+                    </a:p>
+                  </a:txBody>
+                  <a:tcPr>
+                    <a:lnL w="38100" cap="flat" cmpd="sng" algn="ctr">
+                      <a:solidFill>
+                        <a:schemeClr val="tx1"/>
+                      </a:solidFill>
+                      <a:prstDash val="solid"/>
+                      <a:round/>
+                      <a:headEnd type="none" w="med" len="med"/>
+                      <a:tailEnd type="none" w="med" len="med"/>
+                    </a:lnL>
+                    <a:lnR w="38100" cap="flat" cmpd="sng" algn="ctr">
+                      <a:solidFill>
+                        <a:schemeClr val="tx1"/>
+                      </a:solidFill>
+                      <a:prstDash val="solid"/>
+                      <a:round/>
+                      <a:headEnd type="none" w="med" len="med"/>
+                      <a:tailEnd type="none" w="med" len="med"/>
+                    </a:lnR>
+                    <a:lnT w="38100" cap="flat" cmpd="sng" algn="ctr">
+                      <a:solidFill>
+                        <a:schemeClr val="tx1"/>
+                      </a:solidFill>
+                      <a:prstDash val="solid"/>
+                      <a:round/>
+                      <a:headEnd type="none" w="med" len="med"/>
+                      <a:tailEnd type="none" w="med" len="med"/>
+                    </a:lnT>
+                    <a:lnB w="38100" cap="flat" cmpd="sng" algn="ctr">
+                      <a:solidFill>
+                        <a:schemeClr val="tx1"/>
+                      </a:solidFill>
+                      <a:prstDash val="solid"/>
+                      <a:round/>
+                      <a:headEnd type="none" w="med" len="med"/>
+                      <a:tailEnd type="none" w="med" len="med"/>
+                    </a:lnB>
+                    <a:solidFill>
+                      <a:srgbClr val="6CF2EF"/>
+                    </a:solidFill>
+                  </a:tcPr>
+                </a:tc>
+                <a:extLst>
+                  <a:ext uri="{0D108BD9-81ED-4DB2-BD59-A6C34878D82A}">
+                    <a16:rowId xmlns:a16="http://schemas.microsoft.com/office/drawing/2014/main" val="43005473"/>
+                  </a:ext>
+                </a:extLst>
+              </a:tr>
+              <a:tr h="720000">
+                <a:tc>
+                  <a:txBody>
+                    <a:bodyPr/>
+                    <a:lstStyle/>
+                    <a:p>
+                      <a:endParaRPr lang="en-CA" dirty="0"/>
+                    </a:p>
+                  </a:txBody>
+                  <a:tcPr>
+                    <a:lnL w="38100" cap="flat" cmpd="sng" algn="ctr">
+                      <a:solidFill>
+                        <a:schemeClr val="tx1"/>
+                      </a:solidFill>
+                      <a:prstDash val="solid"/>
+                      <a:round/>
+                      <a:headEnd type="none" w="med" len="med"/>
+                      <a:tailEnd type="none" w="med" len="med"/>
+                    </a:lnL>
+                    <a:lnR w="38100" cap="flat" cmpd="sng" algn="ctr">
+                      <a:solidFill>
+                        <a:schemeClr val="tx1"/>
+                      </a:solidFill>
+                      <a:prstDash val="solid"/>
+                      <a:round/>
+                      <a:headEnd type="none" w="med" len="med"/>
+                      <a:tailEnd type="none" w="med" len="med"/>
+                    </a:lnR>
+                    <a:lnT w="38100" cap="flat" cmpd="sng" algn="ctr">
+                      <a:solidFill>
+                        <a:schemeClr val="tx1"/>
+                      </a:solidFill>
+                      <a:prstDash val="solid"/>
+                      <a:round/>
+                      <a:headEnd type="none" w="med" len="med"/>
+                      <a:tailEnd type="none" w="med" len="med"/>
+                    </a:lnT>
+                    <a:lnB w="38100" cap="flat" cmpd="sng" algn="ctr">
+                      <a:solidFill>
+                        <a:schemeClr val="tx1"/>
+                      </a:solidFill>
+                      <a:prstDash val="solid"/>
+                      <a:round/>
+                      <a:headEnd type="none" w="med" len="med"/>
+                      <a:tailEnd type="none" w="med" len="med"/>
+                    </a:lnB>
+                    <a:solidFill>
+                      <a:srgbClr val="15EBE6"/>
+                    </a:solidFill>
+                  </a:tcPr>
+                </a:tc>
+                <a:extLst>
+                  <a:ext uri="{0D108BD9-81ED-4DB2-BD59-A6C34878D82A}">
+                    <a16:rowId xmlns:a16="http://schemas.microsoft.com/office/drawing/2014/main" val="958269565"/>
+                  </a:ext>
+                </a:extLst>
+              </a:tr>
+              <a:tr h="720000">
+                <a:tc>
+                  <a:txBody>
+                    <a:bodyPr/>
+                    <a:lstStyle/>
+                    <a:p>
+                      <a:endParaRPr lang="en-CA" dirty="0"/>
+                    </a:p>
+                  </a:txBody>
+                  <a:tcPr>
+                    <a:lnL w="38100" cap="flat" cmpd="sng" algn="ctr">
+                      <a:solidFill>
+                        <a:schemeClr val="tx1"/>
+                      </a:solidFill>
+                      <a:prstDash val="solid"/>
+                      <a:round/>
+                      <a:headEnd type="none" w="med" len="med"/>
+                      <a:tailEnd type="none" w="med" len="med"/>
+                    </a:lnL>
+                    <a:lnR w="38100" cap="flat" cmpd="sng" algn="ctr">
+                      <a:solidFill>
+                        <a:schemeClr val="tx1"/>
+                      </a:solidFill>
+                      <a:prstDash val="solid"/>
+                      <a:round/>
+                      <a:headEnd type="none" w="med" len="med"/>
+                      <a:tailEnd type="none" w="med" len="med"/>
+                    </a:lnR>
+                    <a:lnT w="38100" cap="flat" cmpd="sng" algn="ctr">
+                      <a:solidFill>
+                        <a:schemeClr val="tx1"/>
+                      </a:solidFill>
+                      <a:prstDash val="solid"/>
+                      <a:round/>
+                      <a:headEnd type="none" w="med" len="med"/>
+                      <a:tailEnd type="none" w="med" len="med"/>
+                    </a:lnT>
+                    <a:lnB w="38100" cap="flat" cmpd="sng" algn="ctr">
+                      <a:solidFill>
+                        <a:schemeClr val="tx1"/>
+                      </a:solidFill>
+                      <a:prstDash val="solid"/>
+                      <a:round/>
+                      <a:headEnd type="none" w="med" len="med"/>
+                      <a:tailEnd type="none" w="med" len="med"/>
+                    </a:lnB>
+                    <a:solidFill>
+                      <a:srgbClr val="0FB5B1"/>
+                    </a:solidFill>
+                  </a:tcPr>
+                </a:tc>
+                <a:extLst>
+                  <a:ext uri="{0D108BD9-81ED-4DB2-BD59-A6C34878D82A}">
+                    <a16:rowId xmlns:a16="http://schemas.microsoft.com/office/drawing/2014/main" val="2011182088"/>
+                  </a:ext>
+                </a:extLst>
+              </a:tr>
+            </a:tbl>
+          </a:graphicData>
+        </a:graphic>
+      </p:graphicFrame>
+    </p:spTree>
+    <p:extLst>
+      <p:ext uri="{BB962C8B-B14F-4D97-AF65-F5344CB8AC3E}">
+        <p14:creationId xmlns:p14="http://schemas.microsoft.com/office/powerpoint/2010/main" val="996551298"/>
+      </p:ext>
+    </p:extLst>
+  </p:cSld>
+  <p:clrMapOvr>
+    <a:masterClrMapping/>
+  </p:clrMapOvr>
+</p:sld>
+</file>
+
+<file path=ppt/slides/slide4.xml><?xml version="1.0" encoding="utf-8"?>
+<p:sld xmlns:a="http://schemas.openxmlformats.org/drawingml/2006/main" xmlns:r="http://schemas.openxmlformats.org/officeDocument/2006/relationships" xmlns:p="http://schemas.openxmlformats.org/presentationml/2006/main">
+  <p:cSld>
+    <p:spTree>
+      <p:nvGrpSpPr>
         <p:cNvPr id="1" name="">
           <a:extLst>
             <a:ext uri="{FF2B5EF4-FFF2-40B4-BE49-F238E27FC236}">
@@ -24709,7 +25229,7 @@
 </p:sld>
 </file>
 
-<file path=ppt/slides/slide4.xml><?xml version="1.0" encoding="utf-8"?>
+<file path=ppt/slides/slide5.xml><?xml version="1.0" encoding="utf-8"?>
 <p:sld xmlns:a="http://schemas.openxmlformats.org/drawingml/2006/main" xmlns:r="http://schemas.openxmlformats.org/officeDocument/2006/relationships" xmlns:p="http://schemas.openxmlformats.org/presentationml/2006/main">
   <p:cSld>
     <p:spTree>
@@ -26987,7 +27507,7 @@
 </p:sld>
 </file>
 
-<file path=ppt/slides/slide5.xml><?xml version="1.0" encoding="utf-8"?>
+<file path=ppt/slides/slide6.xml><?xml version="1.0" encoding="utf-8"?>
 <p:sld xmlns:a="http://schemas.openxmlformats.org/drawingml/2006/main" xmlns:r="http://schemas.openxmlformats.org/officeDocument/2006/relationships" xmlns:p="http://schemas.openxmlformats.org/presentationml/2006/main">
   <p:cSld>
     <p:spTree>
@@ -29265,7 +29785,7 @@
 </p:sld>
 </file>
 
-<file path=ppt/slides/slide6.xml><?xml version="1.0" encoding="utf-8"?>
+<file path=ppt/slides/slide7.xml><?xml version="1.0" encoding="utf-8"?>
 <p:sld xmlns:a="http://schemas.openxmlformats.org/drawingml/2006/main" xmlns:r="http://schemas.openxmlformats.org/officeDocument/2006/relationships" xmlns:p="http://schemas.openxmlformats.org/presentationml/2006/main">
   <p:cSld>
     <p:spTree>
@@ -29493,7 +30013,7 @@
 </p:sld>
 </file>
 
-<file path=ppt/slides/slide7.xml><?xml version="1.0" encoding="utf-8"?>
+<file path=ppt/slides/slide8.xml><?xml version="1.0" encoding="utf-8"?>
 <p:sld xmlns:a="http://schemas.openxmlformats.org/drawingml/2006/main" xmlns:r="http://schemas.openxmlformats.org/officeDocument/2006/relationships" xmlns:p="http://schemas.openxmlformats.org/presentationml/2006/main">
   <p:cSld>
     <p:spTree>
@@ -29747,7 +30267,7 @@
 </p:sld>
 </file>
 
-<file path=ppt/slides/slide8.xml><?xml version="1.0" encoding="utf-8"?>
+<file path=ppt/slides/slide9.xml><?xml version="1.0" encoding="utf-8"?>
 <p:sld xmlns:a="http://schemas.openxmlformats.org/drawingml/2006/main" xmlns:r="http://schemas.openxmlformats.org/officeDocument/2006/relationships" xmlns:p="http://schemas.openxmlformats.org/presentationml/2006/main">
   <p:cSld>
     <p:spTree>
@@ -36337,320 +36857,6 @@
 </p:sld>
 </file>
 
-<file path=ppt/slides/slide9.xml><?xml version="1.0" encoding="utf-8"?>
-<p:sld xmlns:a="http://schemas.openxmlformats.org/drawingml/2006/main" xmlns:r="http://schemas.openxmlformats.org/officeDocument/2006/relationships" xmlns:p="http://schemas.openxmlformats.org/presentationml/2006/main">
-  <p:cSld>
-    <p:spTree>
-      <p:nvGrpSpPr>
-        <p:cNvPr id="1" name="">
-          <a:extLst>
-            <a:ext uri="{FF2B5EF4-FFF2-40B4-BE49-F238E27FC236}">
-              <a16:creationId xmlns:a16="http://schemas.microsoft.com/office/drawing/2014/main" id="{A4C132E7-45B4-9E4F-011E-66D12A3C71F8}"/>
-            </a:ext>
-          </a:extLst>
-        </p:cNvPr>
-        <p:cNvGrpSpPr/>
-        <p:nvPr/>
-      </p:nvGrpSpPr>
-      <p:grpSpPr>
-        <a:xfrm>
-          <a:off x="0" y="0"/>
-          <a:ext cx="0" cy="0"/>
-          <a:chOff x="0" y="0"/>
-          <a:chExt cx="0" cy="0"/>
-        </a:xfrm>
-      </p:grpSpPr>
-      <p:sp>
-        <p:nvSpPr>
-          <p:cNvPr id="4" name="Oval 3">
-            <a:extLst>
-              <a:ext uri="{FF2B5EF4-FFF2-40B4-BE49-F238E27FC236}">
-                <a16:creationId xmlns:a16="http://schemas.microsoft.com/office/drawing/2014/main" id="{61901EAE-1406-25AE-DE21-888455B00D22}"/>
-              </a:ext>
-            </a:extLst>
-          </p:cNvPr>
-          <p:cNvSpPr/>
-          <p:nvPr/>
-        </p:nvSpPr>
-        <p:spPr>
-          <a:xfrm rot="2311774">
-            <a:off x="5764453" y="2682581"/>
-            <a:ext cx="1322877" cy="2401108"/>
-          </a:xfrm>
-          <a:prstGeom prst="ellipse">
-            <a:avLst/>
-          </a:prstGeom>
-        </p:spPr>
-        <p:style>
-          <a:lnRef idx="2">
-            <a:schemeClr val="accent1">
-              <a:shade val="15000"/>
-            </a:schemeClr>
-          </a:lnRef>
-          <a:fillRef idx="1">
-            <a:schemeClr val="accent1"/>
-          </a:fillRef>
-          <a:effectRef idx="0">
-            <a:schemeClr val="accent1"/>
-          </a:effectRef>
-          <a:fontRef idx="minor">
-            <a:schemeClr val="lt1"/>
-          </a:fontRef>
-        </p:style>
-        <p:txBody>
-          <a:bodyPr rtlCol="0" anchor="ctr"/>
-          <a:lstStyle/>
-          <a:p>
-            <a:pPr algn="ctr"/>
-            <a:endParaRPr lang="en-CA"/>
-          </a:p>
-        </p:txBody>
-      </p:sp>
-      <p:sp>
-        <p:nvSpPr>
-          <p:cNvPr id="3" name="Oval 2">
-            <a:extLst>
-              <a:ext uri="{FF2B5EF4-FFF2-40B4-BE49-F238E27FC236}">
-                <a16:creationId xmlns:a16="http://schemas.microsoft.com/office/drawing/2014/main" id="{A022C0AF-AE22-C313-5955-0F8E98A0771A}"/>
-              </a:ext>
-            </a:extLst>
-          </p:cNvPr>
-          <p:cNvSpPr/>
-          <p:nvPr/>
-        </p:nvSpPr>
-        <p:spPr>
-          <a:xfrm rot="8174236">
-            <a:off x="4955877" y="3253168"/>
-            <a:ext cx="606217" cy="1787274"/>
-          </a:xfrm>
-          <a:prstGeom prst="ellipse">
-            <a:avLst/>
-          </a:prstGeom>
-        </p:spPr>
-        <p:style>
-          <a:lnRef idx="2">
-            <a:schemeClr val="accent1">
-              <a:shade val="15000"/>
-            </a:schemeClr>
-          </a:lnRef>
-          <a:fillRef idx="1">
-            <a:schemeClr val="accent1"/>
-          </a:fillRef>
-          <a:effectRef idx="0">
-            <a:schemeClr val="accent1"/>
-          </a:effectRef>
-          <a:fontRef idx="minor">
-            <a:schemeClr val="lt1"/>
-          </a:fontRef>
-        </p:style>
-        <p:txBody>
-          <a:bodyPr rtlCol="0" anchor="ctr"/>
-          <a:lstStyle/>
-          <a:p>
-            <a:pPr algn="ctr"/>
-            <a:endParaRPr lang="en-CA"/>
-          </a:p>
-        </p:txBody>
-      </p:sp>
-      <p:sp>
-        <p:nvSpPr>
-          <p:cNvPr id="5" name="Rectangle: Rounded Corners 4">
-            <a:extLst>
-              <a:ext uri="{FF2B5EF4-FFF2-40B4-BE49-F238E27FC236}">
-                <a16:creationId xmlns:a16="http://schemas.microsoft.com/office/drawing/2014/main" id="{EF3DC6FC-C90E-EAB4-70B0-2E97C4B679F7}"/>
-              </a:ext>
-            </a:extLst>
-          </p:cNvPr>
-          <p:cNvSpPr/>
-          <p:nvPr/>
-        </p:nvSpPr>
-        <p:spPr>
-          <a:xfrm>
-            <a:off x="4459224" y="3986784"/>
-            <a:ext cx="3273552" cy="603504"/>
-          </a:xfrm>
-          <a:prstGeom prst="roundRect">
-            <a:avLst>
-              <a:gd name="adj" fmla="val 50000"/>
-            </a:avLst>
-          </a:prstGeom>
-        </p:spPr>
-        <p:style>
-          <a:lnRef idx="2">
-            <a:schemeClr val="accent1">
-              <a:shade val="15000"/>
-            </a:schemeClr>
-          </a:lnRef>
-          <a:fillRef idx="1">
-            <a:schemeClr val="accent1"/>
-          </a:fillRef>
-          <a:effectRef idx="0">
-            <a:schemeClr val="accent1"/>
-          </a:effectRef>
-          <a:fontRef idx="minor">
-            <a:schemeClr val="lt1"/>
-          </a:fontRef>
-        </p:style>
-        <p:txBody>
-          <a:bodyPr rtlCol="0" anchor="ctr"/>
-          <a:lstStyle/>
-          <a:p>
-            <a:pPr algn="ctr"/>
-            <a:endParaRPr lang="en-CA"/>
-          </a:p>
-        </p:txBody>
-      </p:sp>
-      <p:sp>
-        <p:nvSpPr>
-          <p:cNvPr id="2" name="Oval 1">
-            <a:extLst>
-              <a:ext uri="{FF2B5EF4-FFF2-40B4-BE49-F238E27FC236}">
-                <a16:creationId xmlns:a16="http://schemas.microsoft.com/office/drawing/2014/main" id="{ED99657A-524B-8111-2266-8C37E5880037}"/>
-              </a:ext>
-            </a:extLst>
-          </p:cNvPr>
-          <p:cNvSpPr/>
-          <p:nvPr/>
-        </p:nvSpPr>
-        <p:spPr>
-          <a:xfrm rot="2311774">
-            <a:off x="3958117" y="3300984"/>
-            <a:ext cx="533400" cy="1691640"/>
-          </a:xfrm>
-          <a:prstGeom prst="ellipse">
-            <a:avLst/>
-          </a:prstGeom>
-        </p:spPr>
-        <p:style>
-          <a:lnRef idx="2">
-            <a:schemeClr val="accent1">
-              <a:shade val="15000"/>
-            </a:schemeClr>
-          </a:lnRef>
-          <a:fillRef idx="1">
-            <a:schemeClr val="accent1"/>
-          </a:fillRef>
-          <a:effectRef idx="0">
-            <a:schemeClr val="accent1"/>
-          </a:effectRef>
-          <a:fontRef idx="minor">
-            <a:schemeClr val="lt1"/>
-          </a:fontRef>
-        </p:style>
-        <p:txBody>
-          <a:bodyPr rtlCol="0" anchor="ctr"/>
-          <a:lstStyle/>
-          <a:p>
-            <a:pPr algn="ctr"/>
-            <a:endParaRPr lang="en-CA"/>
-          </a:p>
-        </p:txBody>
-      </p:sp>
-      <p:sp>
-        <p:nvSpPr>
-          <p:cNvPr id="11" name="Oval 10">
-            <a:extLst>
-              <a:ext uri="{FF2B5EF4-FFF2-40B4-BE49-F238E27FC236}">
-                <a16:creationId xmlns:a16="http://schemas.microsoft.com/office/drawing/2014/main" id="{EBFCFC74-A70B-6C26-4D77-9C1741AA03BB}"/>
-              </a:ext>
-            </a:extLst>
-          </p:cNvPr>
-          <p:cNvSpPr/>
-          <p:nvPr/>
-        </p:nvSpPr>
-        <p:spPr>
-          <a:xfrm>
-            <a:off x="5925312" y="1124712"/>
-            <a:ext cx="2185416" cy="2048256"/>
-          </a:xfrm>
-          <a:prstGeom prst="ellipse">
-            <a:avLst/>
-          </a:prstGeom>
-        </p:spPr>
-        <p:style>
-          <a:lnRef idx="2">
-            <a:schemeClr val="accent1">
-              <a:shade val="15000"/>
-            </a:schemeClr>
-          </a:lnRef>
-          <a:fillRef idx="1">
-            <a:schemeClr val="accent1"/>
-          </a:fillRef>
-          <a:effectRef idx="0">
-            <a:schemeClr val="accent1"/>
-          </a:effectRef>
-          <a:fontRef idx="minor">
-            <a:schemeClr val="lt1"/>
-          </a:fontRef>
-        </p:style>
-        <p:txBody>
-          <a:bodyPr rtlCol="0" anchor="ctr"/>
-          <a:lstStyle/>
-          <a:p>
-            <a:pPr algn="ctr"/>
-            <a:endParaRPr lang="en-CA"/>
-          </a:p>
-        </p:txBody>
-      </p:sp>
-      <p:sp>
-        <p:nvSpPr>
-          <p:cNvPr id="14" name="Oval 13">
-            <a:extLst>
-              <a:ext uri="{FF2B5EF4-FFF2-40B4-BE49-F238E27FC236}">
-                <a16:creationId xmlns:a16="http://schemas.microsoft.com/office/drawing/2014/main" id="{ECAA06B8-FDB8-2117-DE4F-1D000E3C9629}"/>
-              </a:ext>
-            </a:extLst>
-          </p:cNvPr>
-          <p:cNvSpPr/>
-          <p:nvPr/>
-        </p:nvSpPr>
-        <p:spPr>
-          <a:xfrm rot="1875076">
-            <a:off x="6159190" y="3086972"/>
-            <a:ext cx="533400" cy="1691640"/>
-          </a:xfrm>
-          <a:prstGeom prst="ellipse">
-            <a:avLst/>
-          </a:prstGeom>
-        </p:spPr>
-        <p:style>
-          <a:lnRef idx="2">
-            <a:schemeClr val="accent1">
-              <a:shade val="15000"/>
-            </a:schemeClr>
-          </a:lnRef>
-          <a:fillRef idx="1">
-            <a:schemeClr val="accent1"/>
-          </a:fillRef>
-          <a:effectRef idx="0">
-            <a:schemeClr val="accent1"/>
-          </a:effectRef>
-          <a:fontRef idx="minor">
-            <a:schemeClr val="lt1"/>
-          </a:fontRef>
-        </p:style>
-        <p:txBody>
-          <a:bodyPr rtlCol="0" anchor="ctr"/>
-          <a:lstStyle/>
-          <a:p>
-            <a:pPr algn="ctr"/>
-            <a:endParaRPr lang="en-CA"/>
-          </a:p>
-        </p:txBody>
-      </p:sp>
-    </p:spTree>
-    <p:extLst>
-      <p:ext uri="{BB962C8B-B14F-4D97-AF65-F5344CB8AC3E}">
-        <p14:creationId xmlns:p14="http://schemas.microsoft.com/office/powerpoint/2010/main" val="2659008977"/>
-      </p:ext>
-    </p:extLst>
-  </p:cSld>
-  <p:clrMapOvr>
-    <a:masterClrMapping/>
-  </p:clrMapOvr>
-</p:sld>
-</file>
-
 <file path=ppt/theme/theme1.xml><?xml version="1.0" encoding="utf-8"?>
 <a:theme xmlns:a="http://schemas.openxmlformats.org/drawingml/2006/main" name="Office Theme">
   <a:themeElements>
